--- a/Calendario2022/Presentaciones/18_OSPF.pptx
+++ b/Calendario2022/Presentaciones/18_OSPF.pptx
@@ -5,16 +5,33 @@
     <p:sldMasterId id="2147483648" r:id="rId1"/>
   </p:sldMasterIdLst>
   <p:notesMasterIdLst>
-    <p:notesMasterId r:id="rId9"/>
+    <p:notesMasterId r:id="rId26"/>
   </p:notesMasterIdLst>
   <p:sldIdLst>
     <p:sldId id="257" r:id="rId2"/>
-    <p:sldId id="275" r:id="rId3"/>
-    <p:sldId id="303" r:id="rId4"/>
-    <p:sldId id="307" r:id="rId5"/>
-    <p:sldId id="262" r:id="rId6"/>
-    <p:sldId id="308" r:id="rId7"/>
-    <p:sldId id="309" r:id="rId8"/>
+    <p:sldId id="991" r:id="rId3"/>
+    <p:sldId id="993" r:id="rId4"/>
+    <p:sldId id="994" r:id="rId5"/>
+    <p:sldId id="996" r:id="rId6"/>
+    <p:sldId id="997" r:id="rId7"/>
+    <p:sldId id="998" r:id="rId8"/>
+    <p:sldId id="999" r:id="rId9"/>
+    <p:sldId id="1009" r:id="rId10"/>
+    <p:sldId id="1010" r:id="rId11"/>
+    <p:sldId id="1011" r:id="rId12"/>
+    <p:sldId id="1012" r:id="rId13"/>
+    <p:sldId id="1000" r:id="rId14"/>
+    <p:sldId id="1001" r:id="rId15"/>
+    <p:sldId id="1007" r:id="rId16"/>
+    <p:sldId id="1008" r:id="rId17"/>
+    <p:sldId id="1004" r:id="rId18"/>
+    <p:sldId id="1005" r:id="rId19"/>
+    <p:sldId id="275" r:id="rId20"/>
+    <p:sldId id="303" r:id="rId21"/>
+    <p:sldId id="307" r:id="rId22"/>
+    <p:sldId id="262" r:id="rId23"/>
+    <p:sldId id="308" r:id="rId24"/>
+    <p:sldId id="309" r:id="rId25"/>
   </p:sldIdLst>
   <p:sldSz cx="9144000" cy="6858000" type="screen4x3"/>
   <p:notesSz cx="6858000" cy="9144000"/>
@@ -214,7 +231,7 @@
           <a:p>
             <a:fld id="{2D445F07-8756-451B-A938-0248325FC7BB}" type="datetimeFigureOut">
               <a:rPr lang="es-MX" smtClean="0"/>
-              <a:t>04/05/2022</a:t>
+              <a:t>08/05/2022</a:t>
             </a:fld>
             <a:endParaRPr lang="es-MX" dirty="0"/>
           </a:p>
@@ -566,6 +583,1790 @@
 </p:notes>
 </file>
 
+<file path=ppt/notesSlides/notesSlide10.xml><?xml version="1.0" encoding="utf-8"?>
+<p:notes xmlns:a="http://schemas.openxmlformats.org/drawingml/2006/main" xmlns:r="http://schemas.openxmlformats.org/officeDocument/2006/relationships" xmlns:p="http://schemas.openxmlformats.org/presentationml/2006/main">
+  <p:cSld>
+    <p:spTree>
+      <p:nvGrpSpPr>
+        <p:cNvPr id="1" name=""/>
+        <p:cNvGrpSpPr/>
+        <p:nvPr/>
+      </p:nvGrpSpPr>
+      <p:grpSpPr>
+        <a:xfrm>
+          <a:off x="0" y="0"/>
+          <a:ext cx="0" cy="0"/>
+          <a:chOff x="0" y="0"/>
+          <a:chExt cx="0" cy="0"/>
+        </a:xfrm>
+      </p:grpSpPr>
+      <p:sp>
+        <p:nvSpPr>
+          <p:cNvPr id="87042" name="Rectangle 11"/>
+          <p:cNvSpPr>
+            <a:spLocks noGrp="1" noChangeArrowheads="1"/>
+          </p:cNvSpPr>
+          <p:nvPr>
+            <p:ph type="sldNum" sz="quarter" idx="5"/>
+          </p:nvPr>
+        </p:nvSpPr>
+        <p:spPr>
+          <a:noFill/>
+        </p:spPr>
+        <p:txBody>
+          <a:bodyPr/>
+          <a:lstStyle/>
+          <a:p>
+            <a:fld id="{570978E6-FB79-4E74-A4A4-2BA13DA27C44}" type="slidenum">
+              <a:rPr lang="en-US" smtClean="0"/>
+              <a:pPr/>
+              <a:t>10</a:t>
+            </a:fld>
+            <a:endParaRPr lang="es-ES" dirty="0"/>
+          </a:p>
+        </p:txBody>
+      </p:sp>
+      <p:sp>
+        <p:nvSpPr>
+          <p:cNvPr id="87043" name="Rectangle 2"/>
+          <p:cNvSpPr>
+            <a:spLocks noGrp="1" noRot="1" noChangeAspect="1" noChangeArrowheads="1" noTextEdit="1"/>
+          </p:cNvSpPr>
+          <p:nvPr>
+            <p:ph type="sldImg"/>
+          </p:nvPr>
+        </p:nvSpPr>
+        <p:spPr>
+          <a:ln/>
+        </p:spPr>
+      </p:sp>
+      <p:sp>
+        <p:nvSpPr>
+          <p:cNvPr id="87044" name="Rectangle 3"/>
+          <p:cNvSpPr>
+            <a:spLocks noGrp="1" noChangeArrowheads="1"/>
+          </p:cNvSpPr>
+          <p:nvPr>
+            <p:ph type="body" idx="1"/>
+          </p:nvPr>
+        </p:nvSpPr>
+        <p:spPr>
+          <a:noFill/>
+          <a:ln/>
+        </p:spPr>
+        <p:txBody>
+          <a:bodyPr/>
+          <a:lstStyle/>
+          <a:p>
+            <a:pPr>
+              <a:lnSpc>
+                <a:spcPct val="80000"/>
+              </a:lnSpc>
+              <a:buFontTx/>
+              <a:buNone/>
+            </a:pPr>
+            <a:r>
+              <a:rPr lang="es-ES" sz="1200" kern="1200" dirty="0">
+                <a:solidFill>
+                  <a:schemeClr val="tx1"/>
+                </a:solidFill>
+                <a:latin typeface="Arial" charset="0"/>
+              </a:rPr>
+              <a:t>3.2</a:t>
+            </a:r>
+            <a:r>
+              <a:rPr lang="es-ES" dirty="0"/>
+              <a:t> </a:t>
+            </a:r>
+            <a:r>
+              <a:rPr lang="es-ES" sz="1200" kern="1200" dirty="0">
+                <a:solidFill>
+                  <a:schemeClr val="tx1"/>
+                </a:solidFill>
+                <a:latin typeface="Arial" charset="0"/>
+              </a:rPr>
+              <a:t>– </a:t>
+            </a:r>
+            <a:r>
+              <a:rPr lang="es-ES" sz="1200" kern="1200" dirty="0">
+                <a:solidFill>
+                  <a:schemeClr val="tx1"/>
+                </a:solidFill>
+                <a:effectLst/>
+                <a:latin typeface="Arial" charset="0"/>
+              </a:rPr>
+              <a:t>RIPv2</a:t>
+            </a:r>
+          </a:p>
+          <a:p>
+            <a:pPr>
+              <a:lnSpc>
+                <a:spcPct val="80000"/>
+              </a:lnSpc>
+              <a:buFontTx/>
+              <a:buNone/>
+            </a:pPr>
+            <a:r>
+              <a:rPr lang="es-ES" dirty="0">
+                <a:latin typeface="Arial" charset="0"/>
+              </a:rPr>
+              <a:t>3.2.1 – Configurar el protocolo RIP</a:t>
+            </a:r>
+          </a:p>
+          <a:p>
+            <a:pPr marL="112713" marR="0" indent="-112713" algn="l" defTabSz="1020763" rtl="0" eaLnBrk="0" fontAlgn="base" latinLnBrk="0" hangingPunct="0">
+              <a:lnSpc>
+                <a:spcPct val="80000"/>
+              </a:lnSpc>
+              <a:spcBef>
+                <a:spcPct val="50000"/>
+              </a:spcBef>
+              <a:spcAft>
+                <a:spcPct val="0"/>
+              </a:spcAft>
+              <a:buClrTx/>
+              <a:buSzPct val="100000"/>
+              <a:buFontTx/>
+              <a:buNone/>
+              <a:tabLst/>
+              <a:defRPr/>
+            </a:pPr>
+            <a:r>
+              <a:rPr lang="es-ES" sz="1200" b="0" i="0" kern="1200" dirty="0">
+                <a:solidFill>
+                  <a:schemeClr val="tx1"/>
+                </a:solidFill>
+                <a:effectLst/>
+                <a:latin typeface="Arial" charset="0"/>
+              </a:rPr>
+              <a:t>3.2.1.1</a:t>
+            </a:r>
+            <a:r>
+              <a:rPr lang="es-ES" dirty="0"/>
+              <a:t> </a:t>
+            </a:r>
+            <a:r>
+              <a:rPr lang="es-ES" sz="1200" b="0" i="0" kern="1200" dirty="0">
+                <a:solidFill>
+                  <a:schemeClr val="tx1"/>
+                </a:solidFill>
+                <a:effectLst/>
+                <a:latin typeface="Arial" charset="0"/>
+              </a:rPr>
+              <a:t>– Modos de configuración RIP de un router</a:t>
+            </a:r>
+          </a:p>
+        </p:txBody>
+      </p:sp>
+    </p:spTree>
+    <p:extLst>
+      <p:ext uri="{BB962C8B-B14F-4D97-AF65-F5344CB8AC3E}">
+        <p14:creationId xmlns:p14="http://schemas.microsoft.com/office/powerpoint/2010/main" val="2204623783"/>
+      </p:ext>
+    </p:extLst>
+  </p:cSld>
+  <p:clrMapOvr>
+    <a:masterClrMapping/>
+  </p:clrMapOvr>
+</p:notes>
+</file>
+
+<file path=ppt/notesSlides/notesSlide11.xml><?xml version="1.0" encoding="utf-8"?>
+<p:notes xmlns:a="http://schemas.openxmlformats.org/drawingml/2006/main" xmlns:r="http://schemas.openxmlformats.org/officeDocument/2006/relationships" xmlns:p="http://schemas.openxmlformats.org/presentationml/2006/main">
+  <p:cSld>
+    <p:spTree>
+      <p:nvGrpSpPr>
+        <p:cNvPr id="1" name=""/>
+        <p:cNvGrpSpPr/>
+        <p:nvPr/>
+      </p:nvGrpSpPr>
+      <p:grpSpPr>
+        <a:xfrm>
+          <a:off x="0" y="0"/>
+          <a:ext cx="0" cy="0"/>
+          <a:chOff x="0" y="0"/>
+          <a:chExt cx="0" cy="0"/>
+        </a:xfrm>
+      </p:grpSpPr>
+      <p:sp>
+        <p:nvSpPr>
+          <p:cNvPr id="87042" name="Rectangle 11"/>
+          <p:cNvSpPr>
+            <a:spLocks noGrp="1" noChangeArrowheads="1"/>
+          </p:cNvSpPr>
+          <p:nvPr>
+            <p:ph type="sldNum" sz="quarter" idx="5"/>
+          </p:nvPr>
+        </p:nvSpPr>
+        <p:spPr>
+          <a:noFill/>
+        </p:spPr>
+        <p:txBody>
+          <a:bodyPr/>
+          <a:lstStyle/>
+          <a:p>
+            <a:fld id="{570978E6-FB79-4E74-A4A4-2BA13DA27C44}" type="slidenum">
+              <a:rPr lang="en-US" smtClean="0"/>
+              <a:pPr/>
+              <a:t>11</a:t>
+            </a:fld>
+            <a:endParaRPr lang="es-ES" dirty="0"/>
+          </a:p>
+        </p:txBody>
+      </p:sp>
+      <p:sp>
+        <p:nvSpPr>
+          <p:cNvPr id="87043" name="Rectangle 2"/>
+          <p:cNvSpPr>
+            <a:spLocks noGrp="1" noRot="1" noChangeAspect="1" noChangeArrowheads="1" noTextEdit="1"/>
+          </p:cNvSpPr>
+          <p:nvPr>
+            <p:ph type="sldImg"/>
+          </p:nvPr>
+        </p:nvSpPr>
+        <p:spPr>
+          <a:ln/>
+        </p:spPr>
+      </p:sp>
+      <p:sp>
+        <p:nvSpPr>
+          <p:cNvPr id="87044" name="Rectangle 3"/>
+          <p:cNvSpPr>
+            <a:spLocks noGrp="1" noChangeArrowheads="1"/>
+          </p:cNvSpPr>
+          <p:nvPr>
+            <p:ph type="body" idx="1"/>
+          </p:nvPr>
+        </p:nvSpPr>
+        <p:spPr>
+          <a:noFill/>
+          <a:ln/>
+        </p:spPr>
+        <p:txBody>
+          <a:bodyPr/>
+          <a:lstStyle/>
+          <a:p>
+            <a:pPr>
+              <a:lnSpc>
+                <a:spcPct val="80000"/>
+              </a:lnSpc>
+              <a:buFontTx/>
+              <a:buNone/>
+            </a:pPr>
+            <a:r>
+              <a:rPr lang="es-ES" sz="1200" kern="1200" dirty="0">
+                <a:solidFill>
+                  <a:schemeClr val="tx1"/>
+                </a:solidFill>
+                <a:latin typeface="Arial" charset="0"/>
+              </a:rPr>
+              <a:t>3.2</a:t>
+            </a:r>
+            <a:r>
+              <a:rPr lang="es-ES" dirty="0"/>
+              <a:t> </a:t>
+            </a:r>
+            <a:r>
+              <a:rPr lang="es-ES" sz="1200" kern="1200" dirty="0">
+                <a:solidFill>
+                  <a:schemeClr val="tx1"/>
+                </a:solidFill>
+                <a:latin typeface="Arial" charset="0"/>
+              </a:rPr>
+              <a:t>– </a:t>
+            </a:r>
+            <a:r>
+              <a:rPr lang="es-ES" sz="1200" kern="1200" dirty="0">
+                <a:solidFill>
+                  <a:schemeClr val="tx1"/>
+                </a:solidFill>
+                <a:effectLst/>
+                <a:latin typeface="Arial" charset="0"/>
+              </a:rPr>
+              <a:t>RIPv2</a:t>
+            </a:r>
+          </a:p>
+          <a:p>
+            <a:pPr>
+              <a:lnSpc>
+                <a:spcPct val="80000"/>
+              </a:lnSpc>
+              <a:buFontTx/>
+              <a:buNone/>
+            </a:pPr>
+            <a:r>
+              <a:rPr lang="es-ES" dirty="0">
+                <a:latin typeface="Arial" charset="0"/>
+              </a:rPr>
+              <a:t>3.2.1 – Configurar el protocolo RIP</a:t>
+            </a:r>
+          </a:p>
+          <a:p>
+            <a:pPr marL="112713" marR="0" indent="-112713" algn="l" defTabSz="1020763" rtl="0" eaLnBrk="0" fontAlgn="base" latinLnBrk="0" hangingPunct="0">
+              <a:lnSpc>
+                <a:spcPct val="80000"/>
+              </a:lnSpc>
+              <a:spcBef>
+                <a:spcPct val="50000"/>
+              </a:spcBef>
+              <a:spcAft>
+                <a:spcPct val="0"/>
+              </a:spcAft>
+              <a:buClrTx/>
+              <a:buSzPct val="100000"/>
+              <a:buFontTx/>
+              <a:buNone/>
+              <a:tabLst/>
+              <a:defRPr/>
+            </a:pPr>
+            <a:r>
+              <a:rPr lang="es-ES" sz="1200" b="0" i="0" kern="1200" dirty="0">
+                <a:solidFill>
+                  <a:schemeClr val="tx1"/>
+                </a:solidFill>
+                <a:effectLst/>
+                <a:latin typeface="Arial" charset="0"/>
+              </a:rPr>
+              <a:t>3.2.1.1</a:t>
+            </a:r>
+            <a:r>
+              <a:rPr lang="es-ES" dirty="0"/>
+              <a:t> </a:t>
+            </a:r>
+            <a:r>
+              <a:rPr lang="es-ES" sz="1200" b="0" i="0" kern="1200" dirty="0">
+                <a:solidFill>
+                  <a:schemeClr val="tx1"/>
+                </a:solidFill>
+                <a:effectLst/>
+                <a:latin typeface="Arial" charset="0"/>
+              </a:rPr>
+              <a:t>– Modos de configuración RIP de un router</a:t>
+            </a:r>
+          </a:p>
+        </p:txBody>
+      </p:sp>
+    </p:spTree>
+    <p:extLst>
+      <p:ext uri="{BB962C8B-B14F-4D97-AF65-F5344CB8AC3E}">
+        <p14:creationId xmlns:p14="http://schemas.microsoft.com/office/powerpoint/2010/main" val="3156282131"/>
+      </p:ext>
+    </p:extLst>
+  </p:cSld>
+  <p:clrMapOvr>
+    <a:masterClrMapping/>
+  </p:clrMapOvr>
+</p:notes>
+</file>
+
+<file path=ppt/notesSlides/notesSlide12.xml><?xml version="1.0" encoding="utf-8"?>
+<p:notes xmlns:a="http://schemas.openxmlformats.org/drawingml/2006/main" xmlns:r="http://schemas.openxmlformats.org/officeDocument/2006/relationships" xmlns:p="http://schemas.openxmlformats.org/presentationml/2006/main">
+  <p:cSld>
+    <p:spTree>
+      <p:nvGrpSpPr>
+        <p:cNvPr id="1" name=""/>
+        <p:cNvGrpSpPr/>
+        <p:nvPr/>
+      </p:nvGrpSpPr>
+      <p:grpSpPr>
+        <a:xfrm>
+          <a:off x="0" y="0"/>
+          <a:ext cx="0" cy="0"/>
+          <a:chOff x="0" y="0"/>
+          <a:chExt cx="0" cy="0"/>
+        </a:xfrm>
+      </p:grpSpPr>
+      <p:sp>
+        <p:nvSpPr>
+          <p:cNvPr id="87042" name="Rectangle 11"/>
+          <p:cNvSpPr>
+            <a:spLocks noGrp="1" noChangeArrowheads="1"/>
+          </p:cNvSpPr>
+          <p:nvPr>
+            <p:ph type="sldNum" sz="quarter" idx="5"/>
+          </p:nvPr>
+        </p:nvSpPr>
+        <p:spPr>
+          <a:noFill/>
+        </p:spPr>
+        <p:txBody>
+          <a:bodyPr/>
+          <a:lstStyle/>
+          <a:p>
+            <a:fld id="{570978E6-FB79-4E74-A4A4-2BA13DA27C44}" type="slidenum">
+              <a:rPr lang="en-US" smtClean="0"/>
+              <a:pPr/>
+              <a:t>12</a:t>
+            </a:fld>
+            <a:endParaRPr lang="es-ES" dirty="0"/>
+          </a:p>
+        </p:txBody>
+      </p:sp>
+      <p:sp>
+        <p:nvSpPr>
+          <p:cNvPr id="87043" name="Rectangle 2"/>
+          <p:cNvSpPr>
+            <a:spLocks noGrp="1" noRot="1" noChangeAspect="1" noChangeArrowheads="1" noTextEdit="1"/>
+          </p:cNvSpPr>
+          <p:nvPr>
+            <p:ph type="sldImg"/>
+          </p:nvPr>
+        </p:nvSpPr>
+        <p:spPr>
+          <a:ln/>
+        </p:spPr>
+      </p:sp>
+      <p:sp>
+        <p:nvSpPr>
+          <p:cNvPr id="87044" name="Rectangle 3"/>
+          <p:cNvSpPr>
+            <a:spLocks noGrp="1" noChangeArrowheads="1"/>
+          </p:cNvSpPr>
+          <p:nvPr>
+            <p:ph type="body" idx="1"/>
+          </p:nvPr>
+        </p:nvSpPr>
+        <p:spPr>
+          <a:noFill/>
+          <a:ln/>
+        </p:spPr>
+        <p:txBody>
+          <a:bodyPr/>
+          <a:lstStyle/>
+          <a:p>
+            <a:pPr>
+              <a:lnSpc>
+                <a:spcPct val="80000"/>
+              </a:lnSpc>
+              <a:buFontTx/>
+              <a:buNone/>
+            </a:pPr>
+            <a:r>
+              <a:rPr lang="es-ES" sz="1200" kern="1200" dirty="0">
+                <a:solidFill>
+                  <a:schemeClr val="tx1"/>
+                </a:solidFill>
+                <a:latin typeface="Arial" charset="0"/>
+              </a:rPr>
+              <a:t>3.2</a:t>
+            </a:r>
+            <a:r>
+              <a:rPr lang="es-ES" dirty="0"/>
+              <a:t> </a:t>
+            </a:r>
+            <a:r>
+              <a:rPr lang="es-ES" sz="1200" kern="1200" dirty="0">
+                <a:solidFill>
+                  <a:schemeClr val="tx1"/>
+                </a:solidFill>
+                <a:latin typeface="Arial" charset="0"/>
+              </a:rPr>
+              <a:t>– </a:t>
+            </a:r>
+            <a:r>
+              <a:rPr lang="es-ES" sz="1200" kern="1200" dirty="0">
+                <a:solidFill>
+                  <a:schemeClr val="tx1"/>
+                </a:solidFill>
+                <a:effectLst/>
+                <a:latin typeface="Arial" charset="0"/>
+              </a:rPr>
+              <a:t>RIPv2</a:t>
+            </a:r>
+          </a:p>
+          <a:p>
+            <a:pPr>
+              <a:lnSpc>
+                <a:spcPct val="80000"/>
+              </a:lnSpc>
+              <a:buFontTx/>
+              <a:buNone/>
+            </a:pPr>
+            <a:r>
+              <a:rPr lang="es-ES" dirty="0">
+                <a:latin typeface="Arial" charset="0"/>
+              </a:rPr>
+              <a:t>3.2.1 – Configurar el protocolo RIP</a:t>
+            </a:r>
+          </a:p>
+          <a:p>
+            <a:pPr marL="112713" marR="0" indent="-112713" algn="l" defTabSz="1020763" rtl="0" eaLnBrk="0" fontAlgn="base" latinLnBrk="0" hangingPunct="0">
+              <a:lnSpc>
+                <a:spcPct val="80000"/>
+              </a:lnSpc>
+              <a:spcBef>
+                <a:spcPct val="50000"/>
+              </a:spcBef>
+              <a:spcAft>
+                <a:spcPct val="0"/>
+              </a:spcAft>
+              <a:buClrTx/>
+              <a:buSzPct val="100000"/>
+              <a:buFontTx/>
+              <a:buNone/>
+              <a:tabLst/>
+              <a:defRPr/>
+            </a:pPr>
+            <a:r>
+              <a:rPr lang="es-ES" sz="1200" b="0" i="0" kern="1200" dirty="0">
+                <a:solidFill>
+                  <a:schemeClr val="tx1"/>
+                </a:solidFill>
+                <a:effectLst/>
+                <a:latin typeface="Arial" charset="0"/>
+              </a:rPr>
+              <a:t>3.2.1.1</a:t>
+            </a:r>
+            <a:r>
+              <a:rPr lang="es-ES" dirty="0"/>
+              <a:t> </a:t>
+            </a:r>
+            <a:r>
+              <a:rPr lang="es-ES" sz="1200" b="0" i="0" kern="1200" dirty="0">
+                <a:solidFill>
+                  <a:schemeClr val="tx1"/>
+                </a:solidFill>
+                <a:effectLst/>
+                <a:latin typeface="Arial" charset="0"/>
+              </a:rPr>
+              <a:t>– Modos de configuración RIP de un router</a:t>
+            </a:r>
+          </a:p>
+        </p:txBody>
+      </p:sp>
+    </p:spTree>
+    <p:extLst>
+      <p:ext uri="{BB962C8B-B14F-4D97-AF65-F5344CB8AC3E}">
+        <p14:creationId xmlns:p14="http://schemas.microsoft.com/office/powerpoint/2010/main" val="1343154089"/>
+      </p:ext>
+    </p:extLst>
+  </p:cSld>
+  <p:clrMapOvr>
+    <a:masterClrMapping/>
+  </p:clrMapOvr>
+</p:notes>
+</file>
+
+<file path=ppt/notesSlides/notesSlide13.xml><?xml version="1.0" encoding="utf-8"?>
+<p:notes xmlns:a="http://schemas.openxmlformats.org/drawingml/2006/main" xmlns:r="http://schemas.openxmlformats.org/officeDocument/2006/relationships" xmlns:p="http://schemas.openxmlformats.org/presentationml/2006/main">
+  <p:cSld>
+    <p:spTree>
+      <p:nvGrpSpPr>
+        <p:cNvPr id="1" name=""/>
+        <p:cNvGrpSpPr/>
+        <p:nvPr/>
+      </p:nvGrpSpPr>
+      <p:grpSpPr>
+        <a:xfrm>
+          <a:off x="0" y="0"/>
+          <a:ext cx="0" cy="0"/>
+          <a:chOff x="0" y="0"/>
+          <a:chExt cx="0" cy="0"/>
+        </a:xfrm>
+      </p:grpSpPr>
+      <p:sp>
+        <p:nvSpPr>
+          <p:cNvPr id="87042" name="Rectangle 11"/>
+          <p:cNvSpPr>
+            <a:spLocks noGrp="1" noChangeArrowheads="1"/>
+          </p:cNvSpPr>
+          <p:nvPr>
+            <p:ph type="sldNum" sz="quarter" idx="5"/>
+          </p:nvPr>
+        </p:nvSpPr>
+        <p:spPr>
+          <a:noFill/>
+        </p:spPr>
+        <p:txBody>
+          <a:bodyPr/>
+          <a:lstStyle/>
+          <a:p>
+            <a:fld id="{570978E6-FB79-4E74-A4A4-2BA13DA27C44}" type="slidenum">
+              <a:rPr lang="en-US" smtClean="0"/>
+              <a:pPr/>
+              <a:t>13</a:t>
+            </a:fld>
+            <a:endParaRPr lang="es-ES" dirty="0"/>
+          </a:p>
+        </p:txBody>
+      </p:sp>
+      <p:sp>
+        <p:nvSpPr>
+          <p:cNvPr id="87043" name="Rectangle 2"/>
+          <p:cNvSpPr>
+            <a:spLocks noGrp="1" noRot="1" noChangeAspect="1" noChangeArrowheads="1" noTextEdit="1"/>
+          </p:cNvSpPr>
+          <p:nvPr>
+            <p:ph type="sldImg"/>
+          </p:nvPr>
+        </p:nvSpPr>
+        <p:spPr>
+          <a:ln/>
+        </p:spPr>
+      </p:sp>
+      <p:sp>
+        <p:nvSpPr>
+          <p:cNvPr id="87044" name="Rectangle 3"/>
+          <p:cNvSpPr>
+            <a:spLocks noGrp="1" noChangeArrowheads="1"/>
+          </p:cNvSpPr>
+          <p:nvPr>
+            <p:ph type="body" idx="1"/>
+          </p:nvPr>
+        </p:nvSpPr>
+        <p:spPr>
+          <a:noFill/>
+          <a:ln/>
+        </p:spPr>
+        <p:txBody>
+          <a:bodyPr/>
+          <a:lstStyle/>
+          <a:p>
+            <a:pPr>
+              <a:lnSpc>
+                <a:spcPct val="80000"/>
+              </a:lnSpc>
+              <a:buFontTx/>
+              <a:buNone/>
+            </a:pPr>
+            <a:r>
+              <a:rPr lang="es-ES" sz="1200" kern="1200" dirty="0">
+                <a:solidFill>
+                  <a:schemeClr val="tx1"/>
+                </a:solidFill>
+                <a:latin typeface="Arial" charset="0"/>
+              </a:rPr>
+              <a:t>3.2</a:t>
+            </a:r>
+            <a:r>
+              <a:rPr lang="es-ES" dirty="0"/>
+              <a:t> </a:t>
+            </a:r>
+            <a:r>
+              <a:rPr lang="es-ES" sz="1200" kern="1200" dirty="0">
+                <a:solidFill>
+                  <a:schemeClr val="tx1"/>
+                </a:solidFill>
+                <a:latin typeface="Arial" charset="0"/>
+              </a:rPr>
+              <a:t>– </a:t>
+            </a:r>
+            <a:r>
+              <a:rPr lang="es-ES" sz="1200" kern="1200" dirty="0">
+                <a:solidFill>
+                  <a:schemeClr val="tx1"/>
+                </a:solidFill>
+                <a:effectLst/>
+                <a:latin typeface="Arial" charset="0"/>
+              </a:rPr>
+              <a:t>RIPv2</a:t>
+            </a:r>
+          </a:p>
+          <a:p>
+            <a:pPr>
+              <a:lnSpc>
+                <a:spcPct val="80000"/>
+              </a:lnSpc>
+              <a:buFontTx/>
+              <a:buNone/>
+            </a:pPr>
+            <a:r>
+              <a:rPr lang="es-ES" dirty="0">
+                <a:latin typeface="Arial" charset="0"/>
+              </a:rPr>
+              <a:t>3.2.1 – Configurar el protocolo RIP</a:t>
+            </a:r>
+          </a:p>
+          <a:p>
+            <a:pPr marL="112713" marR="0" indent="-112713" algn="l" defTabSz="1020763" rtl="0" eaLnBrk="0" fontAlgn="base" latinLnBrk="0" hangingPunct="0">
+              <a:lnSpc>
+                <a:spcPct val="80000"/>
+              </a:lnSpc>
+              <a:spcBef>
+                <a:spcPct val="50000"/>
+              </a:spcBef>
+              <a:spcAft>
+                <a:spcPct val="0"/>
+              </a:spcAft>
+              <a:buClrTx/>
+              <a:buSzPct val="100000"/>
+              <a:buFontTx/>
+              <a:buNone/>
+              <a:tabLst/>
+              <a:defRPr/>
+            </a:pPr>
+            <a:r>
+              <a:rPr lang="es-ES" sz="1200" b="0" i="0" kern="1200" dirty="0">
+                <a:solidFill>
+                  <a:schemeClr val="tx1"/>
+                </a:solidFill>
+                <a:effectLst/>
+                <a:latin typeface="Arial" charset="0"/>
+              </a:rPr>
+              <a:t>3.2.1.1</a:t>
+            </a:r>
+            <a:r>
+              <a:rPr lang="es-ES" dirty="0"/>
+              <a:t> </a:t>
+            </a:r>
+            <a:r>
+              <a:rPr lang="es-ES" sz="1200" b="0" i="0" kern="1200" dirty="0">
+                <a:solidFill>
+                  <a:schemeClr val="tx1"/>
+                </a:solidFill>
+                <a:effectLst/>
+                <a:latin typeface="Arial" charset="0"/>
+              </a:rPr>
+              <a:t>– Modos de configuración RIP de un router</a:t>
+            </a:r>
+          </a:p>
+        </p:txBody>
+      </p:sp>
+    </p:spTree>
+    <p:extLst>
+      <p:ext uri="{BB962C8B-B14F-4D97-AF65-F5344CB8AC3E}">
+        <p14:creationId xmlns:p14="http://schemas.microsoft.com/office/powerpoint/2010/main" val="1352492104"/>
+      </p:ext>
+    </p:extLst>
+  </p:cSld>
+  <p:clrMapOvr>
+    <a:masterClrMapping/>
+  </p:clrMapOvr>
+</p:notes>
+</file>
+
+<file path=ppt/notesSlides/notesSlide14.xml><?xml version="1.0" encoding="utf-8"?>
+<p:notes xmlns:a="http://schemas.openxmlformats.org/drawingml/2006/main" xmlns:r="http://schemas.openxmlformats.org/officeDocument/2006/relationships" xmlns:p="http://schemas.openxmlformats.org/presentationml/2006/main">
+  <p:cSld>
+    <p:spTree>
+      <p:nvGrpSpPr>
+        <p:cNvPr id="1" name=""/>
+        <p:cNvGrpSpPr/>
+        <p:nvPr/>
+      </p:nvGrpSpPr>
+      <p:grpSpPr>
+        <a:xfrm>
+          <a:off x="0" y="0"/>
+          <a:ext cx="0" cy="0"/>
+          <a:chOff x="0" y="0"/>
+          <a:chExt cx="0" cy="0"/>
+        </a:xfrm>
+      </p:grpSpPr>
+      <p:sp>
+        <p:nvSpPr>
+          <p:cNvPr id="87042" name="Rectangle 11"/>
+          <p:cNvSpPr>
+            <a:spLocks noGrp="1" noChangeArrowheads="1"/>
+          </p:cNvSpPr>
+          <p:nvPr>
+            <p:ph type="sldNum" sz="quarter" idx="5"/>
+          </p:nvPr>
+        </p:nvSpPr>
+        <p:spPr>
+          <a:noFill/>
+        </p:spPr>
+        <p:txBody>
+          <a:bodyPr/>
+          <a:lstStyle/>
+          <a:p>
+            <a:fld id="{570978E6-FB79-4E74-A4A4-2BA13DA27C44}" type="slidenum">
+              <a:rPr lang="en-US" smtClean="0"/>
+              <a:pPr/>
+              <a:t>14</a:t>
+            </a:fld>
+            <a:endParaRPr lang="es-ES" dirty="0"/>
+          </a:p>
+        </p:txBody>
+      </p:sp>
+      <p:sp>
+        <p:nvSpPr>
+          <p:cNvPr id="87043" name="Rectangle 2"/>
+          <p:cNvSpPr>
+            <a:spLocks noGrp="1" noRot="1" noChangeAspect="1" noChangeArrowheads="1" noTextEdit="1"/>
+          </p:cNvSpPr>
+          <p:nvPr>
+            <p:ph type="sldImg"/>
+          </p:nvPr>
+        </p:nvSpPr>
+        <p:spPr>
+          <a:ln/>
+        </p:spPr>
+      </p:sp>
+      <p:sp>
+        <p:nvSpPr>
+          <p:cNvPr id="87044" name="Rectangle 3"/>
+          <p:cNvSpPr>
+            <a:spLocks noGrp="1" noChangeArrowheads="1"/>
+          </p:cNvSpPr>
+          <p:nvPr>
+            <p:ph type="body" idx="1"/>
+          </p:nvPr>
+        </p:nvSpPr>
+        <p:spPr>
+          <a:noFill/>
+          <a:ln/>
+        </p:spPr>
+        <p:txBody>
+          <a:bodyPr/>
+          <a:lstStyle/>
+          <a:p>
+            <a:pPr>
+              <a:lnSpc>
+                <a:spcPct val="80000"/>
+              </a:lnSpc>
+              <a:buFontTx/>
+              <a:buNone/>
+            </a:pPr>
+            <a:r>
+              <a:rPr lang="es-ES" sz="1200" kern="1200" dirty="0">
+                <a:solidFill>
+                  <a:schemeClr val="tx1"/>
+                </a:solidFill>
+                <a:latin typeface="Arial" charset="0"/>
+              </a:rPr>
+              <a:t>3.2</a:t>
+            </a:r>
+            <a:r>
+              <a:rPr lang="es-ES" dirty="0"/>
+              <a:t> </a:t>
+            </a:r>
+            <a:r>
+              <a:rPr lang="es-ES" sz="1200" kern="1200" dirty="0">
+                <a:solidFill>
+                  <a:schemeClr val="tx1"/>
+                </a:solidFill>
+                <a:latin typeface="Arial" charset="0"/>
+              </a:rPr>
+              <a:t>– </a:t>
+            </a:r>
+            <a:r>
+              <a:rPr lang="es-ES" sz="1200" kern="1200" dirty="0">
+                <a:solidFill>
+                  <a:schemeClr val="tx1"/>
+                </a:solidFill>
+                <a:effectLst/>
+                <a:latin typeface="Arial" charset="0"/>
+              </a:rPr>
+              <a:t>RIPv2</a:t>
+            </a:r>
+          </a:p>
+          <a:p>
+            <a:pPr>
+              <a:lnSpc>
+                <a:spcPct val="80000"/>
+              </a:lnSpc>
+              <a:buFontTx/>
+              <a:buNone/>
+            </a:pPr>
+            <a:r>
+              <a:rPr lang="es-ES" dirty="0">
+                <a:latin typeface="Arial" charset="0"/>
+              </a:rPr>
+              <a:t>3.2.1 – Configurar el protocolo RIP</a:t>
+            </a:r>
+          </a:p>
+          <a:p>
+            <a:pPr marL="112713" marR="0" indent="-112713" algn="l" defTabSz="1020763" rtl="0" eaLnBrk="0" fontAlgn="base" latinLnBrk="0" hangingPunct="0">
+              <a:lnSpc>
+                <a:spcPct val="80000"/>
+              </a:lnSpc>
+              <a:spcBef>
+                <a:spcPct val="50000"/>
+              </a:spcBef>
+              <a:spcAft>
+                <a:spcPct val="0"/>
+              </a:spcAft>
+              <a:buClrTx/>
+              <a:buSzPct val="100000"/>
+              <a:buFontTx/>
+              <a:buNone/>
+              <a:tabLst/>
+              <a:defRPr/>
+            </a:pPr>
+            <a:r>
+              <a:rPr lang="es-ES" sz="1200" b="0" i="0" kern="1200" dirty="0">
+                <a:solidFill>
+                  <a:schemeClr val="tx1"/>
+                </a:solidFill>
+                <a:effectLst/>
+                <a:latin typeface="Arial" charset="0"/>
+              </a:rPr>
+              <a:t>3.2.1.3</a:t>
+            </a:r>
+            <a:r>
+              <a:rPr lang="es-ES" dirty="0"/>
+              <a:t> </a:t>
+            </a:r>
+            <a:r>
+              <a:rPr lang="es-ES" sz="1200" b="0" i="0" kern="1200" dirty="0">
+                <a:solidFill>
+                  <a:schemeClr val="tx1"/>
+                </a:solidFill>
+                <a:effectLst/>
+                <a:latin typeface="Arial" charset="0"/>
+              </a:rPr>
+              <a:t>– Verificar el routing RIP</a:t>
+            </a:r>
+            <a:endParaRPr lang="es-ES" sz="1200" b="0" i="0" kern="1200" dirty="0">
+              <a:solidFill>
+                <a:schemeClr val="tx1"/>
+              </a:solidFill>
+              <a:effectLst/>
+              <a:latin typeface="Arial" charset="0"/>
+              <a:ea typeface="ＭＳ Ｐゴシック" charset="0"/>
+              <a:cs typeface="ＭＳ Ｐゴシック" charset="0"/>
+            </a:endParaRPr>
+          </a:p>
+        </p:txBody>
+      </p:sp>
+    </p:spTree>
+    <p:extLst>
+      <p:ext uri="{BB962C8B-B14F-4D97-AF65-F5344CB8AC3E}">
+        <p14:creationId xmlns:p14="http://schemas.microsoft.com/office/powerpoint/2010/main" val="220388433"/>
+      </p:ext>
+    </p:extLst>
+  </p:cSld>
+  <p:clrMapOvr>
+    <a:masterClrMapping/>
+  </p:clrMapOvr>
+</p:notes>
+</file>
+
+<file path=ppt/notesSlides/notesSlide15.xml><?xml version="1.0" encoding="utf-8"?>
+<p:notes xmlns:a="http://schemas.openxmlformats.org/drawingml/2006/main" xmlns:r="http://schemas.openxmlformats.org/officeDocument/2006/relationships" xmlns:p="http://schemas.openxmlformats.org/presentationml/2006/main">
+  <p:cSld>
+    <p:spTree>
+      <p:nvGrpSpPr>
+        <p:cNvPr id="1" name=""/>
+        <p:cNvGrpSpPr/>
+        <p:nvPr/>
+      </p:nvGrpSpPr>
+      <p:grpSpPr>
+        <a:xfrm>
+          <a:off x="0" y="0"/>
+          <a:ext cx="0" cy="0"/>
+          <a:chOff x="0" y="0"/>
+          <a:chExt cx="0" cy="0"/>
+        </a:xfrm>
+      </p:grpSpPr>
+      <p:sp>
+        <p:nvSpPr>
+          <p:cNvPr id="87042" name="Rectangle 11"/>
+          <p:cNvSpPr>
+            <a:spLocks noGrp="1" noChangeArrowheads="1"/>
+          </p:cNvSpPr>
+          <p:nvPr>
+            <p:ph type="sldNum" sz="quarter" idx="5"/>
+          </p:nvPr>
+        </p:nvSpPr>
+        <p:spPr>
+          <a:noFill/>
+        </p:spPr>
+        <p:txBody>
+          <a:bodyPr/>
+          <a:lstStyle/>
+          <a:p>
+            <a:fld id="{570978E6-FB79-4E74-A4A4-2BA13DA27C44}" type="slidenum">
+              <a:rPr lang="en-US" smtClean="0"/>
+              <a:pPr/>
+              <a:t>15</a:t>
+            </a:fld>
+            <a:endParaRPr lang="es-ES" dirty="0"/>
+          </a:p>
+        </p:txBody>
+      </p:sp>
+      <p:sp>
+        <p:nvSpPr>
+          <p:cNvPr id="87043" name="Rectangle 2"/>
+          <p:cNvSpPr>
+            <a:spLocks noGrp="1" noRot="1" noChangeAspect="1" noChangeArrowheads="1" noTextEdit="1"/>
+          </p:cNvSpPr>
+          <p:nvPr>
+            <p:ph type="sldImg"/>
+          </p:nvPr>
+        </p:nvSpPr>
+        <p:spPr>
+          <a:ln/>
+        </p:spPr>
+      </p:sp>
+      <p:sp>
+        <p:nvSpPr>
+          <p:cNvPr id="87044" name="Rectangle 3"/>
+          <p:cNvSpPr>
+            <a:spLocks noGrp="1" noChangeArrowheads="1"/>
+          </p:cNvSpPr>
+          <p:nvPr>
+            <p:ph type="body" idx="1"/>
+          </p:nvPr>
+        </p:nvSpPr>
+        <p:spPr>
+          <a:noFill/>
+          <a:ln/>
+        </p:spPr>
+        <p:txBody>
+          <a:bodyPr/>
+          <a:lstStyle/>
+          <a:p>
+            <a:pPr>
+              <a:lnSpc>
+                <a:spcPct val="80000"/>
+              </a:lnSpc>
+              <a:buFontTx/>
+              <a:buNone/>
+            </a:pPr>
+            <a:r>
+              <a:rPr lang="es-ES" sz="1200" kern="1200" dirty="0">
+                <a:solidFill>
+                  <a:schemeClr val="tx1"/>
+                </a:solidFill>
+                <a:latin typeface="Arial" charset="0"/>
+              </a:rPr>
+              <a:t>3.2</a:t>
+            </a:r>
+            <a:r>
+              <a:rPr lang="es-ES" dirty="0"/>
+              <a:t> </a:t>
+            </a:r>
+            <a:r>
+              <a:rPr lang="es-ES" sz="1200" kern="1200" dirty="0">
+                <a:solidFill>
+                  <a:schemeClr val="tx1"/>
+                </a:solidFill>
+                <a:latin typeface="Arial" charset="0"/>
+              </a:rPr>
+              <a:t>– </a:t>
+            </a:r>
+            <a:r>
+              <a:rPr lang="es-ES" sz="1200" kern="1200" dirty="0">
+                <a:solidFill>
+                  <a:schemeClr val="tx1"/>
+                </a:solidFill>
+                <a:effectLst/>
+                <a:latin typeface="Arial" charset="0"/>
+              </a:rPr>
+              <a:t>RIPv2</a:t>
+            </a:r>
+          </a:p>
+          <a:p>
+            <a:pPr>
+              <a:lnSpc>
+                <a:spcPct val="80000"/>
+              </a:lnSpc>
+              <a:buFontTx/>
+              <a:buNone/>
+            </a:pPr>
+            <a:r>
+              <a:rPr lang="es-ES" dirty="0">
+                <a:latin typeface="Arial" charset="0"/>
+              </a:rPr>
+              <a:t>3.2.1 – Configurar el protocolo RIP</a:t>
+            </a:r>
+          </a:p>
+          <a:p>
+            <a:pPr marL="112713" marR="0" indent="-112713" algn="l" defTabSz="1020763" rtl="0" eaLnBrk="0" fontAlgn="base" latinLnBrk="0" hangingPunct="0">
+              <a:lnSpc>
+                <a:spcPct val="80000"/>
+              </a:lnSpc>
+              <a:spcBef>
+                <a:spcPct val="50000"/>
+              </a:spcBef>
+              <a:spcAft>
+                <a:spcPct val="0"/>
+              </a:spcAft>
+              <a:buClrTx/>
+              <a:buSzPct val="100000"/>
+              <a:buFontTx/>
+              <a:buNone/>
+              <a:tabLst/>
+              <a:defRPr/>
+            </a:pPr>
+            <a:r>
+              <a:rPr lang="es-ES" sz="1200" b="0" i="0" kern="1200" dirty="0">
+                <a:solidFill>
+                  <a:schemeClr val="tx1"/>
+                </a:solidFill>
+                <a:effectLst/>
+                <a:latin typeface="Arial" charset="0"/>
+              </a:rPr>
+              <a:t>3.2.1.4</a:t>
+            </a:r>
+            <a:r>
+              <a:rPr lang="es-ES" dirty="0"/>
+              <a:t> </a:t>
+            </a:r>
+            <a:r>
+              <a:rPr lang="es-ES" sz="1200" b="0" i="0" kern="1200" dirty="0">
+                <a:solidFill>
+                  <a:schemeClr val="tx1"/>
+                </a:solidFill>
+                <a:effectLst/>
+                <a:latin typeface="Arial" charset="0"/>
+              </a:rPr>
+              <a:t>– Habilitar y verificar RIPv2</a:t>
+            </a:r>
+            <a:endParaRPr lang="es-ES" sz="1200" b="0" i="0" kern="1200" dirty="0">
+              <a:solidFill>
+                <a:schemeClr val="tx1"/>
+              </a:solidFill>
+              <a:effectLst/>
+              <a:latin typeface="Arial" charset="0"/>
+              <a:ea typeface="ＭＳ Ｐゴシック" charset="0"/>
+              <a:cs typeface="ＭＳ Ｐゴシック" charset="0"/>
+            </a:endParaRPr>
+          </a:p>
+        </p:txBody>
+      </p:sp>
+    </p:spTree>
+    <p:extLst>
+      <p:ext uri="{BB962C8B-B14F-4D97-AF65-F5344CB8AC3E}">
+        <p14:creationId xmlns:p14="http://schemas.microsoft.com/office/powerpoint/2010/main" val="1806586003"/>
+      </p:ext>
+    </p:extLst>
+  </p:cSld>
+  <p:clrMapOvr>
+    <a:masterClrMapping/>
+  </p:clrMapOvr>
+</p:notes>
+</file>
+
+<file path=ppt/notesSlides/notesSlide16.xml><?xml version="1.0" encoding="utf-8"?>
+<p:notes xmlns:a="http://schemas.openxmlformats.org/drawingml/2006/main" xmlns:r="http://schemas.openxmlformats.org/officeDocument/2006/relationships" xmlns:p="http://schemas.openxmlformats.org/presentationml/2006/main">
+  <p:cSld>
+    <p:spTree>
+      <p:nvGrpSpPr>
+        <p:cNvPr id="1" name=""/>
+        <p:cNvGrpSpPr/>
+        <p:nvPr/>
+      </p:nvGrpSpPr>
+      <p:grpSpPr>
+        <a:xfrm>
+          <a:off x="0" y="0"/>
+          <a:ext cx="0" cy="0"/>
+          <a:chOff x="0" y="0"/>
+          <a:chExt cx="0" cy="0"/>
+        </a:xfrm>
+      </p:grpSpPr>
+      <p:sp>
+        <p:nvSpPr>
+          <p:cNvPr id="87042" name="Rectangle 11"/>
+          <p:cNvSpPr>
+            <a:spLocks noGrp="1" noChangeArrowheads="1"/>
+          </p:cNvSpPr>
+          <p:nvPr>
+            <p:ph type="sldNum" sz="quarter" idx="5"/>
+          </p:nvPr>
+        </p:nvSpPr>
+        <p:spPr>
+          <a:noFill/>
+        </p:spPr>
+        <p:txBody>
+          <a:bodyPr/>
+          <a:lstStyle/>
+          <a:p>
+            <a:fld id="{570978E6-FB79-4E74-A4A4-2BA13DA27C44}" type="slidenum">
+              <a:rPr lang="en-US" smtClean="0"/>
+              <a:pPr/>
+              <a:t>16</a:t>
+            </a:fld>
+            <a:endParaRPr lang="es-ES" dirty="0"/>
+          </a:p>
+        </p:txBody>
+      </p:sp>
+      <p:sp>
+        <p:nvSpPr>
+          <p:cNvPr id="87043" name="Rectangle 2"/>
+          <p:cNvSpPr>
+            <a:spLocks noGrp="1" noRot="1" noChangeAspect="1" noChangeArrowheads="1" noTextEdit="1"/>
+          </p:cNvSpPr>
+          <p:nvPr>
+            <p:ph type="sldImg"/>
+          </p:nvPr>
+        </p:nvSpPr>
+        <p:spPr>
+          <a:ln/>
+        </p:spPr>
+      </p:sp>
+      <p:sp>
+        <p:nvSpPr>
+          <p:cNvPr id="87044" name="Rectangle 3"/>
+          <p:cNvSpPr>
+            <a:spLocks noGrp="1" noChangeArrowheads="1"/>
+          </p:cNvSpPr>
+          <p:nvPr>
+            <p:ph type="body" idx="1"/>
+          </p:nvPr>
+        </p:nvSpPr>
+        <p:spPr>
+          <a:noFill/>
+          <a:ln/>
+        </p:spPr>
+        <p:txBody>
+          <a:bodyPr/>
+          <a:lstStyle/>
+          <a:p>
+            <a:pPr>
+              <a:lnSpc>
+                <a:spcPct val="80000"/>
+              </a:lnSpc>
+              <a:buFontTx/>
+              <a:buNone/>
+            </a:pPr>
+            <a:r>
+              <a:rPr lang="es-ES" sz="1200" kern="1200" dirty="0">
+                <a:solidFill>
+                  <a:schemeClr val="tx1"/>
+                </a:solidFill>
+                <a:latin typeface="Arial" charset="0"/>
+              </a:rPr>
+              <a:t>3.2</a:t>
+            </a:r>
+            <a:r>
+              <a:rPr lang="es-ES" dirty="0"/>
+              <a:t> </a:t>
+            </a:r>
+            <a:r>
+              <a:rPr lang="es-ES" sz="1200" kern="1200" dirty="0">
+                <a:solidFill>
+                  <a:schemeClr val="tx1"/>
+                </a:solidFill>
+                <a:latin typeface="Arial" charset="0"/>
+              </a:rPr>
+              <a:t>– </a:t>
+            </a:r>
+            <a:r>
+              <a:rPr lang="es-ES" sz="1200" kern="1200" dirty="0">
+                <a:solidFill>
+                  <a:schemeClr val="tx1"/>
+                </a:solidFill>
+                <a:effectLst/>
+                <a:latin typeface="Arial" charset="0"/>
+              </a:rPr>
+              <a:t>RIPv2</a:t>
+            </a:r>
+          </a:p>
+          <a:p>
+            <a:pPr>
+              <a:lnSpc>
+                <a:spcPct val="80000"/>
+              </a:lnSpc>
+              <a:buFontTx/>
+              <a:buNone/>
+            </a:pPr>
+            <a:r>
+              <a:rPr lang="es-ES" dirty="0">
+                <a:latin typeface="Arial" charset="0"/>
+              </a:rPr>
+              <a:t>3.2.1 – Configurar el protocolo RIP</a:t>
+            </a:r>
+          </a:p>
+          <a:p>
+            <a:pPr marL="112713" marR="0" indent="-112713" algn="l" defTabSz="1020763" rtl="0" eaLnBrk="0" fontAlgn="base" latinLnBrk="0" hangingPunct="0">
+              <a:lnSpc>
+                <a:spcPct val="80000"/>
+              </a:lnSpc>
+              <a:spcBef>
+                <a:spcPct val="50000"/>
+              </a:spcBef>
+              <a:spcAft>
+                <a:spcPct val="0"/>
+              </a:spcAft>
+              <a:buClrTx/>
+              <a:buSzPct val="100000"/>
+              <a:buFontTx/>
+              <a:buNone/>
+              <a:tabLst/>
+              <a:defRPr/>
+            </a:pPr>
+            <a:r>
+              <a:rPr lang="es-ES" sz="1200" b="0" i="0" kern="1200" dirty="0">
+                <a:solidFill>
+                  <a:schemeClr val="tx1"/>
+                </a:solidFill>
+                <a:effectLst/>
+                <a:latin typeface="Arial" charset="0"/>
+              </a:rPr>
+              <a:t>3.2.1.5 – Deshabilitar la sumarización automática</a:t>
+            </a:r>
+          </a:p>
+        </p:txBody>
+      </p:sp>
+    </p:spTree>
+    <p:extLst>
+      <p:ext uri="{BB962C8B-B14F-4D97-AF65-F5344CB8AC3E}">
+        <p14:creationId xmlns:p14="http://schemas.microsoft.com/office/powerpoint/2010/main" val="19667488"/>
+      </p:ext>
+    </p:extLst>
+  </p:cSld>
+  <p:clrMapOvr>
+    <a:masterClrMapping/>
+  </p:clrMapOvr>
+</p:notes>
+</file>
+
+<file path=ppt/notesSlides/notesSlide17.xml><?xml version="1.0" encoding="utf-8"?>
+<p:notes xmlns:a="http://schemas.openxmlformats.org/drawingml/2006/main" xmlns:r="http://schemas.openxmlformats.org/officeDocument/2006/relationships" xmlns:p="http://schemas.openxmlformats.org/presentationml/2006/main">
+  <p:cSld>
+    <p:spTree>
+      <p:nvGrpSpPr>
+        <p:cNvPr id="1" name=""/>
+        <p:cNvGrpSpPr/>
+        <p:nvPr/>
+      </p:nvGrpSpPr>
+      <p:grpSpPr>
+        <a:xfrm>
+          <a:off x="0" y="0"/>
+          <a:ext cx="0" cy="0"/>
+          <a:chOff x="0" y="0"/>
+          <a:chExt cx="0" cy="0"/>
+        </a:xfrm>
+      </p:grpSpPr>
+      <p:sp>
+        <p:nvSpPr>
+          <p:cNvPr id="87042" name="Rectangle 11"/>
+          <p:cNvSpPr>
+            <a:spLocks noGrp="1" noChangeArrowheads="1"/>
+          </p:cNvSpPr>
+          <p:nvPr>
+            <p:ph type="sldNum" sz="quarter" idx="5"/>
+          </p:nvPr>
+        </p:nvSpPr>
+        <p:spPr>
+          <a:noFill/>
+        </p:spPr>
+        <p:txBody>
+          <a:bodyPr/>
+          <a:lstStyle/>
+          <a:p>
+            <a:fld id="{570978E6-FB79-4E74-A4A4-2BA13DA27C44}" type="slidenum">
+              <a:rPr lang="en-US" smtClean="0"/>
+              <a:pPr/>
+              <a:t>17</a:t>
+            </a:fld>
+            <a:endParaRPr lang="es-ES" dirty="0"/>
+          </a:p>
+        </p:txBody>
+      </p:sp>
+      <p:sp>
+        <p:nvSpPr>
+          <p:cNvPr id="87043" name="Rectangle 2"/>
+          <p:cNvSpPr>
+            <a:spLocks noGrp="1" noRot="1" noChangeAspect="1" noChangeArrowheads="1" noTextEdit="1"/>
+          </p:cNvSpPr>
+          <p:nvPr>
+            <p:ph type="sldImg"/>
+          </p:nvPr>
+        </p:nvSpPr>
+        <p:spPr>
+          <a:ln/>
+        </p:spPr>
+      </p:sp>
+      <p:sp>
+        <p:nvSpPr>
+          <p:cNvPr id="87044" name="Rectangle 3"/>
+          <p:cNvSpPr>
+            <a:spLocks noGrp="1" noChangeArrowheads="1"/>
+          </p:cNvSpPr>
+          <p:nvPr>
+            <p:ph type="body" idx="1"/>
+          </p:nvPr>
+        </p:nvSpPr>
+        <p:spPr>
+          <a:noFill/>
+          <a:ln/>
+        </p:spPr>
+        <p:txBody>
+          <a:bodyPr/>
+          <a:lstStyle/>
+          <a:p>
+            <a:pPr>
+              <a:lnSpc>
+                <a:spcPct val="80000"/>
+              </a:lnSpc>
+              <a:buFontTx/>
+              <a:buNone/>
+            </a:pPr>
+            <a:r>
+              <a:rPr lang="es-ES" sz="1200" kern="1200" dirty="0">
+                <a:solidFill>
+                  <a:schemeClr val="tx1"/>
+                </a:solidFill>
+                <a:latin typeface="Arial" charset="0"/>
+              </a:rPr>
+              <a:t>3.2</a:t>
+            </a:r>
+            <a:r>
+              <a:rPr lang="es-ES" dirty="0"/>
+              <a:t> </a:t>
+            </a:r>
+            <a:r>
+              <a:rPr lang="es-ES" sz="1200" kern="1200" dirty="0">
+                <a:solidFill>
+                  <a:schemeClr val="tx1"/>
+                </a:solidFill>
+                <a:latin typeface="Arial" charset="0"/>
+              </a:rPr>
+              <a:t>– </a:t>
+            </a:r>
+            <a:r>
+              <a:rPr lang="es-ES" sz="1200" kern="1200" dirty="0">
+                <a:solidFill>
+                  <a:schemeClr val="tx1"/>
+                </a:solidFill>
+                <a:effectLst/>
+                <a:latin typeface="Arial" charset="0"/>
+              </a:rPr>
+              <a:t>RIPv2</a:t>
+            </a:r>
+          </a:p>
+          <a:p>
+            <a:pPr>
+              <a:lnSpc>
+                <a:spcPct val="80000"/>
+              </a:lnSpc>
+              <a:buFontTx/>
+              <a:buNone/>
+            </a:pPr>
+            <a:r>
+              <a:rPr lang="es-ES" dirty="0">
+                <a:latin typeface="Arial" charset="0"/>
+              </a:rPr>
+              <a:t>3.2.1 – Configurar el protocolo RIP</a:t>
+            </a:r>
+          </a:p>
+          <a:p>
+            <a:pPr marL="112713" marR="0" indent="-112713" algn="l" defTabSz="1020763" rtl="0" eaLnBrk="0" fontAlgn="base" latinLnBrk="0" hangingPunct="0">
+              <a:lnSpc>
+                <a:spcPct val="80000"/>
+              </a:lnSpc>
+              <a:spcBef>
+                <a:spcPct val="50000"/>
+              </a:spcBef>
+              <a:spcAft>
+                <a:spcPct val="0"/>
+              </a:spcAft>
+              <a:buClrTx/>
+              <a:buSzPct val="100000"/>
+              <a:buFontTx/>
+              <a:buNone/>
+              <a:tabLst/>
+              <a:defRPr/>
+            </a:pPr>
+            <a:r>
+              <a:rPr lang="es-ES" sz="1200" b="0" i="0" kern="1200" dirty="0">
+                <a:solidFill>
+                  <a:schemeClr val="tx1"/>
+                </a:solidFill>
+                <a:effectLst/>
+                <a:latin typeface="Arial" charset="0"/>
+              </a:rPr>
+              <a:t>3.2.1.6</a:t>
+            </a:r>
+            <a:r>
+              <a:rPr lang="es-ES" dirty="0"/>
+              <a:t> </a:t>
+            </a:r>
+            <a:r>
+              <a:rPr lang="es-ES" sz="1200" b="0" i="0" kern="1200" dirty="0">
+                <a:solidFill>
+                  <a:schemeClr val="tx1"/>
+                </a:solidFill>
+                <a:effectLst/>
+                <a:latin typeface="Arial" charset="0"/>
+              </a:rPr>
+              <a:t>– Configurar interfaces pasivas</a:t>
+            </a:r>
+            <a:endParaRPr lang="es-ES" sz="1200" b="0" i="0" kern="1200" dirty="0">
+              <a:solidFill>
+                <a:schemeClr val="tx1"/>
+              </a:solidFill>
+              <a:effectLst/>
+              <a:latin typeface="Arial" charset="0"/>
+              <a:ea typeface="ＭＳ Ｐゴシック" charset="0"/>
+              <a:cs typeface="ＭＳ Ｐゴシック" charset="0"/>
+            </a:endParaRPr>
+          </a:p>
+        </p:txBody>
+      </p:sp>
+    </p:spTree>
+    <p:extLst>
+      <p:ext uri="{BB962C8B-B14F-4D97-AF65-F5344CB8AC3E}">
+        <p14:creationId xmlns:p14="http://schemas.microsoft.com/office/powerpoint/2010/main" val="1986472825"/>
+      </p:ext>
+    </p:extLst>
+  </p:cSld>
+  <p:clrMapOvr>
+    <a:masterClrMapping/>
+  </p:clrMapOvr>
+</p:notes>
+</file>
+
+<file path=ppt/notesSlides/notesSlide18.xml><?xml version="1.0" encoding="utf-8"?>
+<p:notes xmlns:a="http://schemas.openxmlformats.org/drawingml/2006/main" xmlns:r="http://schemas.openxmlformats.org/officeDocument/2006/relationships" xmlns:p="http://schemas.openxmlformats.org/presentationml/2006/main">
+  <p:cSld>
+    <p:spTree>
+      <p:nvGrpSpPr>
+        <p:cNvPr id="1" name=""/>
+        <p:cNvGrpSpPr/>
+        <p:nvPr/>
+      </p:nvGrpSpPr>
+      <p:grpSpPr>
+        <a:xfrm>
+          <a:off x="0" y="0"/>
+          <a:ext cx="0" cy="0"/>
+          <a:chOff x="0" y="0"/>
+          <a:chExt cx="0" cy="0"/>
+        </a:xfrm>
+      </p:grpSpPr>
+      <p:sp>
+        <p:nvSpPr>
+          <p:cNvPr id="87042" name="Rectangle 11"/>
+          <p:cNvSpPr>
+            <a:spLocks noGrp="1" noChangeArrowheads="1"/>
+          </p:cNvSpPr>
+          <p:nvPr>
+            <p:ph type="sldNum" sz="quarter" idx="5"/>
+          </p:nvPr>
+        </p:nvSpPr>
+        <p:spPr>
+          <a:noFill/>
+        </p:spPr>
+        <p:txBody>
+          <a:bodyPr/>
+          <a:lstStyle/>
+          <a:p>
+            <a:fld id="{570978E6-FB79-4E74-A4A4-2BA13DA27C44}" type="slidenum">
+              <a:rPr lang="en-US" smtClean="0"/>
+              <a:pPr/>
+              <a:t>18</a:t>
+            </a:fld>
+            <a:endParaRPr lang="es-ES" dirty="0"/>
+          </a:p>
+        </p:txBody>
+      </p:sp>
+      <p:sp>
+        <p:nvSpPr>
+          <p:cNvPr id="87043" name="Rectangle 2"/>
+          <p:cNvSpPr>
+            <a:spLocks noGrp="1" noRot="1" noChangeAspect="1" noChangeArrowheads="1" noTextEdit="1"/>
+          </p:cNvSpPr>
+          <p:nvPr>
+            <p:ph type="sldImg"/>
+          </p:nvPr>
+        </p:nvSpPr>
+        <p:spPr>
+          <a:ln/>
+        </p:spPr>
+      </p:sp>
+      <p:sp>
+        <p:nvSpPr>
+          <p:cNvPr id="87044" name="Rectangle 3"/>
+          <p:cNvSpPr>
+            <a:spLocks noGrp="1" noChangeArrowheads="1"/>
+          </p:cNvSpPr>
+          <p:nvPr>
+            <p:ph type="body" idx="1"/>
+          </p:nvPr>
+        </p:nvSpPr>
+        <p:spPr>
+          <a:noFill/>
+          <a:ln/>
+        </p:spPr>
+        <p:txBody>
+          <a:bodyPr/>
+          <a:lstStyle/>
+          <a:p>
+            <a:pPr>
+              <a:lnSpc>
+                <a:spcPct val="80000"/>
+              </a:lnSpc>
+              <a:buFontTx/>
+              <a:buNone/>
+            </a:pPr>
+            <a:r>
+              <a:rPr lang="es-ES" sz="1200" kern="1200" dirty="0">
+                <a:solidFill>
+                  <a:schemeClr val="tx1"/>
+                </a:solidFill>
+                <a:latin typeface="Arial" charset="0"/>
+              </a:rPr>
+              <a:t>3.2</a:t>
+            </a:r>
+            <a:r>
+              <a:rPr lang="es-ES" dirty="0"/>
+              <a:t> </a:t>
+            </a:r>
+            <a:r>
+              <a:rPr lang="es-ES" sz="1200" kern="1200" dirty="0">
+                <a:solidFill>
+                  <a:schemeClr val="tx1"/>
+                </a:solidFill>
+                <a:latin typeface="Arial" charset="0"/>
+              </a:rPr>
+              <a:t>– </a:t>
+            </a:r>
+            <a:r>
+              <a:rPr lang="es-ES" sz="1200" kern="1200" dirty="0">
+                <a:solidFill>
+                  <a:schemeClr val="tx1"/>
+                </a:solidFill>
+                <a:effectLst/>
+                <a:latin typeface="Arial" charset="0"/>
+              </a:rPr>
+              <a:t>RIPv2</a:t>
+            </a:r>
+          </a:p>
+          <a:p>
+            <a:pPr>
+              <a:lnSpc>
+                <a:spcPct val="80000"/>
+              </a:lnSpc>
+              <a:buFontTx/>
+              <a:buNone/>
+            </a:pPr>
+            <a:r>
+              <a:rPr lang="es-ES" dirty="0">
+                <a:latin typeface="Arial" charset="0"/>
+              </a:rPr>
+              <a:t>3.2.1 – Configurar el protocolo RIP</a:t>
+            </a:r>
+          </a:p>
+          <a:p>
+            <a:pPr marL="112713" marR="0" indent="-112713" algn="l" defTabSz="1020763" rtl="0" eaLnBrk="0" fontAlgn="base" latinLnBrk="0" hangingPunct="0">
+              <a:lnSpc>
+                <a:spcPct val="80000"/>
+              </a:lnSpc>
+              <a:spcBef>
+                <a:spcPct val="50000"/>
+              </a:spcBef>
+              <a:spcAft>
+                <a:spcPct val="0"/>
+              </a:spcAft>
+              <a:buClrTx/>
+              <a:buSzPct val="100000"/>
+              <a:buFontTx/>
+              <a:buNone/>
+              <a:tabLst/>
+              <a:defRPr/>
+            </a:pPr>
+            <a:r>
+              <a:rPr lang="es-ES" sz="1200" b="0" i="0" kern="1200" dirty="0">
+                <a:solidFill>
+                  <a:schemeClr val="tx1"/>
+                </a:solidFill>
+                <a:effectLst/>
+                <a:latin typeface="Arial" charset="0"/>
+              </a:rPr>
+              <a:t>3.2.1.7 – Propagar una ruta predeterminada</a:t>
+            </a:r>
+            <a:endParaRPr lang="es-ES" sz="1200" b="0" i="0" kern="1200" dirty="0">
+              <a:solidFill>
+                <a:schemeClr val="tx1"/>
+              </a:solidFill>
+              <a:effectLst/>
+              <a:latin typeface="Arial" charset="0"/>
+              <a:ea typeface="ＭＳ Ｐゴシック" charset="0"/>
+              <a:cs typeface="ＭＳ Ｐゴシック" charset="0"/>
+            </a:endParaRPr>
+          </a:p>
+        </p:txBody>
+      </p:sp>
+    </p:spTree>
+    <p:extLst>
+      <p:ext uri="{BB962C8B-B14F-4D97-AF65-F5344CB8AC3E}">
+        <p14:creationId xmlns:p14="http://schemas.microsoft.com/office/powerpoint/2010/main" val="1867993513"/>
+      </p:ext>
+    </p:extLst>
+  </p:cSld>
+  <p:clrMapOvr>
+    <a:masterClrMapping/>
+  </p:clrMapOvr>
+</p:notes>
+</file>
+
+<file path=ppt/notesSlides/notesSlide19.xml><?xml version="1.0" encoding="utf-8"?>
+<p:notes xmlns:a="http://schemas.openxmlformats.org/drawingml/2006/main" xmlns:r="http://schemas.openxmlformats.org/officeDocument/2006/relationships" xmlns:p="http://schemas.openxmlformats.org/presentationml/2006/main">
+  <p:cSld>
+    <p:spTree>
+      <p:nvGrpSpPr>
+        <p:cNvPr id="1" name=""/>
+        <p:cNvGrpSpPr/>
+        <p:nvPr/>
+      </p:nvGrpSpPr>
+      <p:grpSpPr>
+        <a:xfrm>
+          <a:off x="0" y="0"/>
+          <a:ext cx="0" cy="0"/>
+          <a:chOff x="0" y="0"/>
+          <a:chExt cx="0" cy="0"/>
+        </a:xfrm>
+      </p:grpSpPr>
+      <p:sp>
+        <p:nvSpPr>
+          <p:cNvPr id="2" name="Marcador de imagen de diapositiva 1"/>
+          <p:cNvSpPr>
+            <a:spLocks noGrp="1" noRot="1" noChangeAspect="1"/>
+          </p:cNvSpPr>
+          <p:nvPr>
+            <p:ph type="sldImg"/>
+          </p:nvPr>
+        </p:nvSpPr>
+        <p:spPr/>
+      </p:sp>
+      <p:sp>
+        <p:nvSpPr>
+          <p:cNvPr id="3" name="Marcador de notas 2"/>
+          <p:cNvSpPr>
+            <a:spLocks noGrp="1"/>
+          </p:cNvSpPr>
+          <p:nvPr>
+            <p:ph type="body" idx="1"/>
+          </p:nvPr>
+        </p:nvSpPr>
+        <p:spPr/>
+        <p:txBody>
+          <a:bodyPr/>
+          <a:lstStyle/>
+          <a:p>
+            <a:endParaRPr lang="es-MX" dirty="0"/>
+          </a:p>
+        </p:txBody>
+      </p:sp>
+      <p:sp>
+        <p:nvSpPr>
+          <p:cNvPr id="4" name="Marcador de número de diapositiva 3"/>
+          <p:cNvSpPr>
+            <a:spLocks noGrp="1"/>
+          </p:cNvSpPr>
+          <p:nvPr>
+            <p:ph type="sldNum" sz="quarter" idx="10"/>
+          </p:nvPr>
+        </p:nvSpPr>
+        <p:spPr/>
+        <p:txBody>
+          <a:bodyPr/>
+          <a:lstStyle/>
+          <a:p>
+            <a:fld id="{5993AEC0-242E-4FA7-9D3C-51E1036AC3CB}" type="slidenum">
+              <a:rPr lang="es-MX" smtClean="0"/>
+              <a:t>19</a:t>
+            </a:fld>
+            <a:endParaRPr lang="es-MX" dirty="0"/>
+          </a:p>
+        </p:txBody>
+      </p:sp>
+    </p:spTree>
+    <p:extLst>
+      <p:ext uri="{BB962C8B-B14F-4D97-AF65-F5344CB8AC3E}">
+        <p14:creationId xmlns:p14="http://schemas.microsoft.com/office/powerpoint/2010/main" val="2654867308"/>
+      </p:ext>
+    </p:extLst>
+  </p:cSld>
+  <p:clrMapOvr>
+    <a:masterClrMapping/>
+  </p:clrMapOvr>
+</p:notes>
+</file>
+
 <file path=ppt/notesSlides/notesSlide2.xml><?xml version="1.0" encoding="utf-8"?>
 <p:notes xmlns:a="http://schemas.openxmlformats.org/drawingml/2006/main" xmlns:r="http://schemas.openxmlformats.org/officeDocument/2006/relationships" xmlns:p="http://schemas.openxmlformats.org/presentationml/2006/main">
   <p:cSld>
@@ -585,6 +2386,154 @@
       </p:grpSpPr>
       <p:sp>
         <p:nvSpPr>
+          <p:cNvPr id="87042" name="Rectangle 11"/>
+          <p:cNvSpPr>
+            <a:spLocks noGrp="1" noChangeArrowheads="1"/>
+          </p:cNvSpPr>
+          <p:nvPr>
+            <p:ph type="sldNum" sz="quarter" idx="5"/>
+          </p:nvPr>
+        </p:nvSpPr>
+        <p:spPr>
+          <a:noFill/>
+        </p:spPr>
+        <p:txBody>
+          <a:bodyPr/>
+          <a:lstStyle/>
+          <a:p>
+            <a:fld id="{570978E6-FB79-4E74-A4A4-2BA13DA27C44}" type="slidenum">
+              <a:rPr lang="en-US" smtClean="0"/>
+              <a:pPr/>
+              <a:t>2</a:t>
+            </a:fld>
+            <a:endParaRPr lang="es-ES" dirty="0"/>
+          </a:p>
+        </p:txBody>
+      </p:sp>
+      <p:sp>
+        <p:nvSpPr>
+          <p:cNvPr id="87043" name="Rectangle 2"/>
+          <p:cNvSpPr>
+            <a:spLocks noGrp="1" noRot="1" noChangeAspect="1" noChangeArrowheads="1" noTextEdit="1"/>
+          </p:cNvSpPr>
+          <p:nvPr>
+            <p:ph type="sldImg"/>
+          </p:nvPr>
+        </p:nvSpPr>
+        <p:spPr>
+          <a:ln/>
+        </p:spPr>
+      </p:sp>
+      <p:sp>
+        <p:nvSpPr>
+          <p:cNvPr id="87044" name="Rectangle 3"/>
+          <p:cNvSpPr>
+            <a:spLocks noGrp="1" noChangeArrowheads="1"/>
+          </p:cNvSpPr>
+          <p:nvPr>
+            <p:ph type="body" idx="1"/>
+          </p:nvPr>
+        </p:nvSpPr>
+        <p:spPr>
+          <a:noFill/>
+          <a:ln/>
+        </p:spPr>
+        <p:txBody>
+          <a:bodyPr/>
+          <a:lstStyle/>
+          <a:p>
+            <a:pPr>
+              <a:lnSpc>
+                <a:spcPct val="80000"/>
+              </a:lnSpc>
+              <a:buFontTx/>
+              <a:buNone/>
+            </a:pPr>
+            <a:r>
+              <a:rPr lang="es-ES" sz="1200" kern="1200" dirty="0">
+                <a:solidFill>
+                  <a:schemeClr val="tx1"/>
+                </a:solidFill>
+                <a:latin typeface="Arial" charset="0"/>
+              </a:rPr>
+              <a:t>3.1 – </a:t>
+            </a:r>
+            <a:r>
+              <a:rPr lang="es-ES" sz="1200" kern="1200" dirty="0">
+                <a:solidFill>
+                  <a:schemeClr val="tx1"/>
+                </a:solidFill>
+                <a:effectLst/>
+                <a:latin typeface="Arial" charset="0"/>
+              </a:rPr>
+              <a:t>Protocolos de routing dinámico</a:t>
+            </a:r>
+          </a:p>
+          <a:p>
+            <a:pPr>
+              <a:lnSpc>
+                <a:spcPct val="80000"/>
+              </a:lnSpc>
+              <a:buFontTx/>
+              <a:buNone/>
+            </a:pPr>
+            <a:r>
+              <a:rPr lang="es-ES" dirty="0">
+                <a:latin typeface="Arial" charset="0"/>
+              </a:rPr>
+              <a:t>3.1.1 – Descripción general de los protocolos de routing dinámico</a:t>
+            </a:r>
+          </a:p>
+          <a:p>
+            <a:pPr>
+              <a:lnSpc>
+                <a:spcPct val="80000"/>
+              </a:lnSpc>
+              <a:buFontTx/>
+              <a:buNone/>
+            </a:pPr>
+            <a:r>
+              <a:rPr lang="es-ES" dirty="0">
+                <a:latin typeface="Arial" charset="0"/>
+              </a:rPr>
+              <a:t>3.1.1.1 – Evolución de los protocolos de routing dinámico</a:t>
+            </a:r>
+            <a:endParaRPr lang="es-ES" dirty="0"/>
+          </a:p>
+        </p:txBody>
+      </p:sp>
+    </p:spTree>
+    <p:extLst>
+      <p:ext uri="{BB962C8B-B14F-4D97-AF65-F5344CB8AC3E}">
+        <p14:creationId xmlns:p14="http://schemas.microsoft.com/office/powerpoint/2010/main" val="2067003186"/>
+      </p:ext>
+    </p:extLst>
+  </p:cSld>
+  <p:clrMapOvr>
+    <a:masterClrMapping/>
+  </p:clrMapOvr>
+</p:notes>
+</file>
+
+<file path=ppt/notesSlides/notesSlide20.xml><?xml version="1.0" encoding="utf-8"?>
+<p:notes xmlns:a="http://schemas.openxmlformats.org/drawingml/2006/main" xmlns:r="http://schemas.openxmlformats.org/officeDocument/2006/relationships" xmlns:p="http://schemas.openxmlformats.org/presentationml/2006/main">
+  <p:cSld>
+    <p:spTree>
+      <p:nvGrpSpPr>
+        <p:cNvPr id="1" name=""/>
+        <p:cNvGrpSpPr/>
+        <p:nvPr/>
+      </p:nvGrpSpPr>
+      <p:grpSpPr>
+        <a:xfrm>
+          <a:off x="0" y="0"/>
+          <a:ext cx="0" cy="0"/>
+          <a:chOff x="0" y="0"/>
+          <a:chExt cx="0" cy="0"/>
+        </a:xfrm>
+      </p:grpSpPr>
+      <p:sp>
+        <p:nvSpPr>
           <p:cNvPr id="2" name="Marcador de imagen de diapositiva 1"/>
           <p:cNvSpPr>
             <a:spLocks noGrp="1" noRot="1" noChangeAspect="1"/>
@@ -631,7 +2580,7 @@
           <a:p>
             <a:fld id="{5993AEC0-242E-4FA7-9D3C-51E1036AC3CB}" type="slidenum">
               <a:rPr lang="es-MX" smtClean="0"/>
-              <a:t>2</a:t>
+              <a:t>20</a:t>
             </a:fld>
             <a:endParaRPr lang="es-MX" dirty="0"/>
           </a:p>
@@ -640,7 +2589,91 @@
     </p:spTree>
     <p:extLst>
       <p:ext uri="{BB962C8B-B14F-4D97-AF65-F5344CB8AC3E}">
-        <p14:creationId xmlns:p14="http://schemas.microsoft.com/office/powerpoint/2010/main" val="2654867308"/>
+        <p14:creationId xmlns:p14="http://schemas.microsoft.com/office/powerpoint/2010/main" val="798361577"/>
+      </p:ext>
+    </p:extLst>
+  </p:cSld>
+  <p:clrMapOvr>
+    <a:masterClrMapping/>
+  </p:clrMapOvr>
+</p:notes>
+</file>
+
+<file path=ppt/notesSlides/notesSlide21.xml><?xml version="1.0" encoding="utf-8"?>
+<p:notes xmlns:a="http://schemas.openxmlformats.org/drawingml/2006/main" xmlns:r="http://schemas.openxmlformats.org/officeDocument/2006/relationships" xmlns:p="http://schemas.openxmlformats.org/presentationml/2006/main">
+  <p:cSld>
+    <p:spTree>
+      <p:nvGrpSpPr>
+        <p:cNvPr id="1" name=""/>
+        <p:cNvGrpSpPr/>
+        <p:nvPr/>
+      </p:nvGrpSpPr>
+      <p:grpSpPr>
+        <a:xfrm>
+          <a:off x="0" y="0"/>
+          <a:ext cx="0" cy="0"/>
+          <a:chOff x="0" y="0"/>
+          <a:chExt cx="0" cy="0"/>
+        </a:xfrm>
+      </p:grpSpPr>
+      <p:sp>
+        <p:nvSpPr>
+          <p:cNvPr id="2" name="Marcador de imagen de diapositiva 1"/>
+          <p:cNvSpPr>
+            <a:spLocks noGrp="1" noRot="1" noChangeAspect="1"/>
+          </p:cNvSpPr>
+          <p:nvPr>
+            <p:ph type="sldImg"/>
+          </p:nvPr>
+        </p:nvSpPr>
+        <p:spPr/>
+      </p:sp>
+      <p:sp>
+        <p:nvSpPr>
+          <p:cNvPr id="3" name="Marcador de notas 2"/>
+          <p:cNvSpPr>
+            <a:spLocks noGrp="1"/>
+          </p:cNvSpPr>
+          <p:nvPr>
+            <p:ph type="body" idx="1"/>
+          </p:nvPr>
+        </p:nvSpPr>
+        <p:spPr/>
+        <p:txBody>
+          <a:bodyPr/>
+          <a:lstStyle/>
+          <a:p>
+            <a:endParaRPr lang="es-MX" dirty="0"/>
+          </a:p>
+        </p:txBody>
+      </p:sp>
+      <p:sp>
+        <p:nvSpPr>
+          <p:cNvPr id="4" name="Marcador de número de diapositiva 3"/>
+          <p:cNvSpPr>
+            <a:spLocks noGrp="1"/>
+          </p:cNvSpPr>
+          <p:nvPr>
+            <p:ph type="sldNum" sz="quarter" idx="10"/>
+          </p:nvPr>
+        </p:nvSpPr>
+        <p:spPr/>
+        <p:txBody>
+          <a:bodyPr/>
+          <a:lstStyle/>
+          <a:p>
+            <a:fld id="{5993AEC0-242E-4FA7-9D3C-51E1036AC3CB}" type="slidenum">
+              <a:rPr lang="es-MX" smtClean="0"/>
+              <a:t>21</a:t>
+            </a:fld>
+            <a:endParaRPr lang="es-MX" dirty="0"/>
+          </a:p>
+        </p:txBody>
+      </p:sp>
+    </p:spTree>
+    <p:extLst>
+      <p:ext uri="{BB962C8B-B14F-4D97-AF65-F5344CB8AC3E}">
+        <p14:creationId xmlns:p14="http://schemas.microsoft.com/office/powerpoint/2010/main" val="1451193911"/>
       </p:ext>
     </p:extLst>
   </p:cSld>
@@ -669,62 +2702,85 @@
       </p:grpSpPr>
       <p:sp>
         <p:nvSpPr>
-          <p:cNvPr id="2" name="Marcador de imagen de diapositiva 1"/>
+          <p:cNvPr id="87042" name="Rectangle 11"/>
           <p:cNvSpPr>
-            <a:spLocks noGrp="1" noRot="1" noChangeAspect="1"/>
+            <a:spLocks noGrp="1" noChangeArrowheads="1"/>
+          </p:cNvSpPr>
+          <p:nvPr>
+            <p:ph type="sldNum" sz="quarter" idx="5"/>
+          </p:nvPr>
+        </p:nvSpPr>
+        <p:spPr>
+          <a:noFill/>
+        </p:spPr>
+        <p:txBody>
+          <a:bodyPr/>
+          <a:lstStyle/>
+          <a:p>
+            <a:fld id="{570978E6-FB79-4E74-A4A4-2BA13DA27C44}" type="slidenum">
+              <a:rPr lang="en-US" smtClean="0"/>
+              <a:pPr/>
+              <a:t>3</a:t>
+            </a:fld>
+            <a:endParaRPr lang="es-ES" dirty="0"/>
+          </a:p>
+        </p:txBody>
+      </p:sp>
+      <p:sp>
+        <p:nvSpPr>
+          <p:cNvPr id="87043" name="Rectangle 2"/>
+          <p:cNvSpPr>
+            <a:spLocks noGrp="1" noRot="1" noChangeAspect="1" noChangeArrowheads="1" noTextEdit="1"/>
           </p:cNvSpPr>
           <p:nvPr>
             <p:ph type="sldImg"/>
           </p:nvPr>
         </p:nvSpPr>
-        <p:spPr/>
-      </p:sp>
-      <p:sp>
-        <p:nvSpPr>
-          <p:cNvPr id="3" name="Marcador de notas 2"/>
+        <p:spPr>
+          <a:ln/>
+        </p:spPr>
+      </p:sp>
+      <p:sp>
+        <p:nvSpPr>
+          <p:cNvPr id="87044" name="Rectangle 3"/>
           <p:cNvSpPr>
-            <a:spLocks noGrp="1"/>
+            <a:spLocks noGrp="1" noChangeArrowheads="1"/>
           </p:cNvSpPr>
           <p:nvPr>
             <p:ph type="body" idx="1"/>
           </p:nvPr>
         </p:nvSpPr>
-        <p:spPr/>
+        <p:spPr>
+          <a:noFill/>
+          <a:ln/>
+        </p:spPr>
         <p:txBody>
           <a:bodyPr/>
           <a:lstStyle/>
           <a:p>
-            <a:endParaRPr lang="es-MX" dirty="0"/>
-          </a:p>
-        </p:txBody>
-      </p:sp>
-      <p:sp>
-        <p:nvSpPr>
-          <p:cNvPr id="4" name="Marcador de número de diapositiva 3"/>
-          <p:cNvSpPr>
-            <a:spLocks noGrp="1"/>
-          </p:cNvSpPr>
-          <p:nvPr>
-            <p:ph type="sldNum" sz="quarter" idx="10"/>
-          </p:nvPr>
-        </p:nvSpPr>
-        <p:spPr/>
-        <p:txBody>
-          <a:bodyPr/>
-          <a:lstStyle/>
-          <a:p>
-            <a:fld id="{5993AEC0-242E-4FA7-9D3C-51E1036AC3CB}" type="slidenum">
-              <a:rPr lang="es-MX" smtClean="0"/>
-              <a:t>3</a:t>
-            </a:fld>
-            <a:endParaRPr lang="es-MX" dirty="0"/>
+            <a:pPr>
+              <a:lnSpc>
+                <a:spcPct val="80000"/>
+              </a:lnSpc>
+              <a:buFontTx/>
+              <a:buNone/>
+            </a:pPr>
+            <a:endParaRPr lang="es-ES" sz="1200" b="0" i="0" kern="1200" dirty="0">
+              <a:solidFill>
+                <a:schemeClr val="tx1"/>
+              </a:solidFill>
+              <a:effectLst/>
+              <a:latin typeface="Arial" charset="0"/>
+              <a:ea typeface="+mn-ea"/>
+              <a:cs typeface="+mn-cs"/>
+            </a:endParaRPr>
           </a:p>
         </p:txBody>
       </p:sp>
     </p:spTree>
     <p:extLst>
       <p:ext uri="{BB962C8B-B14F-4D97-AF65-F5344CB8AC3E}">
-        <p14:creationId xmlns:p14="http://schemas.microsoft.com/office/powerpoint/2010/main" val="798361577"/>
+        <p14:creationId xmlns:p14="http://schemas.microsoft.com/office/powerpoint/2010/main" val="279589583"/>
       </p:ext>
     </p:extLst>
   </p:cSld>
@@ -753,62 +2809,1083 @@
       </p:grpSpPr>
       <p:sp>
         <p:nvSpPr>
-          <p:cNvPr id="2" name="Marcador de imagen de diapositiva 1"/>
+          <p:cNvPr id="87042" name="Rectangle 11"/>
           <p:cNvSpPr>
-            <a:spLocks noGrp="1" noRot="1" noChangeAspect="1"/>
+            <a:spLocks noGrp="1" noChangeArrowheads="1"/>
+          </p:cNvSpPr>
+          <p:nvPr>
+            <p:ph type="sldNum" sz="quarter" idx="5"/>
+          </p:nvPr>
+        </p:nvSpPr>
+        <p:spPr>
+          <a:noFill/>
+        </p:spPr>
+        <p:txBody>
+          <a:bodyPr/>
+          <a:lstStyle/>
+          <a:p>
+            <a:fld id="{570978E6-FB79-4E74-A4A4-2BA13DA27C44}" type="slidenum">
+              <a:rPr lang="en-US" smtClean="0"/>
+              <a:pPr/>
+              <a:t>4</a:t>
+            </a:fld>
+            <a:endParaRPr lang="es-ES" dirty="0"/>
+          </a:p>
+        </p:txBody>
+      </p:sp>
+      <p:sp>
+        <p:nvSpPr>
+          <p:cNvPr id="87043" name="Rectangle 2"/>
+          <p:cNvSpPr>
+            <a:spLocks noGrp="1" noRot="1" noChangeAspect="1" noChangeArrowheads="1" noTextEdit="1"/>
           </p:cNvSpPr>
           <p:nvPr>
             <p:ph type="sldImg"/>
           </p:nvPr>
         </p:nvSpPr>
-        <p:spPr/>
-      </p:sp>
-      <p:sp>
-        <p:nvSpPr>
-          <p:cNvPr id="3" name="Marcador de notas 2"/>
+        <p:spPr>
+          <a:ln/>
+        </p:spPr>
+      </p:sp>
+      <p:sp>
+        <p:nvSpPr>
+          <p:cNvPr id="87044" name="Rectangle 3"/>
           <p:cNvSpPr>
-            <a:spLocks noGrp="1"/>
+            <a:spLocks noGrp="1" noChangeArrowheads="1"/>
           </p:cNvSpPr>
           <p:nvPr>
             <p:ph type="body" idx="1"/>
           </p:nvPr>
         </p:nvSpPr>
-        <p:spPr/>
+        <p:spPr>
+          <a:noFill/>
+          <a:ln/>
+        </p:spPr>
         <p:txBody>
           <a:bodyPr/>
           <a:lstStyle/>
           <a:p>
-            <a:endParaRPr lang="es-MX" dirty="0"/>
+            <a:pPr>
+              <a:lnSpc>
+                <a:spcPct val="80000"/>
+              </a:lnSpc>
+              <a:buFontTx/>
+              <a:buNone/>
+            </a:pPr>
+            <a:r>
+              <a:rPr lang="es-ES" sz="1200" kern="1200" dirty="0">
+                <a:solidFill>
+                  <a:schemeClr val="tx1"/>
+                </a:solidFill>
+                <a:latin typeface="Arial" charset="0"/>
+              </a:rPr>
+              <a:t>3.1 – </a:t>
+            </a:r>
+            <a:r>
+              <a:rPr lang="es-ES" sz="1200" kern="1200" dirty="0">
+                <a:solidFill>
+                  <a:schemeClr val="tx1"/>
+                </a:solidFill>
+                <a:effectLst/>
+                <a:latin typeface="Arial" charset="0"/>
+              </a:rPr>
+              <a:t>Protocolos de routing dinámico</a:t>
+            </a:r>
+          </a:p>
+          <a:p>
+            <a:pPr>
+              <a:lnSpc>
+                <a:spcPct val="80000"/>
+              </a:lnSpc>
+              <a:buFontTx/>
+              <a:buNone/>
+            </a:pPr>
+            <a:r>
+              <a:rPr lang="es-ES" dirty="0"/>
+              <a:t>3.1.1 – Descripción general de los protocolos de routing dinámico</a:t>
+            </a:r>
+            <a:endParaRPr lang="es-ES" sz="1200" b="0" i="0" kern="1200" dirty="0">
+              <a:solidFill>
+                <a:schemeClr val="tx1"/>
+              </a:solidFill>
+              <a:effectLst/>
+              <a:latin typeface="Arial" charset="0"/>
+              <a:ea typeface="ＭＳ Ｐゴシック" charset="0"/>
+              <a:cs typeface="ＭＳ Ｐゴシック" charset="0"/>
+            </a:endParaRPr>
+          </a:p>
+          <a:p>
+            <a:pPr marL="0" indent="0">
+              <a:buNone/>
+            </a:pPr>
+            <a:r>
+              <a:rPr lang="es-ES" sz="1200" b="0" i="0" kern="1200" dirty="0">
+                <a:solidFill>
+                  <a:schemeClr val="tx1"/>
+                </a:solidFill>
+                <a:effectLst/>
+                <a:latin typeface="Arial" charset="0"/>
+              </a:rPr>
+              <a:t>3.1.1.2 </a:t>
+            </a:r>
+            <a:r>
+              <a:rPr lang="es-ES" dirty="0"/>
+              <a:t>–</a:t>
+            </a:r>
+            <a:r>
+              <a:rPr lang="es-ES" sz="1200" b="0" i="0" kern="1200" dirty="0">
+                <a:solidFill>
+                  <a:schemeClr val="tx1"/>
+                </a:solidFill>
+                <a:effectLst/>
+                <a:latin typeface="Arial" charset="0"/>
+              </a:rPr>
+              <a:t> Componentes de los protocolos de routing dinámico (continuación)</a:t>
+            </a:r>
+            <a:endParaRPr lang="es-ES" sz="1200" b="0" i="0" kern="1200" dirty="0">
+              <a:solidFill>
+                <a:schemeClr val="tx1"/>
+              </a:solidFill>
+              <a:effectLst/>
+              <a:latin typeface="Arial" charset="0"/>
+              <a:ea typeface="ＭＳ Ｐゴシック" charset="0"/>
+              <a:cs typeface="ＭＳ Ｐゴシック" charset="0"/>
+            </a:endParaRPr>
           </a:p>
         </p:txBody>
       </p:sp>
-      <p:sp>
-        <p:nvSpPr>
-          <p:cNvPr id="4" name="Marcador de número de diapositiva 3"/>
+    </p:spTree>
+    <p:extLst>
+      <p:ext uri="{BB962C8B-B14F-4D97-AF65-F5344CB8AC3E}">
+        <p14:creationId xmlns:p14="http://schemas.microsoft.com/office/powerpoint/2010/main" val="367901845"/>
+      </p:ext>
+    </p:extLst>
+  </p:cSld>
+  <p:clrMapOvr>
+    <a:masterClrMapping/>
+  </p:clrMapOvr>
+</p:notes>
+</file>
+
+<file path=ppt/notesSlides/notesSlide5.xml><?xml version="1.0" encoding="utf-8"?>
+<p:notes xmlns:a="http://schemas.openxmlformats.org/drawingml/2006/main" xmlns:r="http://schemas.openxmlformats.org/officeDocument/2006/relationships" xmlns:p="http://schemas.openxmlformats.org/presentationml/2006/main">
+  <p:cSld>
+    <p:spTree>
+      <p:nvGrpSpPr>
+        <p:cNvPr id="1" name=""/>
+        <p:cNvGrpSpPr/>
+        <p:nvPr/>
+      </p:nvGrpSpPr>
+      <p:grpSpPr>
+        <a:xfrm>
+          <a:off x="0" y="0"/>
+          <a:ext cx="0" cy="0"/>
+          <a:chOff x="0" y="0"/>
+          <a:chExt cx="0" cy="0"/>
+        </a:xfrm>
+      </p:grpSpPr>
+      <p:sp>
+        <p:nvSpPr>
+          <p:cNvPr id="87042" name="Rectangle 11"/>
           <p:cNvSpPr>
-            <a:spLocks noGrp="1"/>
+            <a:spLocks noGrp="1" noChangeArrowheads="1"/>
           </p:cNvSpPr>
           <p:nvPr>
-            <p:ph type="sldNum" sz="quarter" idx="10"/>
+            <p:ph type="sldNum" sz="quarter" idx="5"/>
           </p:nvPr>
         </p:nvSpPr>
-        <p:spPr/>
+        <p:spPr>
+          <a:noFill/>
+        </p:spPr>
         <p:txBody>
           <a:bodyPr/>
           <a:lstStyle/>
           <a:p>
-            <a:fld id="{5993AEC0-242E-4FA7-9D3C-51E1036AC3CB}" type="slidenum">
-              <a:rPr lang="es-MX" smtClean="0"/>
-              <a:t>4</a:t>
+            <a:fld id="{570978E6-FB79-4E74-A4A4-2BA13DA27C44}" type="slidenum">
+              <a:rPr lang="en-US" smtClean="0"/>
+              <a:pPr/>
+              <a:t>5</a:t>
             </a:fld>
-            <a:endParaRPr lang="es-MX" dirty="0"/>
+            <a:endParaRPr lang="es-ES" dirty="0"/>
+          </a:p>
+        </p:txBody>
+      </p:sp>
+      <p:sp>
+        <p:nvSpPr>
+          <p:cNvPr id="87043" name="Rectangle 2"/>
+          <p:cNvSpPr>
+            <a:spLocks noGrp="1" noRot="1" noChangeAspect="1" noChangeArrowheads="1" noTextEdit="1"/>
+          </p:cNvSpPr>
+          <p:nvPr>
+            <p:ph type="sldImg"/>
+          </p:nvPr>
+        </p:nvSpPr>
+        <p:spPr>
+          <a:ln/>
+        </p:spPr>
+      </p:sp>
+      <p:sp>
+        <p:nvSpPr>
+          <p:cNvPr id="87044" name="Rectangle 3"/>
+          <p:cNvSpPr>
+            <a:spLocks noGrp="1" noChangeArrowheads="1"/>
+          </p:cNvSpPr>
+          <p:nvPr>
+            <p:ph type="body" idx="1"/>
+          </p:nvPr>
+        </p:nvSpPr>
+        <p:spPr>
+          <a:noFill/>
+          <a:ln/>
+        </p:spPr>
+        <p:txBody>
+          <a:bodyPr/>
+          <a:lstStyle/>
+          <a:p>
+            <a:pPr>
+              <a:lnSpc>
+                <a:spcPct val="80000"/>
+              </a:lnSpc>
+              <a:buFontTx/>
+              <a:buNone/>
+            </a:pPr>
+            <a:r>
+              <a:rPr lang="es-ES" sz="1200" kern="1200" dirty="0">
+                <a:solidFill>
+                  <a:schemeClr val="tx1"/>
+                </a:solidFill>
+                <a:latin typeface="Arial" charset="0"/>
+              </a:rPr>
+              <a:t>3.1 – </a:t>
+            </a:r>
+            <a:r>
+              <a:rPr lang="es-ES" sz="1200" kern="1200" dirty="0">
+                <a:solidFill>
+                  <a:schemeClr val="tx1"/>
+                </a:solidFill>
+                <a:effectLst/>
+                <a:latin typeface="Arial" charset="0"/>
+              </a:rPr>
+              <a:t>Protocolos de routing dinámico</a:t>
+            </a:r>
+            <a:endParaRPr lang="es-ES" sz="1200" kern="1200" dirty="0">
+              <a:solidFill>
+                <a:schemeClr val="tx1"/>
+              </a:solidFill>
+              <a:effectLst/>
+              <a:latin typeface="Arial" charset="0"/>
+              <a:ea typeface="ＭＳ Ｐゴシック" charset="0"/>
+              <a:cs typeface="ＭＳ Ｐゴシック" charset="0"/>
+            </a:endParaRPr>
+          </a:p>
+          <a:p>
+            <a:pPr>
+              <a:lnSpc>
+                <a:spcPct val="80000"/>
+              </a:lnSpc>
+              <a:buFontTx/>
+              <a:buNone/>
+            </a:pPr>
+            <a:r>
+              <a:rPr lang="es-ES" dirty="0">
+                <a:latin typeface="Arial" charset="0"/>
+              </a:rPr>
+              <a:t>3.1.2</a:t>
+            </a:r>
+            <a:r>
+              <a:rPr lang="es-ES" dirty="0"/>
+              <a:t> </a:t>
+            </a:r>
+            <a:r>
+              <a:rPr lang="es-ES" dirty="0">
+                <a:latin typeface="Arial" charset="0"/>
+              </a:rPr>
+              <a:t>– Comparación entre routing dinámico y estático</a:t>
+            </a:r>
+          </a:p>
+          <a:p>
+            <a:pPr>
+              <a:lnSpc>
+                <a:spcPct val="80000"/>
+              </a:lnSpc>
+              <a:buNone/>
+              <a:defRPr/>
+            </a:pPr>
+            <a:r>
+              <a:rPr lang="es-ES" sz="1200" b="0" i="0" kern="1200" dirty="0">
+                <a:solidFill>
+                  <a:schemeClr val="tx1"/>
+                </a:solidFill>
+                <a:effectLst/>
+                <a:latin typeface="Arial" charset="0"/>
+              </a:rPr>
+              <a:t>3.1.2.1 </a:t>
+            </a:r>
+            <a:r>
+              <a:rPr lang="es-ES" dirty="0"/>
+              <a:t>–</a:t>
+            </a:r>
+            <a:r>
+              <a:rPr lang="es-ES" sz="1200" b="0" i="0" kern="1200" dirty="0">
+                <a:solidFill>
+                  <a:schemeClr val="tx1"/>
+                </a:solidFill>
+                <a:effectLst/>
+                <a:latin typeface="Arial" charset="0"/>
+              </a:rPr>
+              <a:t> Usos del routing estático</a:t>
+            </a:r>
+            <a:endParaRPr lang="es-ES" sz="1200" b="0" i="0" kern="1200" dirty="0">
+              <a:solidFill>
+                <a:schemeClr val="tx1"/>
+              </a:solidFill>
+              <a:effectLst/>
+              <a:latin typeface="Arial" charset="0"/>
+              <a:ea typeface="ＭＳ Ｐゴシック" charset="0"/>
+              <a:cs typeface="ＭＳ Ｐゴシック" charset="0"/>
+            </a:endParaRPr>
           </a:p>
         </p:txBody>
       </p:sp>
     </p:spTree>
     <p:extLst>
       <p:ext uri="{BB962C8B-B14F-4D97-AF65-F5344CB8AC3E}">
-        <p14:creationId xmlns:p14="http://schemas.microsoft.com/office/powerpoint/2010/main" val="1451193911"/>
+        <p14:creationId xmlns:p14="http://schemas.microsoft.com/office/powerpoint/2010/main" val="720889202"/>
+      </p:ext>
+    </p:extLst>
+  </p:cSld>
+  <p:clrMapOvr>
+    <a:masterClrMapping/>
+  </p:clrMapOvr>
+</p:notes>
+</file>
+
+<file path=ppt/notesSlides/notesSlide6.xml><?xml version="1.0" encoding="utf-8"?>
+<p:notes xmlns:a="http://schemas.openxmlformats.org/drawingml/2006/main" xmlns:r="http://schemas.openxmlformats.org/officeDocument/2006/relationships" xmlns:p="http://schemas.openxmlformats.org/presentationml/2006/main">
+  <p:cSld>
+    <p:spTree>
+      <p:nvGrpSpPr>
+        <p:cNvPr id="1" name=""/>
+        <p:cNvGrpSpPr/>
+        <p:nvPr/>
+      </p:nvGrpSpPr>
+      <p:grpSpPr>
+        <a:xfrm>
+          <a:off x="0" y="0"/>
+          <a:ext cx="0" cy="0"/>
+          <a:chOff x="0" y="0"/>
+          <a:chExt cx="0" cy="0"/>
+        </a:xfrm>
+      </p:grpSpPr>
+      <p:sp>
+        <p:nvSpPr>
+          <p:cNvPr id="87042" name="Rectangle 11"/>
+          <p:cNvSpPr>
+            <a:spLocks noGrp="1" noChangeArrowheads="1"/>
+          </p:cNvSpPr>
+          <p:nvPr>
+            <p:ph type="sldNum" sz="quarter" idx="5"/>
+          </p:nvPr>
+        </p:nvSpPr>
+        <p:spPr>
+          <a:noFill/>
+        </p:spPr>
+        <p:txBody>
+          <a:bodyPr/>
+          <a:lstStyle/>
+          <a:p>
+            <a:fld id="{570978E6-FB79-4E74-A4A4-2BA13DA27C44}" type="slidenum">
+              <a:rPr lang="en-US" smtClean="0"/>
+              <a:pPr/>
+              <a:t>6</a:t>
+            </a:fld>
+            <a:endParaRPr lang="es-ES" dirty="0"/>
+          </a:p>
+        </p:txBody>
+      </p:sp>
+      <p:sp>
+        <p:nvSpPr>
+          <p:cNvPr id="87043" name="Rectangle 2"/>
+          <p:cNvSpPr>
+            <a:spLocks noGrp="1" noRot="1" noChangeAspect="1" noChangeArrowheads="1" noTextEdit="1"/>
+          </p:cNvSpPr>
+          <p:nvPr>
+            <p:ph type="sldImg"/>
+          </p:nvPr>
+        </p:nvSpPr>
+        <p:spPr>
+          <a:ln/>
+        </p:spPr>
+      </p:sp>
+      <p:sp>
+        <p:nvSpPr>
+          <p:cNvPr id="87044" name="Rectangle 3"/>
+          <p:cNvSpPr>
+            <a:spLocks noGrp="1" noChangeArrowheads="1"/>
+          </p:cNvSpPr>
+          <p:nvPr>
+            <p:ph type="body" idx="1"/>
+          </p:nvPr>
+        </p:nvSpPr>
+        <p:spPr>
+          <a:noFill/>
+          <a:ln/>
+        </p:spPr>
+        <p:txBody>
+          <a:bodyPr/>
+          <a:lstStyle/>
+          <a:p>
+            <a:pPr>
+              <a:lnSpc>
+                <a:spcPct val="80000"/>
+              </a:lnSpc>
+              <a:buFontTx/>
+              <a:buNone/>
+            </a:pPr>
+            <a:r>
+              <a:rPr lang="es-ES" sz="1200" kern="1200" dirty="0">
+                <a:solidFill>
+                  <a:schemeClr val="tx1"/>
+                </a:solidFill>
+                <a:latin typeface="Arial" charset="0"/>
+              </a:rPr>
+              <a:t>3.1 – </a:t>
+            </a:r>
+            <a:r>
+              <a:rPr lang="es-ES" sz="1200" kern="1200" dirty="0">
+                <a:solidFill>
+                  <a:schemeClr val="tx1"/>
+                </a:solidFill>
+                <a:effectLst/>
+                <a:latin typeface="Arial" charset="0"/>
+              </a:rPr>
+              <a:t>Protocolos de routing dinámico</a:t>
+            </a:r>
+            <a:endParaRPr lang="es-ES" sz="1200" kern="1200" dirty="0">
+              <a:solidFill>
+                <a:schemeClr val="tx1"/>
+              </a:solidFill>
+              <a:effectLst/>
+              <a:latin typeface="Arial" charset="0"/>
+              <a:ea typeface="ＭＳ Ｐゴシック" charset="0"/>
+              <a:cs typeface="ＭＳ Ｐゴシック" charset="0"/>
+            </a:endParaRPr>
+          </a:p>
+          <a:p>
+            <a:pPr>
+              <a:lnSpc>
+                <a:spcPct val="80000"/>
+              </a:lnSpc>
+              <a:buFontTx/>
+              <a:buNone/>
+            </a:pPr>
+            <a:r>
+              <a:rPr lang="es-ES" dirty="0">
+                <a:latin typeface="Arial" charset="0"/>
+              </a:rPr>
+              <a:t>3.1.2</a:t>
+            </a:r>
+            <a:r>
+              <a:rPr lang="es-ES" dirty="0"/>
+              <a:t> </a:t>
+            </a:r>
+            <a:r>
+              <a:rPr lang="es-ES" dirty="0">
+                <a:latin typeface="Arial" charset="0"/>
+              </a:rPr>
+              <a:t>– Comparación entre routing dinámico y estático</a:t>
+            </a:r>
+          </a:p>
+          <a:p>
+            <a:pPr>
+              <a:lnSpc>
+                <a:spcPct val="80000"/>
+              </a:lnSpc>
+              <a:buNone/>
+              <a:defRPr/>
+            </a:pPr>
+            <a:r>
+              <a:rPr lang="es-ES" sz="1200" b="0" i="0" kern="1200" dirty="0">
+                <a:solidFill>
+                  <a:schemeClr val="tx1"/>
+                </a:solidFill>
+                <a:effectLst/>
+                <a:latin typeface="Arial" charset="0"/>
+              </a:rPr>
+              <a:t>3.1.2.1 </a:t>
+            </a:r>
+            <a:r>
+              <a:rPr lang="es-ES" dirty="0"/>
+              <a:t>–</a:t>
+            </a:r>
+            <a:r>
+              <a:rPr lang="es-ES" sz="1200" b="0" i="0" kern="1200" dirty="0">
+                <a:solidFill>
+                  <a:schemeClr val="tx1"/>
+                </a:solidFill>
+                <a:effectLst/>
+                <a:latin typeface="Arial" charset="0"/>
+              </a:rPr>
+              <a:t> Usos del routing estático (continuación)</a:t>
+            </a:r>
+            <a:endParaRPr lang="es-ES" sz="1200" b="0" i="0" kern="1200" dirty="0">
+              <a:solidFill>
+                <a:schemeClr val="tx1"/>
+              </a:solidFill>
+              <a:effectLst/>
+              <a:latin typeface="Arial" charset="0"/>
+              <a:ea typeface="ＭＳ Ｐゴシック" charset="0"/>
+              <a:cs typeface="ＭＳ Ｐゴシック" charset="0"/>
+            </a:endParaRPr>
+          </a:p>
+        </p:txBody>
+      </p:sp>
+    </p:spTree>
+    <p:extLst>
+      <p:ext uri="{BB962C8B-B14F-4D97-AF65-F5344CB8AC3E}">
+        <p14:creationId xmlns:p14="http://schemas.microsoft.com/office/powerpoint/2010/main" val="2029565287"/>
+      </p:ext>
+    </p:extLst>
+  </p:cSld>
+  <p:clrMapOvr>
+    <a:masterClrMapping/>
+  </p:clrMapOvr>
+</p:notes>
+</file>
+
+<file path=ppt/notesSlides/notesSlide7.xml><?xml version="1.0" encoding="utf-8"?>
+<p:notes xmlns:a="http://schemas.openxmlformats.org/drawingml/2006/main" xmlns:r="http://schemas.openxmlformats.org/officeDocument/2006/relationships" xmlns:p="http://schemas.openxmlformats.org/presentationml/2006/main">
+  <p:cSld>
+    <p:spTree>
+      <p:nvGrpSpPr>
+        <p:cNvPr id="1" name=""/>
+        <p:cNvGrpSpPr/>
+        <p:nvPr/>
+      </p:nvGrpSpPr>
+      <p:grpSpPr>
+        <a:xfrm>
+          <a:off x="0" y="0"/>
+          <a:ext cx="0" cy="0"/>
+          <a:chOff x="0" y="0"/>
+          <a:chExt cx="0" cy="0"/>
+        </a:xfrm>
+      </p:grpSpPr>
+      <p:sp>
+        <p:nvSpPr>
+          <p:cNvPr id="87042" name="Rectangle 11"/>
+          <p:cNvSpPr>
+            <a:spLocks noGrp="1" noChangeArrowheads="1"/>
+          </p:cNvSpPr>
+          <p:nvPr>
+            <p:ph type="sldNum" sz="quarter" idx="5"/>
+          </p:nvPr>
+        </p:nvSpPr>
+        <p:spPr>
+          <a:noFill/>
+        </p:spPr>
+        <p:txBody>
+          <a:bodyPr/>
+          <a:lstStyle/>
+          <a:p>
+            <a:fld id="{570978E6-FB79-4E74-A4A4-2BA13DA27C44}" type="slidenum">
+              <a:rPr lang="en-US" smtClean="0"/>
+              <a:pPr/>
+              <a:t>7</a:t>
+            </a:fld>
+            <a:endParaRPr lang="es-ES" dirty="0"/>
+          </a:p>
+        </p:txBody>
+      </p:sp>
+      <p:sp>
+        <p:nvSpPr>
+          <p:cNvPr id="87043" name="Rectangle 2"/>
+          <p:cNvSpPr>
+            <a:spLocks noGrp="1" noRot="1" noChangeAspect="1" noChangeArrowheads="1" noTextEdit="1"/>
+          </p:cNvSpPr>
+          <p:nvPr>
+            <p:ph type="sldImg"/>
+          </p:nvPr>
+        </p:nvSpPr>
+        <p:spPr>
+          <a:ln/>
+        </p:spPr>
+      </p:sp>
+      <p:sp>
+        <p:nvSpPr>
+          <p:cNvPr id="87044" name="Rectangle 3"/>
+          <p:cNvSpPr>
+            <a:spLocks noGrp="1" noChangeArrowheads="1"/>
+          </p:cNvSpPr>
+          <p:nvPr>
+            <p:ph type="body" idx="1"/>
+          </p:nvPr>
+        </p:nvSpPr>
+        <p:spPr>
+          <a:noFill/>
+          <a:ln/>
+        </p:spPr>
+        <p:txBody>
+          <a:bodyPr/>
+          <a:lstStyle/>
+          <a:p>
+            <a:pPr>
+              <a:lnSpc>
+                <a:spcPct val="80000"/>
+              </a:lnSpc>
+              <a:buFontTx/>
+              <a:buNone/>
+            </a:pPr>
+            <a:r>
+              <a:rPr lang="es-ES" sz="1200" kern="1200" dirty="0">
+                <a:solidFill>
+                  <a:schemeClr val="tx1"/>
+                </a:solidFill>
+                <a:latin typeface="Arial" charset="0"/>
+              </a:rPr>
+              <a:t>3.1 – </a:t>
+            </a:r>
+            <a:r>
+              <a:rPr lang="es-ES" sz="1200" kern="1200" dirty="0">
+                <a:solidFill>
+                  <a:schemeClr val="tx1"/>
+                </a:solidFill>
+                <a:effectLst/>
+                <a:latin typeface="Arial" charset="0"/>
+              </a:rPr>
+              <a:t>Protocolos de routing dinámico</a:t>
+            </a:r>
+          </a:p>
+          <a:p>
+            <a:pPr>
+              <a:lnSpc>
+                <a:spcPct val="80000"/>
+              </a:lnSpc>
+              <a:buFontTx/>
+              <a:buNone/>
+            </a:pPr>
+            <a:r>
+              <a:rPr lang="es-ES" dirty="0">
+                <a:latin typeface="Arial" charset="0"/>
+              </a:rPr>
+              <a:t>3.1.2</a:t>
+            </a:r>
+            <a:r>
+              <a:rPr lang="es-ES" dirty="0"/>
+              <a:t> </a:t>
+            </a:r>
+            <a:r>
+              <a:rPr lang="es-ES" dirty="0">
+                <a:latin typeface="Arial" charset="0"/>
+              </a:rPr>
+              <a:t>– Comparación entre routing dinámico y estático</a:t>
+            </a:r>
+          </a:p>
+          <a:p>
+            <a:pPr>
+              <a:lnSpc>
+                <a:spcPct val="80000"/>
+              </a:lnSpc>
+              <a:buNone/>
+              <a:defRPr/>
+            </a:pPr>
+            <a:r>
+              <a:rPr lang="es-ES" sz="1200" b="0" i="0" kern="1200" dirty="0">
+                <a:solidFill>
+                  <a:schemeClr val="tx1"/>
+                </a:solidFill>
+                <a:effectLst/>
+                <a:latin typeface="Arial" charset="0"/>
+              </a:rPr>
+              <a:t>3.1.2.2 </a:t>
+            </a:r>
+            <a:r>
+              <a:rPr lang="es-ES" dirty="0"/>
+              <a:t>–</a:t>
+            </a:r>
+            <a:r>
+              <a:rPr lang="es-ES" sz="1200" b="0" i="0" kern="1200" dirty="0">
+                <a:solidFill>
+                  <a:schemeClr val="tx1"/>
+                </a:solidFill>
+                <a:effectLst/>
+                <a:latin typeface="Arial" charset="0"/>
+              </a:rPr>
+              <a:t> Ventajas y desventajas del routing estático</a:t>
+            </a:r>
+            <a:endParaRPr lang="es-ES" sz="1200" b="0" i="0" kern="1200" dirty="0">
+              <a:solidFill>
+                <a:schemeClr val="tx1"/>
+              </a:solidFill>
+              <a:effectLst/>
+              <a:latin typeface="Arial" charset="0"/>
+              <a:ea typeface="ＭＳ Ｐゴシック" charset="0"/>
+              <a:cs typeface="ＭＳ Ｐゴシック" charset="0"/>
+            </a:endParaRPr>
+          </a:p>
+        </p:txBody>
+      </p:sp>
+    </p:spTree>
+    <p:extLst>
+      <p:ext uri="{BB962C8B-B14F-4D97-AF65-F5344CB8AC3E}">
+        <p14:creationId xmlns:p14="http://schemas.microsoft.com/office/powerpoint/2010/main" val="273529661"/>
+      </p:ext>
+    </p:extLst>
+  </p:cSld>
+  <p:clrMapOvr>
+    <a:masterClrMapping/>
+  </p:clrMapOvr>
+</p:notes>
+</file>
+
+<file path=ppt/notesSlides/notesSlide8.xml><?xml version="1.0" encoding="utf-8"?>
+<p:notes xmlns:a="http://schemas.openxmlformats.org/drawingml/2006/main" xmlns:r="http://schemas.openxmlformats.org/officeDocument/2006/relationships" xmlns:p="http://schemas.openxmlformats.org/presentationml/2006/main">
+  <p:cSld>
+    <p:spTree>
+      <p:nvGrpSpPr>
+        <p:cNvPr id="1" name=""/>
+        <p:cNvGrpSpPr/>
+        <p:nvPr/>
+      </p:nvGrpSpPr>
+      <p:grpSpPr>
+        <a:xfrm>
+          <a:off x="0" y="0"/>
+          <a:ext cx="0" cy="0"/>
+          <a:chOff x="0" y="0"/>
+          <a:chExt cx="0" cy="0"/>
+        </a:xfrm>
+      </p:grpSpPr>
+      <p:sp>
+        <p:nvSpPr>
+          <p:cNvPr id="87042" name="Rectangle 11"/>
+          <p:cNvSpPr>
+            <a:spLocks noGrp="1" noChangeArrowheads="1"/>
+          </p:cNvSpPr>
+          <p:nvPr>
+            <p:ph type="sldNum" sz="quarter" idx="5"/>
+          </p:nvPr>
+        </p:nvSpPr>
+        <p:spPr>
+          <a:noFill/>
+        </p:spPr>
+        <p:txBody>
+          <a:bodyPr/>
+          <a:lstStyle/>
+          <a:p>
+            <a:fld id="{570978E6-FB79-4E74-A4A4-2BA13DA27C44}" type="slidenum">
+              <a:rPr lang="en-US" smtClean="0"/>
+              <a:pPr/>
+              <a:t>8</a:t>
+            </a:fld>
+            <a:endParaRPr lang="es-ES" dirty="0"/>
+          </a:p>
+        </p:txBody>
+      </p:sp>
+      <p:sp>
+        <p:nvSpPr>
+          <p:cNvPr id="87043" name="Rectangle 2"/>
+          <p:cNvSpPr>
+            <a:spLocks noGrp="1" noRot="1" noChangeAspect="1" noChangeArrowheads="1" noTextEdit="1"/>
+          </p:cNvSpPr>
+          <p:nvPr>
+            <p:ph type="sldImg"/>
+          </p:nvPr>
+        </p:nvSpPr>
+        <p:spPr>
+          <a:ln/>
+        </p:spPr>
+      </p:sp>
+      <p:sp>
+        <p:nvSpPr>
+          <p:cNvPr id="87044" name="Rectangle 3"/>
+          <p:cNvSpPr>
+            <a:spLocks noGrp="1" noChangeArrowheads="1"/>
+          </p:cNvSpPr>
+          <p:nvPr>
+            <p:ph type="body" idx="1"/>
+          </p:nvPr>
+        </p:nvSpPr>
+        <p:spPr>
+          <a:noFill/>
+          <a:ln/>
+        </p:spPr>
+        <p:txBody>
+          <a:bodyPr/>
+          <a:lstStyle/>
+          <a:p>
+            <a:pPr>
+              <a:lnSpc>
+                <a:spcPct val="80000"/>
+              </a:lnSpc>
+              <a:buFontTx/>
+              <a:buNone/>
+            </a:pPr>
+            <a:r>
+              <a:rPr lang="es-ES" sz="1200" kern="1200" dirty="0">
+                <a:solidFill>
+                  <a:schemeClr val="tx1"/>
+                </a:solidFill>
+                <a:latin typeface="Arial" charset="0"/>
+              </a:rPr>
+              <a:t>3.1 – Protocolos de routing dinámico</a:t>
+            </a:r>
+            <a:endParaRPr lang="es-ES" sz="1200" kern="1200" dirty="0">
+              <a:solidFill>
+                <a:schemeClr val="tx1"/>
+              </a:solidFill>
+              <a:effectLst/>
+              <a:latin typeface="Arial" charset="0"/>
+              <a:ea typeface="ＭＳ Ｐゴシック" charset="0"/>
+              <a:cs typeface="ＭＳ Ｐゴシック" charset="0"/>
+            </a:endParaRPr>
+          </a:p>
+          <a:p>
+            <a:pPr>
+              <a:lnSpc>
+                <a:spcPct val="80000"/>
+              </a:lnSpc>
+              <a:buFontTx/>
+              <a:buNone/>
+            </a:pPr>
+            <a:r>
+              <a:rPr lang="es-ES" dirty="0">
+                <a:latin typeface="Arial" charset="0"/>
+              </a:rPr>
+              <a:t>3.1.2</a:t>
+            </a:r>
+            <a:r>
+              <a:rPr lang="es-ES" dirty="0"/>
+              <a:t> </a:t>
+            </a:r>
+            <a:r>
+              <a:rPr lang="es-ES" dirty="0">
+                <a:latin typeface="Arial" charset="0"/>
+              </a:rPr>
+              <a:t>– Comparación entre routing dinámico y estático</a:t>
+            </a:r>
+          </a:p>
+          <a:p>
+            <a:pPr marL="112713" marR="0" indent="-112713" algn="l" defTabSz="1020763" rtl="0" eaLnBrk="0" fontAlgn="base" latinLnBrk="0" hangingPunct="0">
+              <a:lnSpc>
+                <a:spcPct val="80000"/>
+              </a:lnSpc>
+              <a:spcBef>
+                <a:spcPct val="50000"/>
+              </a:spcBef>
+              <a:spcAft>
+                <a:spcPct val="0"/>
+              </a:spcAft>
+              <a:buClrTx/>
+              <a:buSzPct val="100000"/>
+              <a:buFontTx/>
+              <a:buNone/>
+              <a:tabLst/>
+              <a:defRPr/>
+            </a:pPr>
+            <a:r>
+              <a:rPr lang="es-ES" sz="1200" b="0" i="0" kern="1200" dirty="0">
+                <a:solidFill>
+                  <a:schemeClr val="tx1"/>
+                </a:solidFill>
+                <a:effectLst/>
+                <a:latin typeface="Arial" charset="0"/>
+              </a:rPr>
+              <a:t>3.1.2.4 – Ventajas y desventajas del routing dinámico</a:t>
+            </a:r>
+            <a:endParaRPr lang="es-ES" sz="1200" b="0" i="0" kern="1200" dirty="0">
+              <a:solidFill>
+                <a:schemeClr val="tx1"/>
+              </a:solidFill>
+              <a:effectLst/>
+              <a:latin typeface="Arial" charset="0"/>
+              <a:ea typeface="ＭＳ Ｐゴシック" charset="0"/>
+              <a:cs typeface="ＭＳ Ｐゴシック" charset="0"/>
+            </a:endParaRPr>
+          </a:p>
+        </p:txBody>
+      </p:sp>
+    </p:spTree>
+    <p:extLst>
+      <p:ext uri="{BB962C8B-B14F-4D97-AF65-F5344CB8AC3E}">
+        <p14:creationId xmlns:p14="http://schemas.microsoft.com/office/powerpoint/2010/main" val="1598007847"/>
+      </p:ext>
+    </p:extLst>
+  </p:cSld>
+  <p:clrMapOvr>
+    <a:masterClrMapping/>
+  </p:clrMapOvr>
+</p:notes>
+</file>
+
+<file path=ppt/notesSlides/notesSlide9.xml><?xml version="1.0" encoding="utf-8"?>
+<p:notes xmlns:a="http://schemas.openxmlformats.org/drawingml/2006/main" xmlns:r="http://schemas.openxmlformats.org/officeDocument/2006/relationships" xmlns:p="http://schemas.openxmlformats.org/presentationml/2006/main">
+  <p:cSld>
+    <p:spTree>
+      <p:nvGrpSpPr>
+        <p:cNvPr id="1" name=""/>
+        <p:cNvGrpSpPr/>
+        <p:nvPr/>
+      </p:nvGrpSpPr>
+      <p:grpSpPr>
+        <a:xfrm>
+          <a:off x="0" y="0"/>
+          <a:ext cx="0" cy="0"/>
+          <a:chOff x="0" y="0"/>
+          <a:chExt cx="0" cy="0"/>
+        </a:xfrm>
+      </p:grpSpPr>
+      <p:sp>
+        <p:nvSpPr>
+          <p:cNvPr id="87042" name="Rectangle 11"/>
+          <p:cNvSpPr>
+            <a:spLocks noGrp="1" noChangeArrowheads="1"/>
+          </p:cNvSpPr>
+          <p:nvPr>
+            <p:ph type="sldNum" sz="quarter" idx="5"/>
+          </p:nvPr>
+        </p:nvSpPr>
+        <p:spPr>
+          <a:noFill/>
+        </p:spPr>
+        <p:txBody>
+          <a:bodyPr/>
+          <a:lstStyle/>
+          <a:p>
+            <a:fld id="{570978E6-FB79-4E74-A4A4-2BA13DA27C44}" type="slidenum">
+              <a:rPr lang="en-US" smtClean="0"/>
+              <a:pPr/>
+              <a:t>9</a:t>
+            </a:fld>
+            <a:endParaRPr lang="es-ES" dirty="0"/>
+          </a:p>
+        </p:txBody>
+      </p:sp>
+      <p:sp>
+        <p:nvSpPr>
+          <p:cNvPr id="87043" name="Rectangle 2"/>
+          <p:cNvSpPr>
+            <a:spLocks noGrp="1" noRot="1" noChangeAspect="1" noChangeArrowheads="1" noTextEdit="1"/>
+          </p:cNvSpPr>
+          <p:nvPr>
+            <p:ph type="sldImg"/>
+          </p:nvPr>
+        </p:nvSpPr>
+        <p:spPr>
+          <a:ln/>
+        </p:spPr>
+      </p:sp>
+      <p:sp>
+        <p:nvSpPr>
+          <p:cNvPr id="87044" name="Rectangle 3"/>
+          <p:cNvSpPr>
+            <a:spLocks noGrp="1" noChangeArrowheads="1"/>
+          </p:cNvSpPr>
+          <p:nvPr>
+            <p:ph type="body" idx="1"/>
+          </p:nvPr>
+        </p:nvSpPr>
+        <p:spPr>
+          <a:noFill/>
+          <a:ln/>
+        </p:spPr>
+        <p:txBody>
+          <a:bodyPr/>
+          <a:lstStyle/>
+          <a:p>
+            <a:pPr>
+              <a:lnSpc>
+                <a:spcPct val="80000"/>
+              </a:lnSpc>
+              <a:buFontTx/>
+              <a:buNone/>
+            </a:pPr>
+            <a:r>
+              <a:rPr lang="es-ES" sz="1200" kern="1200" dirty="0">
+                <a:solidFill>
+                  <a:schemeClr val="tx1"/>
+                </a:solidFill>
+                <a:latin typeface="Arial" charset="0"/>
+              </a:rPr>
+              <a:t>3.1 – Protocolos de routing dinámico</a:t>
+            </a:r>
+            <a:endParaRPr lang="es-ES" sz="1200" kern="1200" dirty="0">
+              <a:solidFill>
+                <a:schemeClr val="tx1"/>
+              </a:solidFill>
+              <a:effectLst/>
+              <a:latin typeface="Arial" charset="0"/>
+              <a:ea typeface="ＭＳ Ｐゴシック" charset="0"/>
+              <a:cs typeface="ＭＳ Ｐゴシック" charset="0"/>
+            </a:endParaRPr>
+          </a:p>
+          <a:p>
+            <a:pPr>
+              <a:lnSpc>
+                <a:spcPct val="80000"/>
+              </a:lnSpc>
+              <a:buFontTx/>
+              <a:buNone/>
+            </a:pPr>
+            <a:r>
+              <a:rPr lang="es-ES" dirty="0">
+                <a:latin typeface="Arial" charset="0"/>
+              </a:rPr>
+              <a:t>3.1.2</a:t>
+            </a:r>
+            <a:r>
+              <a:rPr lang="es-ES" dirty="0"/>
+              <a:t> </a:t>
+            </a:r>
+            <a:r>
+              <a:rPr lang="es-ES" dirty="0">
+                <a:latin typeface="Arial" charset="0"/>
+              </a:rPr>
+              <a:t>– Comparación entre routing dinámico y estático</a:t>
+            </a:r>
+          </a:p>
+          <a:p>
+            <a:pPr marL="112713" marR="0" indent="-112713" algn="l" defTabSz="1020763" rtl="0" eaLnBrk="0" fontAlgn="base" latinLnBrk="0" hangingPunct="0">
+              <a:lnSpc>
+                <a:spcPct val="80000"/>
+              </a:lnSpc>
+              <a:spcBef>
+                <a:spcPct val="50000"/>
+              </a:spcBef>
+              <a:spcAft>
+                <a:spcPct val="0"/>
+              </a:spcAft>
+              <a:buClrTx/>
+              <a:buSzPct val="100000"/>
+              <a:buFontTx/>
+              <a:buNone/>
+              <a:tabLst/>
+              <a:defRPr/>
+            </a:pPr>
+            <a:r>
+              <a:rPr lang="es-ES" sz="1200" b="0" i="0" kern="1200" dirty="0">
+                <a:solidFill>
+                  <a:schemeClr val="tx1"/>
+                </a:solidFill>
+                <a:effectLst/>
+                <a:latin typeface="Arial" charset="0"/>
+              </a:rPr>
+              <a:t>3.1.2.4 – Ventajas y desventajas del routing dinámico</a:t>
+            </a:r>
+            <a:endParaRPr lang="es-ES" sz="1200" b="0" i="0" kern="1200" dirty="0">
+              <a:solidFill>
+                <a:schemeClr val="tx1"/>
+              </a:solidFill>
+              <a:effectLst/>
+              <a:latin typeface="Arial" charset="0"/>
+              <a:ea typeface="ＭＳ Ｐゴシック" charset="0"/>
+              <a:cs typeface="ＭＳ Ｐゴシック" charset="0"/>
+            </a:endParaRPr>
+          </a:p>
+        </p:txBody>
+      </p:sp>
+    </p:spTree>
+    <p:extLst>
+      <p:ext uri="{BB962C8B-B14F-4D97-AF65-F5344CB8AC3E}">
+        <p14:creationId xmlns:p14="http://schemas.microsoft.com/office/powerpoint/2010/main" val="3774437527"/>
       </p:ext>
     </p:extLst>
   </p:cSld>
@@ -999,7 +4076,7 @@
           <a:p>
             <a:fld id="{5E75A0DC-66C6-4CEC-A5EB-F8C97CEC3796}" type="datetimeFigureOut">
               <a:rPr lang="es-MX" smtClean="0"/>
-              <a:t>04/05/2022</a:t>
+              <a:t>08/05/2022</a:t>
             </a:fld>
             <a:endParaRPr lang="es-MX" dirty="0"/>
           </a:p>
@@ -1169,7 +4246,7 @@
           <a:p>
             <a:fld id="{5E75A0DC-66C6-4CEC-A5EB-F8C97CEC3796}" type="datetimeFigureOut">
               <a:rPr lang="es-MX" smtClean="0"/>
-              <a:t>04/05/2022</a:t>
+              <a:t>08/05/2022</a:t>
             </a:fld>
             <a:endParaRPr lang="es-MX" dirty="0"/>
           </a:p>
@@ -1349,7 +4426,7 @@
           <a:p>
             <a:fld id="{5E75A0DC-66C6-4CEC-A5EB-F8C97CEC3796}" type="datetimeFigureOut">
               <a:rPr lang="es-MX" smtClean="0"/>
-              <a:t>04/05/2022</a:t>
+              <a:t>08/05/2022</a:t>
             </a:fld>
             <a:endParaRPr lang="es-MX" dirty="0"/>
           </a:p>
@@ -1519,7 +4596,7 @@
           <a:p>
             <a:fld id="{5E75A0DC-66C6-4CEC-A5EB-F8C97CEC3796}" type="datetimeFigureOut">
               <a:rPr lang="es-MX" smtClean="0"/>
-              <a:t>04/05/2022</a:t>
+              <a:t>08/05/2022</a:t>
             </a:fld>
             <a:endParaRPr lang="es-MX" dirty="0"/>
           </a:p>
@@ -1765,7 +4842,7 @@
           <a:p>
             <a:fld id="{5E75A0DC-66C6-4CEC-A5EB-F8C97CEC3796}" type="datetimeFigureOut">
               <a:rPr lang="es-MX" smtClean="0"/>
-              <a:t>04/05/2022</a:t>
+              <a:t>08/05/2022</a:t>
             </a:fld>
             <a:endParaRPr lang="es-MX" dirty="0"/>
           </a:p>
@@ -2053,7 +5130,7 @@
           <a:p>
             <a:fld id="{5E75A0DC-66C6-4CEC-A5EB-F8C97CEC3796}" type="datetimeFigureOut">
               <a:rPr lang="es-MX" smtClean="0"/>
-              <a:t>04/05/2022</a:t>
+              <a:t>08/05/2022</a:t>
             </a:fld>
             <a:endParaRPr lang="es-MX" dirty="0"/>
           </a:p>
@@ -2475,7 +5552,7 @@
           <a:p>
             <a:fld id="{5E75A0DC-66C6-4CEC-A5EB-F8C97CEC3796}" type="datetimeFigureOut">
               <a:rPr lang="es-MX" smtClean="0"/>
-              <a:t>04/05/2022</a:t>
+              <a:t>08/05/2022</a:t>
             </a:fld>
             <a:endParaRPr lang="es-MX" dirty="0"/>
           </a:p>
@@ -2593,7 +5670,7 @@
           <a:p>
             <a:fld id="{5E75A0DC-66C6-4CEC-A5EB-F8C97CEC3796}" type="datetimeFigureOut">
               <a:rPr lang="es-MX" smtClean="0"/>
-              <a:t>04/05/2022</a:t>
+              <a:t>08/05/2022</a:t>
             </a:fld>
             <a:endParaRPr lang="es-MX" dirty="0"/>
           </a:p>
@@ -2688,7 +5765,7 @@
           <a:p>
             <a:fld id="{5E75A0DC-66C6-4CEC-A5EB-F8C97CEC3796}" type="datetimeFigureOut">
               <a:rPr lang="es-MX" smtClean="0"/>
-              <a:t>04/05/2022</a:t>
+              <a:t>08/05/2022</a:t>
             </a:fld>
             <a:endParaRPr lang="es-MX" dirty="0"/>
           </a:p>
@@ -2965,7 +6042,7 @@
           <a:p>
             <a:fld id="{5E75A0DC-66C6-4CEC-A5EB-F8C97CEC3796}" type="datetimeFigureOut">
               <a:rPr lang="es-MX" smtClean="0"/>
-              <a:t>04/05/2022</a:t>
+              <a:t>08/05/2022</a:t>
             </a:fld>
             <a:endParaRPr lang="es-MX" dirty="0"/>
           </a:p>
@@ -3218,7 +6295,7 @@
           <a:p>
             <a:fld id="{5E75A0DC-66C6-4CEC-A5EB-F8C97CEC3796}" type="datetimeFigureOut">
               <a:rPr lang="es-MX" smtClean="0"/>
-              <a:t>04/05/2022</a:t>
+              <a:t>08/05/2022</a:t>
             </a:fld>
             <a:endParaRPr lang="es-MX" dirty="0"/>
           </a:p>
@@ -3431,7 +6508,7 @@
           <a:p>
             <a:fld id="{5E75A0DC-66C6-4CEC-A5EB-F8C97CEC3796}" type="datetimeFigureOut">
               <a:rPr lang="es-MX" smtClean="0"/>
-              <a:t>04/05/2022</a:t>
+              <a:t>08/05/2022</a:t>
             </a:fld>
             <a:endParaRPr lang="es-MX" dirty="0"/>
           </a:p>
@@ -3968,7 +7045,3681 @@
 </p:sld>
 </file>
 
-<file path=ppt/slides/slide2.xml><?xml version="1.0" encoding="utf-8"?>
+<file path=ppt/slides/slide10.xml><?xml version="1.0" encoding="utf-8"?>
+<p:sld xmlns:a="http://schemas.openxmlformats.org/drawingml/2006/main" xmlns:r="http://schemas.openxmlformats.org/officeDocument/2006/relationships" xmlns:p="http://schemas.openxmlformats.org/presentationml/2006/main">
+  <p:cSld>
+    <p:spTree>
+      <p:nvGrpSpPr>
+        <p:cNvPr id="1" name=""/>
+        <p:cNvGrpSpPr/>
+        <p:nvPr/>
+      </p:nvGrpSpPr>
+      <p:grpSpPr>
+        <a:xfrm>
+          <a:off x="0" y="0"/>
+          <a:ext cx="0" cy="0"/>
+          <a:chOff x="0" y="0"/>
+          <a:chExt cx="0" cy="0"/>
+        </a:xfrm>
+      </p:grpSpPr>
+      <p:sp>
+        <p:nvSpPr>
+          <p:cNvPr id="5" name="Rectangle 2">
+            <a:extLst>
+              <a:ext uri="{FF2B5EF4-FFF2-40B4-BE49-F238E27FC236}">
+                <a16:creationId xmlns:a16="http://schemas.microsoft.com/office/drawing/2014/main" id="{C53CB8A4-EEC3-42D0-AE92-C56BE851709A}"/>
+              </a:ext>
+            </a:extLst>
+          </p:cNvPr>
+          <p:cNvSpPr txBox="1">
+            <a:spLocks noChangeArrowheads="1"/>
+          </p:cNvSpPr>
+          <p:nvPr/>
+        </p:nvSpPr>
+        <p:spPr>
+          <a:xfrm>
+            <a:off x="331626" y="410584"/>
+            <a:ext cx="8480747" cy="720672"/>
+          </a:xfrm>
+          <a:prstGeom prst="rect">
+            <a:avLst/>
+          </a:prstGeom>
+        </p:spPr>
+        <p:txBody>
+          <a:bodyPr vert="horz" lIns="91440" tIns="45720" rIns="91440" bIns="45720" rtlCol="0" anchor="ctr">
+            <a:normAutofit fontScale="90000" lnSpcReduction="20000"/>
+          </a:bodyPr>
+          <a:lstStyle>
+            <a:lvl1pPr algn="ctr" defTabSz="914400" rtl="0" eaLnBrk="1" latinLnBrk="0" hangingPunct="1">
+              <a:spcBef>
+                <a:spcPct val="0"/>
+              </a:spcBef>
+              <a:buNone/>
+              <a:defRPr sz="4400" kern="1200">
+                <a:solidFill>
+                  <a:schemeClr val="tx1"/>
+                </a:solidFill>
+                <a:latin typeface="+mj-lt"/>
+                <a:ea typeface="+mj-ea"/>
+                <a:cs typeface="+mj-cs"/>
+              </a:defRPr>
+            </a:lvl1pPr>
+          </a:lstStyle>
+          <a:p>
+            <a:pPr>
+              <a:defRPr/>
+            </a:pPr>
+            <a:r>
+              <a:rPr lang="es-ES" sz="3200" b="1" dirty="0">
+                <a:solidFill>
+                  <a:schemeClr val="accent4">
+                    <a:lumMod val="50000"/>
+                  </a:schemeClr>
+                </a:solidFill>
+                <a:effectLst>
+                  <a:outerShdw blurRad="38100" dist="38100" dir="2700000" algn="tl">
+                    <a:srgbClr val="C0C0C0"/>
+                  </a:outerShdw>
+                </a:effectLst>
+                <a:latin typeface="Dom Casual" charset="0"/>
+              </a:rPr>
+              <a:t>Configuración del protocolo OSPF</a:t>
+            </a:r>
+            <a:br>
+              <a:rPr lang="es-ES" dirty="0"/>
+            </a:br>
+            <a:endParaRPr lang="es-ES" sz="2200" b="1" dirty="0">
+              <a:solidFill>
+                <a:schemeClr val="accent6">
+                  <a:lumMod val="75000"/>
+                </a:schemeClr>
+              </a:solidFill>
+              <a:cs typeface="Arial" pitchFamily="34" charset="0"/>
+            </a:endParaRPr>
+          </a:p>
+        </p:txBody>
+      </p:sp>
+      <p:pic>
+        <p:nvPicPr>
+          <p:cNvPr id="6" name="Imagen 5">
+            <a:extLst>
+              <a:ext uri="{FF2B5EF4-FFF2-40B4-BE49-F238E27FC236}">
+                <a16:creationId xmlns:a16="http://schemas.microsoft.com/office/drawing/2014/main" id="{0DB08AE1-16B9-403E-9E78-11EA2DAB86D4}"/>
+              </a:ext>
+            </a:extLst>
+          </p:cNvPr>
+          <p:cNvPicPr>
+            <a:picLocks noChangeAspect="1"/>
+          </p:cNvPicPr>
+          <p:nvPr/>
+        </p:nvPicPr>
+        <p:blipFill>
+          <a:blip r:embed="rId3"/>
+          <a:stretch>
+            <a:fillRect/>
+          </a:stretch>
+        </p:blipFill>
+        <p:spPr>
+          <a:xfrm>
+            <a:off x="826512" y="2325328"/>
+            <a:ext cx="7884368" cy="1063473"/>
+          </a:xfrm>
+          <a:prstGeom prst="rect">
+            <a:avLst/>
+          </a:prstGeom>
+        </p:spPr>
+      </p:pic>
+      <p:sp>
+        <p:nvSpPr>
+          <p:cNvPr id="9" name="CuadroTexto 8">
+            <a:extLst>
+              <a:ext uri="{FF2B5EF4-FFF2-40B4-BE49-F238E27FC236}">
+                <a16:creationId xmlns:a16="http://schemas.microsoft.com/office/drawing/2014/main" id="{BB0A69D0-1D6D-4DED-A457-3EBA2B6A6A27}"/>
+              </a:ext>
+            </a:extLst>
+          </p:cNvPr>
+          <p:cNvSpPr txBox="1"/>
+          <p:nvPr/>
+        </p:nvSpPr>
+        <p:spPr>
+          <a:xfrm>
+            <a:off x="463493" y="1211909"/>
+            <a:ext cx="8348880" cy="923330"/>
+          </a:xfrm>
+          <a:prstGeom prst="rect">
+            <a:avLst/>
+          </a:prstGeom>
+          <a:noFill/>
+        </p:spPr>
+        <p:txBody>
+          <a:bodyPr wrap="square" rtlCol="0">
+            <a:spAutoFit/>
+          </a:bodyPr>
+          <a:lstStyle/>
+          <a:p>
+            <a:r>
+              <a:rPr lang="es-ES" dirty="0"/>
+              <a:t>Para habilitar OSPF en un ruteador Cisco, se requieren las siguientes tareas:</a:t>
+            </a:r>
+          </a:p>
+          <a:p>
+            <a:endParaRPr lang="es-ES" dirty="0"/>
+          </a:p>
+          <a:p>
+            <a:r>
+              <a:rPr lang="es-ES" b="1" dirty="0">
+                <a:solidFill>
+                  <a:srgbClr val="FF0000"/>
+                </a:solidFill>
+              </a:rPr>
+              <a:t>Paso 1. </a:t>
+            </a:r>
+            <a:r>
+              <a:rPr lang="es-ES" dirty="0"/>
+              <a:t>Utilice el </a:t>
+            </a:r>
+            <a:r>
+              <a:rPr lang="es-ES" b="1" dirty="0"/>
+              <a:t>ID de proceso</a:t>
+            </a:r>
+            <a:r>
+              <a:rPr lang="es-ES" dirty="0"/>
+              <a:t> (</a:t>
+            </a:r>
+            <a:r>
+              <a:rPr lang="es-MX" dirty="0"/>
+              <a:t>1 - 65535)</a:t>
+            </a:r>
+            <a:r>
+              <a:rPr lang="es-ES" dirty="0"/>
+              <a:t> del comando </a:t>
+            </a:r>
+            <a:r>
+              <a:rPr lang="es-ES" b="1" dirty="0" err="1"/>
+              <a:t>router</a:t>
+            </a:r>
+            <a:r>
+              <a:rPr lang="es-ES" b="1" dirty="0"/>
+              <a:t> </a:t>
+            </a:r>
+            <a:r>
+              <a:rPr lang="es-ES" b="1" dirty="0" err="1"/>
+              <a:t>ospf</a:t>
+            </a:r>
+            <a:r>
+              <a:rPr lang="es-ES" b="1" dirty="0"/>
+              <a:t> </a:t>
+            </a:r>
+            <a:r>
+              <a:rPr lang="es-ES" dirty="0"/>
+              <a:t>para iniciar </a:t>
+            </a:r>
+            <a:r>
+              <a:rPr lang="es-ES" b="1" dirty="0"/>
+              <a:t>OSPF</a:t>
+            </a:r>
+            <a:r>
+              <a:rPr lang="es-ES" dirty="0"/>
+              <a:t>.</a:t>
+            </a:r>
+            <a:endParaRPr lang="es-MX" dirty="0"/>
+          </a:p>
+        </p:txBody>
+      </p:sp>
+      <p:graphicFrame>
+        <p:nvGraphicFramePr>
+          <p:cNvPr id="2" name="Tabla 1">
+            <a:extLst>
+              <a:ext uri="{FF2B5EF4-FFF2-40B4-BE49-F238E27FC236}">
+                <a16:creationId xmlns:a16="http://schemas.microsoft.com/office/drawing/2014/main" id="{04B4B5CC-5956-4893-80F9-C106613318D5}"/>
+              </a:ext>
+            </a:extLst>
+          </p:cNvPr>
+          <p:cNvGraphicFramePr>
+            <a:graphicFrameLocks noGrp="1"/>
+          </p:cNvGraphicFramePr>
+          <p:nvPr>
+            <p:extLst>
+              <p:ext uri="{D42A27DB-BD31-4B8C-83A1-F6EECF244321}">
+                <p14:modId xmlns:p14="http://schemas.microsoft.com/office/powerpoint/2010/main" val="3631162051"/>
+              </p:ext>
+            </p:extLst>
+          </p:nvPr>
+        </p:nvGraphicFramePr>
+        <p:xfrm>
+          <a:off x="451689" y="3861048"/>
+          <a:ext cx="8316416" cy="1063474"/>
+        </p:xfrm>
+        <a:graphic>
+          <a:graphicData uri="http://schemas.openxmlformats.org/drawingml/2006/table">
+            <a:tbl>
+              <a:tblPr/>
+              <a:tblGrid>
+                <a:gridCol w="389541">
+                  <a:extLst>
+                    <a:ext uri="{9D8B030D-6E8A-4147-A177-3AD203B41FA5}">
+                      <a16:colId xmlns:a16="http://schemas.microsoft.com/office/drawing/2014/main" val="679461609"/>
+                    </a:ext>
+                  </a:extLst>
+                </a:gridCol>
+                <a:gridCol w="3984692">
+                  <a:extLst>
+                    <a:ext uri="{9D8B030D-6E8A-4147-A177-3AD203B41FA5}">
+                      <a16:colId xmlns:a16="http://schemas.microsoft.com/office/drawing/2014/main" val="2236033006"/>
+                    </a:ext>
+                  </a:extLst>
+                </a:gridCol>
+                <a:gridCol w="3942183">
+                  <a:extLst>
+                    <a:ext uri="{9D8B030D-6E8A-4147-A177-3AD203B41FA5}">
+                      <a16:colId xmlns:a16="http://schemas.microsoft.com/office/drawing/2014/main" val="4210768800"/>
+                    </a:ext>
+                  </a:extLst>
+                </a:gridCol>
+              </a:tblGrid>
+              <a:tr h="531737">
+                <a:tc>
+                  <a:txBody>
+                    <a:bodyPr/>
+                    <a:lstStyle/>
+                    <a:p>
+                      <a:pPr algn="ctr" fontAlgn="t"/>
+                      <a:r>
+                        <a:rPr lang="es-MX" dirty="0">
+                          <a:effectLst/>
+                        </a:rPr>
+                        <a:t>1</a:t>
+                      </a:r>
+                    </a:p>
+                  </a:txBody>
+                  <a:tcPr>
+                    <a:lnL w="6350" cap="flat" cmpd="sng" algn="ctr">
+                      <a:solidFill>
+                        <a:srgbClr val="999999"/>
+                      </a:solidFill>
+                      <a:prstDash val="solid"/>
+                      <a:round/>
+                      <a:headEnd type="none" w="med" len="med"/>
+                      <a:tailEnd type="none" w="med" len="med"/>
+                    </a:lnL>
+                    <a:lnR w="6350" cap="flat" cmpd="sng" algn="ctr">
+                      <a:solidFill>
+                        <a:srgbClr val="999999"/>
+                      </a:solidFill>
+                      <a:prstDash val="solid"/>
+                      <a:round/>
+                      <a:headEnd type="none" w="med" len="med"/>
+                      <a:tailEnd type="none" w="med" len="med"/>
+                    </a:lnR>
+                    <a:lnT w="6350" cap="flat" cmpd="sng" algn="ctr">
+                      <a:solidFill>
+                        <a:srgbClr val="999999"/>
+                      </a:solidFill>
+                      <a:prstDash val="solid"/>
+                      <a:round/>
+                      <a:headEnd type="none" w="med" len="med"/>
+                      <a:tailEnd type="none" w="med" len="med"/>
+                    </a:lnT>
+                    <a:lnB w="6350" cap="flat" cmpd="sng" algn="ctr">
+                      <a:solidFill>
+                        <a:srgbClr val="999999"/>
+                      </a:solidFill>
+                      <a:prstDash val="solid"/>
+                      <a:round/>
+                      <a:headEnd type="none" w="med" len="med"/>
+                      <a:tailEnd type="none" w="med" len="med"/>
+                    </a:lnB>
+                    <a:solidFill>
+                      <a:srgbClr val="FFFFFF"/>
+                    </a:solidFill>
+                  </a:tcPr>
+                </a:tc>
+                <a:tc>
+                  <a:txBody>
+                    <a:bodyPr/>
+                    <a:lstStyle/>
+                    <a:p>
+                      <a:pPr fontAlgn="t"/>
+                      <a:r>
+                        <a:rPr lang="es-MX" dirty="0">
+                          <a:effectLst/>
+                        </a:rPr>
+                        <a:t>Ingrese al modo de configuración global.</a:t>
+                      </a:r>
+                    </a:p>
+                  </a:txBody>
+                  <a:tcPr>
+                    <a:lnL w="6350" cap="flat" cmpd="sng" algn="ctr">
+                      <a:solidFill>
+                        <a:srgbClr val="999999"/>
+                      </a:solidFill>
+                      <a:prstDash val="solid"/>
+                      <a:round/>
+                      <a:headEnd type="none" w="med" len="med"/>
+                      <a:tailEnd type="none" w="med" len="med"/>
+                    </a:lnL>
+                    <a:lnR w="6350" cap="flat" cmpd="sng" algn="ctr">
+                      <a:solidFill>
+                        <a:srgbClr val="999999"/>
+                      </a:solidFill>
+                      <a:prstDash val="solid"/>
+                      <a:round/>
+                      <a:headEnd type="none" w="med" len="med"/>
+                      <a:tailEnd type="none" w="med" len="med"/>
+                    </a:lnR>
+                    <a:lnT w="6350" cap="flat" cmpd="sng" algn="ctr">
+                      <a:solidFill>
+                        <a:srgbClr val="999999"/>
+                      </a:solidFill>
+                      <a:prstDash val="solid"/>
+                      <a:round/>
+                      <a:headEnd type="none" w="med" len="med"/>
+                      <a:tailEnd type="none" w="med" len="med"/>
+                    </a:lnT>
+                    <a:lnB w="6350" cap="flat" cmpd="sng" algn="ctr">
+                      <a:solidFill>
+                        <a:srgbClr val="999999"/>
+                      </a:solidFill>
+                      <a:prstDash val="solid"/>
+                      <a:round/>
+                      <a:headEnd type="none" w="med" len="med"/>
+                      <a:tailEnd type="none" w="med" len="med"/>
+                    </a:lnB>
+                    <a:solidFill>
+                      <a:srgbClr val="FFFFFF"/>
+                    </a:solidFill>
+                  </a:tcPr>
+                </a:tc>
+                <a:tc>
+                  <a:txBody>
+                    <a:bodyPr/>
+                    <a:lstStyle/>
+                    <a:p>
+                      <a:pPr fontAlgn="t"/>
+                      <a:r>
+                        <a:rPr lang="es-MX" dirty="0" err="1">
+                          <a:effectLst/>
+                        </a:rPr>
+                        <a:t>router#</a:t>
+                      </a:r>
+                      <a:r>
+                        <a:rPr lang="es-MX" b="1" dirty="0" err="1">
+                          <a:solidFill>
+                            <a:schemeClr val="accent6">
+                              <a:lumMod val="75000"/>
+                            </a:schemeClr>
+                          </a:solidFill>
+                          <a:effectLst/>
+                        </a:rPr>
+                        <a:t>configure</a:t>
+                      </a:r>
+                      <a:r>
+                        <a:rPr lang="es-MX" b="1" dirty="0">
+                          <a:solidFill>
+                            <a:schemeClr val="accent6">
+                              <a:lumMod val="75000"/>
+                            </a:schemeClr>
+                          </a:solidFill>
+                          <a:effectLst/>
+                        </a:rPr>
+                        <a:t> terminal</a:t>
+                      </a:r>
+                    </a:p>
+                  </a:txBody>
+                  <a:tcPr>
+                    <a:lnL w="6350" cap="flat" cmpd="sng" algn="ctr">
+                      <a:solidFill>
+                        <a:srgbClr val="999999"/>
+                      </a:solidFill>
+                      <a:prstDash val="solid"/>
+                      <a:round/>
+                      <a:headEnd type="none" w="med" len="med"/>
+                      <a:tailEnd type="none" w="med" len="med"/>
+                    </a:lnL>
+                    <a:lnR w="6350" cap="flat" cmpd="sng" algn="ctr">
+                      <a:solidFill>
+                        <a:srgbClr val="999999"/>
+                      </a:solidFill>
+                      <a:prstDash val="solid"/>
+                      <a:round/>
+                      <a:headEnd type="none" w="med" len="med"/>
+                      <a:tailEnd type="none" w="med" len="med"/>
+                    </a:lnR>
+                    <a:lnT w="6350" cap="flat" cmpd="sng" algn="ctr">
+                      <a:solidFill>
+                        <a:srgbClr val="999999"/>
+                      </a:solidFill>
+                      <a:prstDash val="solid"/>
+                      <a:round/>
+                      <a:headEnd type="none" w="med" len="med"/>
+                      <a:tailEnd type="none" w="med" len="med"/>
+                    </a:lnT>
+                    <a:lnB w="6350" cap="flat" cmpd="sng" algn="ctr">
+                      <a:solidFill>
+                        <a:srgbClr val="999999"/>
+                      </a:solidFill>
+                      <a:prstDash val="solid"/>
+                      <a:round/>
+                      <a:headEnd type="none" w="med" len="med"/>
+                      <a:tailEnd type="none" w="med" len="med"/>
+                    </a:lnB>
+                    <a:solidFill>
+                      <a:srgbClr val="FFFFFF"/>
+                    </a:solidFill>
+                  </a:tcPr>
+                </a:tc>
+                <a:extLst>
+                  <a:ext uri="{0D108BD9-81ED-4DB2-BD59-A6C34878D82A}">
+                    <a16:rowId xmlns:a16="http://schemas.microsoft.com/office/drawing/2014/main" val="2643133062"/>
+                  </a:ext>
+                </a:extLst>
+              </a:tr>
+              <a:tr h="531737">
+                <a:tc>
+                  <a:txBody>
+                    <a:bodyPr/>
+                    <a:lstStyle/>
+                    <a:p>
+                      <a:pPr algn="ctr" fontAlgn="t"/>
+                      <a:r>
+                        <a:rPr lang="es-MX" dirty="0">
+                          <a:effectLst/>
+                        </a:rPr>
+                        <a:t>2</a:t>
+                      </a:r>
+                    </a:p>
+                  </a:txBody>
+                  <a:tcPr>
+                    <a:lnL w="6350" cap="flat" cmpd="sng" algn="ctr">
+                      <a:solidFill>
+                        <a:srgbClr val="999999"/>
+                      </a:solidFill>
+                      <a:prstDash val="solid"/>
+                      <a:round/>
+                      <a:headEnd type="none" w="med" len="med"/>
+                      <a:tailEnd type="none" w="med" len="med"/>
+                    </a:lnL>
+                    <a:lnR w="6350" cap="flat" cmpd="sng" algn="ctr">
+                      <a:solidFill>
+                        <a:srgbClr val="999999"/>
+                      </a:solidFill>
+                      <a:prstDash val="solid"/>
+                      <a:round/>
+                      <a:headEnd type="none" w="med" len="med"/>
+                      <a:tailEnd type="none" w="med" len="med"/>
+                    </a:lnR>
+                    <a:lnT w="6350" cap="flat" cmpd="sng" algn="ctr">
+                      <a:solidFill>
+                        <a:srgbClr val="999999"/>
+                      </a:solidFill>
+                      <a:prstDash val="solid"/>
+                      <a:round/>
+                      <a:headEnd type="none" w="med" len="med"/>
+                      <a:tailEnd type="none" w="med" len="med"/>
+                    </a:lnT>
+                    <a:lnB w="6350" cap="flat" cmpd="sng" algn="ctr">
+                      <a:solidFill>
+                        <a:srgbClr val="999999"/>
+                      </a:solidFill>
+                      <a:prstDash val="solid"/>
+                      <a:round/>
+                      <a:headEnd type="none" w="med" len="med"/>
+                      <a:tailEnd type="none" w="med" len="med"/>
+                    </a:lnB>
+                    <a:solidFill>
+                      <a:srgbClr val="FFFFFF"/>
+                    </a:solidFill>
+                  </a:tcPr>
+                </a:tc>
+                <a:tc>
+                  <a:txBody>
+                    <a:bodyPr/>
+                    <a:lstStyle/>
+                    <a:p>
+                      <a:pPr fontAlgn="t"/>
+                      <a:r>
+                        <a:rPr lang="es-ES" dirty="0">
+                          <a:effectLst/>
+                        </a:rPr>
+                        <a:t>Cree un proceso de enrutamiento OSPF.</a:t>
+                      </a:r>
+                      <a:endParaRPr lang="en-US" dirty="0">
+                        <a:effectLst/>
+                      </a:endParaRPr>
+                    </a:p>
+                  </a:txBody>
+                  <a:tcPr>
+                    <a:lnL w="6350" cap="flat" cmpd="sng" algn="ctr">
+                      <a:solidFill>
+                        <a:srgbClr val="999999"/>
+                      </a:solidFill>
+                      <a:prstDash val="solid"/>
+                      <a:round/>
+                      <a:headEnd type="none" w="med" len="med"/>
+                      <a:tailEnd type="none" w="med" len="med"/>
+                    </a:lnL>
+                    <a:lnR w="6350" cap="flat" cmpd="sng" algn="ctr">
+                      <a:solidFill>
+                        <a:srgbClr val="999999"/>
+                      </a:solidFill>
+                      <a:prstDash val="solid"/>
+                      <a:round/>
+                      <a:headEnd type="none" w="med" len="med"/>
+                      <a:tailEnd type="none" w="med" len="med"/>
+                    </a:lnR>
+                    <a:lnT w="6350" cap="flat" cmpd="sng" algn="ctr">
+                      <a:solidFill>
+                        <a:srgbClr val="999999"/>
+                      </a:solidFill>
+                      <a:prstDash val="solid"/>
+                      <a:round/>
+                      <a:headEnd type="none" w="med" len="med"/>
+                      <a:tailEnd type="none" w="med" len="med"/>
+                    </a:lnT>
+                    <a:lnB w="6350" cap="flat" cmpd="sng" algn="ctr">
+                      <a:solidFill>
+                        <a:srgbClr val="999999"/>
+                      </a:solidFill>
+                      <a:prstDash val="solid"/>
+                      <a:round/>
+                      <a:headEnd type="none" w="med" len="med"/>
+                      <a:tailEnd type="none" w="med" len="med"/>
+                    </a:lnB>
+                    <a:solidFill>
+                      <a:srgbClr val="FFFFFF"/>
+                    </a:solidFill>
+                  </a:tcPr>
+                </a:tc>
+                <a:tc>
+                  <a:txBody>
+                    <a:bodyPr/>
+                    <a:lstStyle/>
+                    <a:p>
+                      <a:pPr fontAlgn="t"/>
+                      <a:r>
+                        <a:rPr lang="es-MX" dirty="0" err="1">
+                          <a:effectLst/>
+                        </a:rPr>
+                        <a:t>router</a:t>
+                      </a:r>
+                      <a:r>
+                        <a:rPr lang="es-MX" dirty="0">
+                          <a:effectLst/>
+                        </a:rPr>
+                        <a:t>(</a:t>
+                      </a:r>
+                      <a:r>
+                        <a:rPr lang="es-MX" dirty="0" err="1">
+                          <a:effectLst/>
+                        </a:rPr>
+                        <a:t>config</a:t>
+                      </a:r>
+                      <a:r>
+                        <a:rPr lang="es-MX" dirty="0">
+                          <a:effectLst/>
+                        </a:rPr>
+                        <a:t>)#</a:t>
+                      </a:r>
+                      <a:r>
+                        <a:rPr lang="es-MX" b="1" dirty="0">
+                          <a:solidFill>
+                            <a:schemeClr val="accent6">
+                              <a:lumMod val="75000"/>
+                            </a:schemeClr>
+                          </a:solidFill>
+                          <a:effectLst/>
+                        </a:rPr>
+                        <a:t>router </a:t>
+                      </a:r>
+                      <a:r>
+                        <a:rPr lang="es-MX" b="1" dirty="0" err="1">
+                          <a:solidFill>
+                            <a:schemeClr val="accent6">
+                              <a:lumMod val="75000"/>
+                            </a:schemeClr>
+                          </a:solidFill>
+                          <a:effectLst/>
+                        </a:rPr>
+                        <a:t>ospf</a:t>
+                      </a:r>
+                      <a:r>
+                        <a:rPr lang="es-MX" b="1" dirty="0">
+                          <a:solidFill>
+                            <a:schemeClr val="accent6">
+                              <a:lumMod val="75000"/>
+                            </a:schemeClr>
+                          </a:solidFill>
+                          <a:effectLst/>
+                        </a:rPr>
+                        <a:t> </a:t>
+                      </a:r>
+                      <a:r>
+                        <a:rPr lang="es-MX" i="1" dirty="0" err="1">
+                          <a:solidFill>
+                            <a:schemeClr val="accent6">
+                              <a:lumMod val="75000"/>
+                            </a:schemeClr>
+                          </a:solidFill>
+                          <a:effectLst/>
+                        </a:rPr>
+                        <a:t>process</a:t>
+                      </a:r>
+                      <a:r>
+                        <a:rPr lang="es-MX" i="1" dirty="0">
+                          <a:solidFill>
+                            <a:schemeClr val="accent6">
+                              <a:lumMod val="75000"/>
+                            </a:schemeClr>
+                          </a:solidFill>
+                          <a:effectLst/>
+                        </a:rPr>
+                        <a:t>-id</a:t>
+                      </a:r>
+                      <a:endParaRPr lang="es-MX" dirty="0">
+                        <a:solidFill>
+                          <a:schemeClr val="accent6">
+                            <a:lumMod val="75000"/>
+                          </a:schemeClr>
+                        </a:solidFill>
+                        <a:effectLst/>
+                      </a:endParaRPr>
+                    </a:p>
+                  </a:txBody>
+                  <a:tcPr>
+                    <a:lnL w="6350" cap="flat" cmpd="sng" algn="ctr">
+                      <a:solidFill>
+                        <a:srgbClr val="999999"/>
+                      </a:solidFill>
+                      <a:prstDash val="solid"/>
+                      <a:round/>
+                      <a:headEnd type="none" w="med" len="med"/>
+                      <a:tailEnd type="none" w="med" len="med"/>
+                    </a:lnL>
+                    <a:lnR w="6350" cap="flat" cmpd="sng" algn="ctr">
+                      <a:solidFill>
+                        <a:srgbClr val="999999"/>
+                      </a:solidFill>
+                      <a:prstDash val="solid"/>
+                      <a:round/>
+                      <a:headEnd type="none" w="med" len="med"/>
+                      <a:tailEnd type="none" w="med" len="med"/>
+                    </a:lnR>
+                    <a:lnT w="6350" cap="flat" cmpd="sng" algn="ctr">
+                      <a:solidFill>
+                        <a:srgbClr val="999999"/>
+                      </a:solidFill>
+                      <a:prstDash val="solid"/>
+                      <a:round/>
+                      <a:headEnd type="none" w="med" len="med"/>
+                      <a:tailEnd type="none" w="med" len="med"/>
+                    </a:lnT>
+                    <a:lnB w="6350" cap="flat" cmpd="sng" algn="ctr">
+                      <a:solidFill>
+                        <a:srgbClr val="999999"/>
+                      </a:solidFill>
+                      <a:prstDash val="solid"/>
+                      <a:round/>
+                      <a:headEnd type="none" w="med" len="med"/>
+                      <a:tailEnd type="none" w="med" len="med"/>
+                    </a:lnB>
+                    <a:solidFill>
+                      <a:srgbClr val="FFFFFF"/>
+                    </a:solidFill>
+                  </a:tcPr>
+                </a:tc>
+                <a:extLst>
+                  <a:ext uri="{0D108BD9-81ED-4DB2-BD59-A6C34878D82A}">
+                    <a16:rowId xmlns:a16="http://schemas.microsoft.com/office/drawing/2014/main" val="1670743647"/>
+                  </a:ext>
+                </a:extLst>
+              </a:tr>
+            </a:tbl>
+          </a:graphicData>
+        </a:graphic>
+      </p:graphicFrame>
+    </p:spTree>
+    <p:extLst>
+      <p:ext uri="{BB962C8B-B14F-4D97-AF65-F5344CB8AC3E}">
+        <p14:creationId xmlns:p14="http://schemas.microsoft.com/office/powerpoint/2010/main" val="314301619"/>
+      </p:ext>
+    </p:extLst>
+  </p:cSld>
+  <p:clrMapOvr>
+    <a:masterClrMapping/>
+  </p:clrMapOvr>
+  <p:transition spd="med">
+    <p:wipe dir="r"/>
+  </p:transition>
+</p:sld>
+</file>
+
+<file path=ppt/slides/slide11.xml><?xml version="1.0" encoding="utf-8"?>
+<p:sld xmlns:a="http://schemas.openxmlformats.org/drawingml/2006/main" xmlns:r="http://schemas.openxmlformats.org/officeDocument/2006/relationships" xmlns:p="http://schemas.openxmlformats.org/presentationml/2006/main">
+  <p:cSld>
+    <p:spTree>
+      <p:nvGrpSpPr>
+        <p:cNvPr id="1" name=""/>
+        <p:cNvGrpSpPr/>
+        <p:nvPr/>
+      </p:nvGrpSpPr>
+      <p:grpSpPr>
+        <a:xfrm>
+          <a:off x="0" y="0"/>
+          <a:ext cx="0" cy="0"/>
+          <a:chOff x="0" y="0"/>
+          <a:chExt cx="0" cy="0"/>
+        </a:xfrm>
+      </p:grpSpPr>
+      <p:sp>
+        <p:nvSpPr>
+          <p:cNvPr id="5" name="Rectangle 2">
+            <a:extLst>
+              <a:ext uri="{FF2B5EF4-FFF2-40B4-BE49-F238E27FC236}">
+                <a16:creationId xmlns:a16="http://schemas.microsoft.com/office/drawing/2014/main" id="{C53CB8A4-EEC3-42D0-AE92-C56BE851709A}"/>
+              </a:ext>
+            </a:extLst>
+          </p:cNvPr>
+          <p:cNvSpPr txBox="1">
+            <a:spLocks noChangeArrowheads="1"/>
+          </p:cNvSpPr>
+          <p:nvPr/>
+        </p:nvSpPr>
+        <p:spPr>
+          <a:xfrm>
+            <a:off x="331626" y="410584"/>
+            <a:ext cx="8480747" cy="720672"/>
+          </a:xfrm>
+          <a:prstGeom prst="rect">
+            <a:avLst/>
+          </a:prstGeom>
+        </p:spPr>
+        <p:txBody>
+          <a:bodyPr vert="horz" lIns="91440" tIns="45720" rIns="91440" bIns="45720" rtlCol="0" anchor="ctr">
+            <a:normAutofit fontScale="90000" lnSpcReduction="20000"/>
+          </a:bodyPr>
+          <a:lstStyle>
+            <a:lvl1pPr algn="ctr" defTabSz="914400" rtl="0" eaLnBrk="1" latinLnBrk="0" hangingPunct="1">
+              <a:spcBef>
+                <a:spcPct val="0"/>
+              </a:spcBef>
+              <a:buNone/>
+              <a:defRPr sz="4400" kern="1200">
+                <a:solidFill>
+                  <a:schemeClr val="tx1"/>
+                </a:solidFill>
+                <a:latin typeface="+mj-lt"/>
+                <a:ea typeface="+mj-ea"/>
+                <a:cs typeface="+mj-cs"/>
+              </a:defRPr>
+            </a:lvl1pPr>
+          </a:lstStyle>
+          <a:p>
+            <a:pPr>
+              <a:defRPr/>
+            </a:pPr>
+            <a:r>
+              <a:rPr lang="es-ES" sz="3200" b="1" dirty="0">
+                <a:solidFill>
+                  <a:schemeClr val="accent4">
+                    <a:lumMod val="50000"/>
+                  </a:schemeClr>
+                </a:solidFill>
+                <a:effectLst>
+                  <a:outerShdw blurRad="38100" dist="38100" dir="2700000" algn="tl">
+                    <a:srgbClr val="C0C0C0"/>
+                  </a:outerShdw>
+                </a:effectLst>
+                <a:latin typeface="Dom Casual" charset="0"/>
+              </a:rPr>
+              <a:t>Configuración del protocolo OSPF</a:t>
+            </a:r>
+            <a:br>
+              <a:rPr lang="es-ES" dirty="0"/>
+            </a:br>
+            <a:endParaRPr lang="es-ES" sz="2200" b="1" dirty="0">
+              <a:solidFill>
+                <a:schemeClr val="accent6">
+                  <a:lumMod val="75000"/>
+                </a:schemeClr>
+              </a:solidFill>
+              <a:cs typeface="Arial" pitchFamily="34" charset="0"/>
+            </a:endParaRPr>
+          </a:p>
+        </p:txBody>
+      </p:sp>
+      <p:graphicFrame>
+        <p:nvGraphicFramePr>
+          <p:cNvPr id="2" name="Tabla 1">
+            <a:extLst>
+              <a:ext uri="{FF2B5EF4-FFF2-40B4-BE49-F238E27FC236}">
+                <a16:creationId xmlns:a16="http://schemas.microsoft.com/office/drawing/2014/main" id="{04B4B5CC-5956-4893-80F9-C106613318D5}"/>
+              </a:ext>
+            </a:extLst>
+          </p:cNvPr>
+          <p:cNvGraphicFramePr>
+            <a:graphicFrameLocks noGrp="1"/>
+          </p:cNvGraphicFramePr>
+          <p:nvPr/>
+        </p:nvGraphicFramePr>
+        <p:xfrm>
+          <a:off x="451689" y="3861048"/>
+          <a:ext cx="8316416" cy="1063474"/>
+        </p:xfrm>
+        <a:graphic>
+          <a:graphicData uri="http://schemas.openxmlformats.org/drawingml/2006/table">
+            <a:tbl>
+              <a:tblPr/>
+              <a:tblGrid>
+                <a:gridCol w="389541">
+                  <a:extLst>
+                    <a:ext uri="{9D8B030D-6E8A-4147-A177-3AD203B41FA5}">
+                      <a16:colId xmlns:a16="http://schemas.microsoft.com/office/drawing/2014/main" val="679461609"/>
+                    </a:ext>
+                  </a:extLst>
+                </a:gridCol>
+                <a:gridCol w="3984692">
+                  <a:extLst>
+                    <a:ext uri="{9D8B030D-6E8A-4147-A177-3AD203B41FA5}">
+                      <a16:colId xmlns:a16="http://schemas.microsoft.com/office/drawing/2014/main" val="2236033006"/>
+                    </a:ext>
+                  </a:extLst>
+                </a:gridCol>
+                <a:gridCol w="3942183">
+                  <a:extLst>
+                    <a:ext uri="{9D8B030D-6E8A-4147-A177-3AD203B41FA5}">
+                      <a16:colId xmlns:a16="http://schemas.microsoft.com/office/drawing/2014/main" val="4210768800"/>
+                    </a:ext>
+                  </a:extLst>
+                </a:gridCol>
+              </a:tblGrid>
+              <a:tr h="531737">
+                <a:tc>
+                  <a:txBody>
+                    <a:bodyPr/>
+                    <a:lstStyle/>
+                    <a:p>
+                      <a:pPr algn="ctr" fontAlgn="t"/>
+                      <a:r>
+                        <a:rPr lang="es-MX" dirty="0">
+                          <a:effectLst/>
+                        </a:rPr>
+                        <a:t>1</a:t>
+                      </a:r>
+                    </a:p>
+                  </a:txBody>
+                  <a:tcPr>
+                    <a:lnL w="6350" cap="flat" cmpd="sng" algn="ctr">
+                      <a:solidFill>
+                        <a:srgbClr val="999999"/>
+                      </a:solidFill>
+                      <a:prstDash val="solid"/>
+                      <a:round/>
+                      <a:headEnd type="none" w="med" len="med"/>
+                      <a:tailEnd type="none" w="med" len="med"/>
+                    </a:lnL>
+                    <a:lnR w="6350" cap="flat" cmpd="sng" algn="ctr">
+                      <a:solidFill>
+                        <a:srgbClr val="999999"/>
+                      </a:solidFill>
+                      <a:prstDash val="solid"/>
+                      <a:round/>
+                      <a:headEnd type="none" w="med" len="med"/>
+                      <a:tailEnd type="none" w="med" len="med"/>
+                    </a:lnR>
+                    <a:lnT w="6350" cap="flat" cmpd="sng" algn="ctr">
+                      <a:solidFill>
+                        <a:srgbClr val="999999"/>
+                      </a:solidFill>
+                      <a:prstDash val="solid"/>
+                      <a:round/>
+                      <a:headEnd type="none" w="med" len="med"/>
+                      <a:tailEnd type="none" w="med" len="med"/>
+                    </a:lnT>
+                    <a:lnB w="6350" cap="flat" cmpd="sng" algn="ctr">
+                      <a:solidFill>
+                        <a:srgbClr val="999999"/>
+                      </a:solidFill>
+                      <a:prstDash val="solid"/>
+                      <a:round/>
+                      <a:headEnd type="none" w="med" len="med"/>
+                      <a:tailEnd type="none" w="med" len="med"/>
+                    </a:lnB>
+                    <a:solidFill>
+                      <a:srgbClr val="FFFFFF"/>
+                    </a:solidFill>
+                  </a:tcPr>
+                </a:tc>
+                <a:tc>
+                  <a:txBody>
+                    <a:bodyPr/>
+                    <a:lstStyle/>
+                    <a:p>
+                      <a:pPr fontAlgn="t"/>
+                      <a:r>
+                        <a:rPr lang="es-MX" dirty="0">
+                          <a:effectLst/>
+                        </a:rPr>
+                        <a:t>Ingrese al modo de configuración global.</a:t>
+                      </a:r>
+                    </a:p>
+                  </a:txBody>
+                  <a:tcPr>
+                    <a:lnL w="6350" cap="flat" cmpd="sng" algn="ctr">
+                      <a:solidFill>
+                        <a:srgbClr val="999999"/>
+                      </a:solidFill>
+                      <a:prstDash val="solid"/>
+                      <a:round/>
+                      <a:headEnd type="none" w="med" len="med"/>
+                      <a:tailEnd type="none" w="med" len="med"/>
+                    </a:lnL>
+                    <a:lnR w="6350" cap="flat" cmpd="sng" algn="ctr">
+                      <a:solidFill>
+                        <a:srgbClr val="999999"/>
+                      </a:solidFill>
+                      <a:prstDash val="solid"/>
+                      <a:round/>
+                      <a:headEnd type="none" w="med" len="med"/>
+                      <a:tailEnd type="none" w="med" len="med"/>
+                    </a:lnR>
+                    <a:lnT w="6350" cap="flat" cmpd="sng" algn="ctr">
+                      <a:solidFill>
+                        <a:srgbClr val="999999"/>
+                      </a:solidFill>
+                      <a:prstDash val="solid"/>
+                      <a:round/>
+                      <a:headEnd type="none" w="med" len="med"/>
+                      <a:tailEnd type="none" w="med" len="med"/>
+                    </a:lnT>
+                    <a:lnB w="6350" cap="flat" cmpd="sng" algn="ctr">
+                      <a:solidFill>
+                        <a:srgbClr val="999999"/>
+                      </a:solidFill>
+                      <a:prstDash val="solid"/>
+                      <a:round/>
+                      <a:headEnd type="none" w="med" len="med"/>
+                      <a:tailEnd type="none" w="med" len="med"/>
+                    </a:lnB>
+                    <a:solidFill>
+                      <a:srgbClr val="FFFFFF"/>
+                    </a:solidFill>
+                  </a:tcPr>
+                </a:tc>
+                <a:tc>
+                  <a:txBody>
+                    <a:bodyPr/>
+                    <a:lstStyle/>
+                    <a:p>
+                      <a:pPr fontAlgn="t"/>
+                      <a:r>
+                        <a:rPr lang="es-MX" dirty="0" err="1">
+                          <a:effectLst/>
+                        </a:rPr>
+                        <a:t>router#</a:t>
+                      </a:r>
+                      <a:r>
+                        <a:rPr lang="es-MX" b="1" dirty="0" err="1">
+                          <a:solidFill>
+                            <a:schemeClr val="accent6">
+                              <a:lumMod val="75000"/>
+                            </a:schemeClr>
+                          </a:solidFill>
+                          <a:effectLst/>
+                        </a:rPr>
+                        <a:t>configure</a:t>
+                      </a:r>
+                      <a:r>
+                        <a:rPr lang="es-MX" b="1" dirty="0">
+                          <a:solidFill>
+                            <a:schemeClr val="accent6">
+                              <a:lumMod val="75000"/>
+                            </a:schemeClr>
+                          </a:solidFill>
+                          <a:effectLst/>
+                        </a:rPr>
+                        <a:t> terminal</a:t>
+                      </a:r>
+                    </a:p>
+                  </a:txBody>
+                  <a:tcPr>
+                    <a:lnL w="6350" cap="flat" cmpd="sng" algn="ctr">
+                      <a:solidFill>
+                        <a:srgbClr val="999999"/>
+                      </a:solidFill>
+                      <a:prstDash val="solid"/>
+                      <a:round/>
+                      <a:headEnd type="none" w="med" len="med"/>
+                      <a:tailEnd type="none" w="med" len="med"/>
+                    </a:lnL>
+                    <a:lnR w="6350" cap="flat" cmpd="sng" algn="ctr">
+                      <a:solidFill>
+                        <a:srgbClr val="999999"/>
+                      </a:solidFill>
+                      <a:prstDash val="solid"/>
+                      <a:round/>
+                      <a:headEnd type="none" w="med" len="med"/>
+                      <a:tailEnd type="none" w="med" len="med"/>
+                    </a:lnR>
+                    <a:lnT w="6350" cap="flat" cmpd="sng" algn="ctr">
+                      <a:solidFill>
+                        <a:srgbClr val="999999"/>
+                      </a:solidFill>
+                      <a:prstDash val="solid"/>
+                      <a:round/>
+                      <a:headEnd type="none" w="med" len="med"/>
+                      <a:tailEnd type="none" w="med" len="med"/>
+                    </a:lnT>
+                    <a:lnB w="6350" cap="flat" cmpd="sng" algn="ctr">
+                      <a:solidFill>
+                        <a:srgbClr val="999999"/>
+                      </a:solidFill>
+                      <a:prstDash val="solid"/>
+                      <a:round/>
+                      <a:headEnd type="none" w="med" len="med"/>
+                      <a:tailEnd type="none" w="med" len="med"/>
+                    </a:lnB>
+                    <a:solidFill>
+                      <a:srgbClr val="FFFFFF"/>
+                    </a:solidFill>
+                  </a:tcPr>
+                </a:tc>
+                <a:extLst>
+                  <a:ext uri="{0D108BD9-81ED-4DB2-BD59-A6C34878D82A}">
+                    <a16:rowId xmlns:a16="http://schemas.microsoft.com/office/drawing/2014/main" val="2643133062"/>
+                  </a:ext>
+                </a:extLst>
+              </a:tr>
+              <a:tr h="531737">
+                <a:tc>
+                  <a:txBody>
+                    <a:bodyPr/>
+                    <a:lstStyle/>
+                    <a:p>
+                      <a:pPr algn="ctr" fontAlgn="t"/>
+                      <a:r>
+                        <a:rPr lang="es-MX" dirty="0">
+                          <a:effectLst/>
+                        </a:rPr>
+                        <a:t>2</a:t>
+                      </a:r>
+                    </a:p>
+                  </a:txBody>
+                  <a:tcPr>
+                    <a:lnL w="6350" cap="flat" cmpd="sng" algn="ctr">
+                      <a:solidFill>
+                        <a:srgbClr val="999999"/>
+                      </a:solidFill>
+                      <a:prstDash val="solid"/>
+                      <a:round/>
+                      <a:headEnd type="none" w="med" len="med"/>
+                      <a:tailEnd type="none" w="med" len="med"/>
+                    </a:lnL>
+                    <a:lnR w="6350" cap="flat" cmpd="sng" algn="ctr">
+                      <a:solidFill>
+                        <a:srgbClr val="999999"/>
+                      </a:solidFill>
+                      <a:prstDash val="solid"/>
+                      <a:round/>
+                      <a:headEnd type="none" w="med" len="med"/>
+                      <a:tailEnd type="none" w="med" len="med"/>
+                    </a:lnR>
+                    <a:lnT w="6350" cap="flat" cmpd="sng" algn="ctr">
+                      <a:solidFill>
+                        <a:srgbClr val="999999"/>
+                      </a:solidFill>
+                      <a:prstDash val="solid"/>
+                      <a:round/>
+                      <a:headEnd type="none" w="med" len="med"/>
+                      <a:tailEnd type="none" w="med" len="med"/>
+                    </a:lnT>
+                    <a:lnB w="6350" cap="flat" cmpd="sng" algn="ctr">
+                      <a:solidFill>
+                        <a:srgbClr val="999999"/>
+                      </a:solidFill>
+                      <a:prstDash val="solid"/>
+                      <a:round/>
+                      <a:headEnd type="none" w="med" len="med"/>
+                      <a:tailEnd type="none" w="med" len="med"/>
+                    </a:lnB>
+                    <a:solidFill>
+                      <a:srgbClr val="FFFFFF"/>
+                    </a:solidFill>
+                  </a:tcPr>
+                </a:tc>
+                <a:tc>
+                  <a:txBody>
+                    <a:bodyPr/>
+                    <a:lstStyle/>
+                    <a:p>
+                      <a:pPr fontAlgn="t"/>
+                      <a:r>
+                        <a:rPr lang="es-ES" dirty="0">
+                          <a:effectLst/>
+                        </a:rPr>
+                        <a:t>Cree un proceso de enrutamiento OSPF.</a:t>
+                      </a:r>
+                      <a:endParaRPr lang="en-US" dirty="0">
+                        <a:effectLst/>
+                      </a:endParaRPr>
+                    </a:p>
+                  </a:txBody>
+                  <a:tcPr>
+                    <a:lnL w="6350" cap="flat" cmpd="sng" algn="ctr">
+                      <a:solidFill>
+                        <a:srgbClr val="999999"/>
+                      </a:solidFill>
+                      <a:prstDash val="solid"/>
+                      <a:round/>
+                      <a:headEnd type="none" w="med" len="med"/>
+                      <a:tailEnd type="none" w="med" len="med"/>
+                    </a:lnL>
+                    <a:lnR w="6350" cap="flat" cmpd="sng" algn="ctr">
+                      <a:solidFill>
+                        <a:srgbClr val="999999"/>
+                      </a:solidFill>
+                      <a:prstDash val="solid"/>
+                      <a:round/>
+                      <a:headEnd type="none" w="med" len="med"/>
+                      <a:tailEnd type="none" w="med" len="med"/>
+                    </a:lnR>
+                    <a:lnT w="6350" cap="flat" cmpd="sng" algn="ctr">
+                      <a:solidFill>
+                        <a:srgbClr val="999999"/>
+                      </a:solidFill>
+                      <a:prstDash val="solid"/>
+                      <a:round/>
+                      <a:headEnd type="none" w="med" len="med"/>
+                      <a:tailEnd type="none" w="med" len="med"/>
+                    </a:lnT>
+                    <a:lnB w="6350" cap="flat" cmpd="sng" algn="ctr">
+                      <a:solidFill>
+                        <a:srgbClr val="999999"/>
+                      </a:solidFill>
+                      <a:prstDash val="solid"/>
+                      <a:round/>
+                      <a:headEnd type="none" w="med" len="med"/>
+                      <a:tailEnd type="none" w="med" len="med"/>
+                    </a:lnB>
+                    <a:solidFill>
+                      <a:srgbClr val="FFFFFF"/>
+                    </a:solidFill>
+                  </a:tcPr>
+                </a:tc>
+                <a:tc>
+                  <a:txBody>
+                    <a:bodyPr/>
+                    <a:lstStyle/>
+                    <a:p>
+                      <a:pPr fontAlgn="t"/>
+                      <a:r>
+                        <a:rPr lang="es-MX" dirty="0" err="1">
+                          <a:effectLst/>
+                        </a:rPr>
+                        <a:t>router</a:t>
+                      </a:r>
+                      <a:r>
+                        <a:rPr lang="es-MX" dirty="0">
+                          <a:effectLst/>
+                        </a:rPr>
+                        <a:t>(</a:t>
+                      </a:r>
+                      <a:r>
+                        <a:rPr lang="es-MX" dirty="0" err="1">
+                          <a:effectLst/>
+                        </a:rPr>
+                        <a:t>config</a:t>
+                      </a:r>
+                      <a:r>
+                        <a:rPr lang="es-MX" dirty="0">
+                          <a:effectLst/>
+                        </a:rPr>
+                        <a:t>)#</a:t>
+                      </a:r>
+                      <a:r>
+                        <a:rPr lang="es-MX" b="1" dirty="0">
+                          <a:solidFill>
+                            <a:schemeClr val="accent6">
+                              <a:lumMod val="75000"/>
+                            </a:schemeClr>
+                          </a:solidFill>
+                          <a:effectLst/>
+                        </a:rPr>
+                        <a:t>router </a:t>
+                      </a:r>
+                      <a:r>
+                        <a:rPr lang="es-MX" b="1" dirty="0" err="1">
+                          <a:solidFill>
+                            <a:schemeClr val="accent6">
+                              <a:lumMod val="75000"/>
+                            </a:schemeClr>
+                          </a:solidFill>
+                          <a:effectLst/>
+                        </a:rPr>
+                        <a:t>ospf</a:t>
+                      </a:r>
+                      <a:r>
+                        <a:rPr lang="es-MX" b="1" dirty="0">
+                          <a:solidFill>
+                            <a:schemeClr val="accent6">
+                              <a:lumMod val="75000"/>
+                            </a:schemeClr>
+                          </a:solidFill>
+                          <a:effectLst/>
+                        </a:rPr>
+                        <a:t> </a:t>
+                      </a:r>
+                      <a:r>
+                        <a:rPr lang="es-MX" i="1" dirty="0" err="1">
+                          <a:solidFill>
+                            <a:schemeClr val="accent6">
+                              <a:lumMod val="75000"/>
+                            </a:schemeClr>
+                          </a:solidFill>
+                          <a:effectLst/>
+                        </a:rPr>
+                        <a:t>process</a:t>
+                      </a:r>
+                      <a:r>
+                        <a:rPr lang="es-MX" i="1" dirty="0">
+                          <a:solidFill>
+                            <a:schemeClr val="accent6">
+                              <a:lumMod val="75000"/>
+                            </a:schemeClr>
+                          </a:solidFill>
+                          <a:effectLst/>
+                        </a:rPr>
+                        <a:t>-id</a:t>
+                      </a:r>
+                      <a:endParaRPr lang="es-MX" dirty="0">
+                        <a:solidFill>
+                          <a:schemeClr val="accent6">
+                            <a:lumMod val="75000"/>
+                          </a:schemeClr>
+                        </a:solidFill>
+                        <a:effectLst/>
+                      </a:endParaRPr>
+                    </a:p>
+                  </a:txBody>
+                  <a:tcPr>
+                    <a:lnL w="6350" cap="flat" cmpd="sng" algn="ctr">
+                      <a:solidFill>
+                        <a:srgbClr val="999999"/>
+                      </a:solidFill>
+                      <a:prstDash val="solid"/>
+                      <a:round/>
+                      <a:headEnd type="none" w="med" len="med"/>
+                      <a:tailEnd type="none" w="med" len="med"/>
+                    </a:lnL>
+                    <a:lnR w="6350" cap="flat" cmpd="sng" algn="ctr">
+                      <a:solidFill>
+                        <a:srgbClr val="999999"/>
+                      </a:solidFill>
+                      <a:prstDash val="solid"/>
+                      <a:round/>
+                      <a:headEnd type="none" w="med" len="med"/>
+                      <a:tailEnd type="none" w="med" len="med"/>
+                    </a:lnR>
+                    <a:lnT w="6350" cap="flat" cmpd="sng" algn="ctr">
+                      <a:solidFill>
+                        <a:srgbClr val="999999"/>
+                      </a:solidFill>
+                      <a:prstDash val="solid"/>
+                      <a:round/>
+                      <a:headEnd type="none" w="med" len="med"/>
+                      <a:tailEnd type="none" w="med" len="med"/>
+                    </a:lnT>
+                    <a:lnB w="6350" cap="flat" cmpd="sng" algn="ctr">
+                      <a:solidFill>
+                        <a:srgbClr val="999999"/>
+                      </a:solidFill>
+                      <a:prstDash val="solid"/>
+                      <a:round/>
+                      <a:headEnd type="none" w="med" len="med"/>
+                      <a:tailEnd type="none" w="med" len="med"/>
+                    </a:lnB>
+                    <a:solidFill>
+                      <a:srgbClr val="FFFFFF"/>
+                    </a:solidFill>
+                  </a:tcPr>
+                </a:tc>
+                <a:extLst>
+                  <a:ext uri="{0D108BD9-81ED-4DB2-BD59-A6C34878D82A}">
+                    <a16:rowId xmlns:a16="http://schemas.microsoft.com/office/drawing/2014/main" val="1670743647"/>
+                  </a:ext>
+                </a:extLst>
+              </a:tr>
+            </a:tbl>
+          </a:graphicData>
+        </a:graphic>
+      </p:graphicFrame>
+      <p:sp>
+        <p:nvSpPr>
+          <p:cNvPr id="8" name="CuadroTexto 7">
+            <a:extLst>
+              <a:ext uri="{FF2B5EF4-FFF2-40B4-BE49-F238E27FC236}">
+                <a16:creationId xmlns:a16="http://schemas.microsoft.com/office/drawing/2014/main" id="{70A213A9-0154-4F91-BB37-8225FD0E6C4C}"/>
+              </a:ext>
+            </a:extLst>
+          </p:cNvPr>
+          <p:cNvSpPr txBox="1"/>
+          <p:nvPr/>
+        </p:nvSpPr>
+        <p:spPr>
+          <a:xfrm>
+            <a:off x="539552" y="1403325"/>
+            <a:ext cx="7704856" cy="369332"/>
+          </a:xfrm>
+          <a:prstGeom prst="rect">
+            <a:avLst/>
+          </a:prstGeom>
+          <a:noFill/>
+        </p:spPr>
+        <p:txBody>
+          <a:bodyPr wrap="square">
+            <a:spAutoFit/>
+          </a:bodyPr>
+          <a:lstStyle/>
+          <a:p>
+            <a:r>
+              <a:rPr lang="es-ES" b="1" dirty="0">
+                <a:solidFill>
+                  <a:srgbClr val="FF0000"/>
+                </a:solidFill>
+              </a:rPr>
+              <a:t>Paso 2. </a:t>
+            </a:r>
+            <a:r>
+              <a:rPr lang="es-ES" dirty="0"/>
+              <a:t>Utilice el comando </a:t>
+            </a:r>
+            <a:r>
+              <a:rPr lang="es-ES" b="1" dirty="0" err="1"/>
+              <a:t>network</a:t>
+            </a:r>
+            <a:r>
+              <a:rPr lang="es-ES" b="1" dirty="0"/>
+              <a:t> </a:t>
+            </a:r>
+            <a:r>
+              <a:rPr lang="es-ES" dirty="0"/>
+              <a:t>para habilitar las interfaces.</a:t>
+            </a:r>
+            <a:endParaRPr lang="es-MX" dirty="0"/>
+          </a:p>
+        </p:txBody>
+      </p:sp>
+    </p:spTree>
+    <p:extLst>
+      <p:ext uri="{BB962C8B-B14F-4D97-AF65-F5344CB8AC3E}">
+        <p14:creationId xmlns:p14="http://schemas.microsoft.com/office/powerpoint/2010/main" val="1073951113"/>
+      </p:ext>
+    </p:extLst>
+  </p:cSld>
+  <p:clrMapOvr>
+    <a:masterClrMapping/>
+  </p:clrMapOvr>
+  <p:transition spd="med">
+    <p:wipe dir="r"/>
+  </p:transition>
+</p:sld>
+</file>
+
+<file path=ppt/slides/slide12.xml><?xml version="1.0" encoding="utf-8"?>
+<p:sld xmlns:a="http://schemas.openxmlformats.org/drawingml/2006/main" xmlns:r="http://schemas.openxmlformats.org/officeDocument/2006/relationships" xmlns:p="http://schemas.openxmlformats.org/presentationml/2006/main">
+  <p:cSld>
+    <p:spTree>
+      <p:nvGrpSpPr>
+        <p:cNvPr id="1" name=""/>
+        <p:cNvGrpSpPr/>
+        <p:nvPr/>
+      </p:nvGrpSpPr>
+      <p:grpSpPr>
+        <a:xfrm>
+          <a:off x="0" y="0"/>
+          <a:ext cx="0" cy="0"/>
+          <a:chOff x="0" y="0"/>
+          <a:chExt cx="0" cy="0"/>
+        </a:xfrm>
+      </p:grpSpPr>
+      <p:sp>
+        <p:nvSpPr>
+          <p:cNvPr id="5" name="Rectangle 2">
+            <a:extLst>
+              <a:ext uri="{FF2B5EF4-FFF2-40B4-BE49-F238E27FC236}">
+                <a16:creationId xmlns:a16="http://schemas.microsoft.com/office/drawing/2014/main" id="{C53CB8A4-EEC3-42D0-AE92-C56BE851709A}"/>
+              </a:ext>
+            </a:extLst>
+          </p:cNvPr>
+          <p:cNvSpPr txBox="1">
+            <a:spLocks noChangeArrowheads="1"/>
+          </p:cNvSpPr>
+          <p:nvPr/>
+        </p:nvSpPr>
+        <p:spPr>
+          <a:xfrm>
+            <a:off x="331626" y="410584"/>
+            <a:ext cx="8480747" cy="720672"/>
+          </a:xfrm>
+          <a:prstGeom prst="rect">
+            <a:avLst/>
+          </a:prstGeom>
+        </p:spPr>
+        <p:txBody>
+          <a:bodyPr vert="horz" lIns="91440" tIns="45720" rIns="91440" bIns="45720" rtlCol="0" anchor="ctr">
+            <a:normAutofit fontScale="90000" lnSpcReduction="20000"/>
+          </a:bodyPr>
+          <a:lstStyle>
+            <a:lvl1pPr algn="ctr" defTabSz="914400" rtl="0" eaLnBrk="1" latinLnBrk="0" hangingPunct="1">
+              <a:spcBef>
+                <a:spcPct val="0"/>
+              </a:spcBef>
+              <a:buNone/>
+              <a:defRPr sz="4400" kern="1200">
+                <a:solidFill>
+                  <a:schemeClr val="tx1"/>
+                </a:solidFill>
+                <a:latin typeface="+mj-lt"/>
+                <a:ea typeface="+mj-ea"/>
+                <a:cs typeface="+mj-cs"/>
+              </a:defRPr>
+            </a:lvl1pPr>
+          </a:lstStyle>
+          <a:p>
+            <a:pPr>
+              <a:defRPr/>
+            </a:pPr>
+            <a:r>
+              <a:rPr lang="es-ES" sz="3200" b="1" dirty="0">
+                <a:solidFill>
+                  <a:schemeClr val="accent4">
+                    <a:lumMod val="50000"/>
+                  </a:schemeClr>
+                </a:solidFill>
+                <a:effectLst>
+                  <a:outerShdw blurRad="38100" dist="38100" dir="2700000" algn="tl">
+                    <a:srgbClr val="C0C0C0"/>
+                  </a:outerShdw>
+                </a:effectLst>
+                <a:latin typeface="Dom Casual" charset="0"/>
+              </a:rPr>
+              <a:t>Configuración del protocolo OSPF</a:t>
+            </a:r>
+            <a:br>
+              <a:rPr lang="es-ES" dirty="0"/>
+            </a:br>
+            <a:endParaRPr lang="es-ES" sz="2200" b="1" dirty="0">
+              <a:solidFill>
+                <a:schemeClr val="accent6">
+                  <a:lumMod val="75000"/>
+                </a:schemeClr>
+              </a:solidFill>
+              <a:cs typeface="Arial" pitchFamily="34" charset="0"/>
+            </a:endParaRPr>
+          </a:p>
+        </p:txBody>
+      </p:sp>
+      <p:pic>
+        <p:nvPicPr>
+          <p:cNvPr id="6" name="Imagen 5">
+            <a:extLst>
+              <a:ext uri="{FF2B5EF4-FFF2-40B4-BE49-F238E27FC236}">
+                <a16:creationId xmlns:a16="http://schemas.microsoft.com/office/drawing/2014/main" id="{0DB08AE1-16B9-403E-9E78-11EA2DAB86D4}"/>
+              </a:ext>
+            </a:extLst>
+          </p:cNvPr>
+          <p:cNvPicPr>
+            <a:picLocks noChangeAspect="1"/>
+          </p:cNvPicPr>
+          <p:nvPr/>
+        </p:nvPicPr>
+        <p:blipFill>
+          <a:blip r:embed="rId3"/>
+          <a:stretch>
+            <a:fillRect/>
+          </a:stretch>
+        </p:blipFill>
+        <p:spPr>
+          <a:xfrm>
+            <a:off x="826512" y="2325328"/>
+            <a:ext cx="7884368" cy="1063473"/>
+          </a:xfrm>
+          <a:prstGeom prst="rect">
+            <a:avLst/>
+          </a:prstGeom>
+        </p:spPr>
+      </p:pic>
+      <p:sp>
+        <p:nvSpPr>
+          <p:cNvPr id="9" name="CuadroTexto 8">
+            <a:extLst>
+              <a:ext uri="{FF2B5EF4-FFF2-40B4-BE49-F238E27FC236}">
+                <a16:creationId xmlns:a16="http://schemas.microsoft.com/office/drawing/2014/main" id="{BB0A69D0-1D6D-4DED-A457-3EBA2B6A6A27}"/>
+              </a:ext>
+            </a:extLst>
+          </p:cNvPr>
+          <p:cNvSpPr txBox="1"/>
+          <p:nvPr/>
+        </p:nvSpPr>
+        <p:spPr>
+          <a:xfrm>
+            <a:off x="463493" y="1211909"/>
+            <a:ext cx="8348880" cy="923330"/>
+          </a:xfrm>
+          <a:prstGeom prst="rect">
+            <a:avLst/>
+          </a:prstGeom>
+          <a:noFill/>
+        </p:spPr>
+        <p:txBody>
+          <a:bodyPr wrap="square" rtlCol="0">
+            <a:spAutoFit/>
+          </a:bodyPr>
+          <a:lstStyle/>
+          <a:p>
+            <a:r>
+              <a:rPr lang="es-ES" dirty="0"/>
+              <a:t>Para habilitar OSPF en un ruteador Cisco, se requieren las siguientes tareas:</a:t>
+            </a:r>
+          </a:p>
+          <a:p>
+            <a:endParaRPr lang="es-ES" dirty="0"/>
+          </a:p>
+          <a:p>
+            <a:r>
+              <a:rPr lang="es-ES" b="1" dirty="0">
+                <a:solidFill>
+                  <a:srgbClr val="FF0000"/>
+                </a:solidFill>
+              </a:rPr>
+              <a:t>Paso 1. </a:t>
+            </a:r>
+            <a:r>
+              <a:rPr lang="es-ES" dirty="0"/>
+              <a:t>Utilice el </a:t>
+            </a:r>
+            <a:r>
+              <a:rPr lang="es-ES" b="1" dirty="0"/>
+              <a:t>ID de proceso</a:t>
+            </a:r>
+            <a:r>
+              <a:rPr lang="es-ES" dirty="0"/>
+              <a:t> (</a:t>
+            </a:r>
+            <a:r>
+              <a:rPr lang="es-MX" dirty="0"/>
+              <a:t>1 - 65535)</a:t>
+            </a:r>
+            <a:r>
+              <a:rPr lang="es-ES" dirty="0"/>
+              <a:t> del comando </a:t>
+            </a:r>
+            <a:r>
+              <a:rPr lang="es-ES" b="1" dirty="0" err="1"/>
+              <a:t>router</a:t>
+            </a:r>
+            <a:r>
+              <a:rPr lang="es-ES" b="1" dirty="0"/>
+              <a:t> </a:t>
+            </a:r>
+            <a:r>
+              <a:rPr lang="es-ES" b="1" dirty="0" err="1"/>
+              <a:t>ospf</a:t>
+            </a:r>
+            <a:r>
+              <a:rPr lang="es-ES" b="1" dirty="0"/>
+              <a:t> </a:t>
+            </a:r>
+            <a:r>
+              <a:rPr lang="es-ES" dirty="0"/>
+              <a:t>para iniciar </a:t>
+            </a:r>
+            <a:r>
+              <a:rPr lang="es-ES" b="1" dirty="0"/>
+              <a:t>OSPF</a:t>
+            </a:r>
+            <a:r>
+              <a:rPr lang="es-ES" dirty="0"/>
+              <a:t>.</a:t>
+            </a:r>
+            <a:endParaRPr lang="es-MX" dirty="0"/>
+          </a:p>
+        </p:txBody>
+      </p:sp>
+      <p:graphicFrame>
+        <p:nvGraphicFramePr>
+          <p:cNvPr id="2" name="Tabla 1">
+            <a:extLst>
+              <a:ext uri="{FF2B5EF4-FFF2-40B4-BE49-F238E27FC236}">
+                <a16:creationId xmlns:a16="http://schemas.microsoft.com/office/drawing/2014/main" id="{04B4B5CC-5956-4893-80F9-C106613318D5}"/>
+              </a:ext>
+            </a:extLst>
+          </p:cNvPr>
+          <p:cNvGraphicFramePr>
+            <a:graphicFrameLocks noGrp="1"/>
+          </p:cNvGraphicFramePr>
+          <p:nvPr/>
+        </p:nvGraphicFramePr>
+        <p:xfrm>
+          <a:off x="451689" y="3861048"/>
+          <a:ext cx="8316416" cy="1063474"/>
+        </p:xfrm>
+        <a:graphic>
+          <a:graphicData uri="http://schemas.openxmlformats.org/drawingml/2006/table">
+            <a:tbl>
+              <a:tblPr/>
+              <a:tblGrid>
+                <a:gridCol w="389541">
+                  <a:extLst>
+                    <a:ext uri="{9D8B030D-6E8A-4147-A177-3AD203B41FA5}">
+                      <a16:colId xmlns:a16="http://schemas.microsoft.com/office/drawing/2014/main" val="679461609"/>
+                    </a:ext>
+                  </a:extLst>
+                </a:gridCol>
+                <a:gridCol w="3984692">
+                  <a:extLst>
+                    <a:ext uri="{9D8B030D-6E8A-4147-A177-3AD203B41FA5}">
+                      <a16:colId xmlns:a16="http://schemas.microsoft.com/office/drawing/2014/main" val="2236033006"/>
+                    </a:ext>
+                  </a:extLst>
+                </a:gridCol>
+                <a:gridCol w="3942183">
+                  <a:extLst>
+                    <a:ext uri="{9D8B030D-6E8A-4147-A177-3AD203B41FA5}">
+                      <a16:colId xmlns:a16="http://schemas.microsoft.com/office/drawing/2014/main" val="4210768800"/>
+                    </a:ext>
+                  </a:extLst>
+                </a:gridCol>
+              </a:tblGrid>
+              <a:tr h="531737">
+                <a:tc>
+                  <a:txBody>
+                    <a:bodyPr/>
+                    <a:lstStyle/>
+                    <a:p>
+                      <a:pPr algn="ctr" fontAlgn="t"/>
+                      <a:r>
+                        <a:rPr lang="es-MX" dirty="0">
+                          <a:effectLst/>
+                        </a:rPr>
+                        <a:t>1</a:t>
+                      </a:r>
+                    </a:p>
+                  </a:txBody>
+                  <a:tcPr>
+                    <a:lnL w="6350" cap="flat" cmpd="sng" algn="ctr">
+                      <a:solidFill>
+                        <a:srgbClr val="999999"/>
+                      </a:solidFill>
+                      <a:prstDash val="solid"/>
+                      <a:round/>
+                      <a:headEnd type="none" w="med" len="med"/>
+                      <a:tailEnd type="none" w="med" len="med"/>
+                    </a:lnL>
+                    <a:lnR w="6350" cap="flat" cmpd="sng" algn="ctr">
+                      <a:solidFill>
+                        <a:srgbClr val="999999"/>
+                      </a:solidFill>
+                      <a:prstDash val="solid"/>
+                      <a:round/>
+                      <a:headEnd type="none" w="med" len="med"/>
+                      <a:tailEnd type="none" w="med" len="med"/>
+                    </a:lnR>
+                    <a:lnT w="6350" cap="flat" cmpd="sng" algn="ctr">
+                      <a:solidFill>
+                        <a:srgbClr val="999999"/>
+                      </a:solidFill>
+                      <a:prstDash val="solid"/>
+                      <a:round/>
+                      <a:headEnd type="none" w="med" len="med"/>
+                      <a:tailEnd type="none" w="med" len="med"/>
+                    </a:lnT>
+                    <a:lnB w="6350" cap="flat" cmpd="sng" algn="ctr">
+                      <a:solidFill>
+                        <a:srgbClr val="999999"/>
+                      </a:solidFill>
+                      <a:prstDash val="solid"/>
+                      <a:round/>
+                      <a:headEnd type="none" w="med" len="med"/>
+                      <a:tailEnd type="none" w="med" len="med"/>
+                    </a:lnB>
+                    <a:solidFill>
+                      <a:srgbClr val="FFFFFF"/>
+                    </a:solidFill>
+                  </a:tcPr>
+                </a:tc>
+                <a:tc>
+                  <a:txBody>
+                    <a:bodyPr/>
+                    <a:lstStyle/>
+                    <a:p>
+                      <a:pPr fontAlgn="t"/>
+                      <a:r>
+                        <a:rPr lang="es-MX" dirty="0">
+                          <a:effectLst/>
+                        </a:rPr>
+                        <a:t>Ingrese al modo de configuración global.</a:t>
+                      </a:r>
+                    </a:p>
+                  </a:txBody>
+                  <a:tcPr>
+                    <a:lnL w="6350" cap="flat" cmpd="sng" algn="ctr">
+                      <a:solidFill>
+                        <a:srgbClr val="999999"/>
+                      </a:solidFill>
+                      <a:prstDash val="solid"/>
+                      <a:round/>
+                      <a:headEnd type="none" w="med" len="med"/>
+                      <a:tailEnd type="none" w="med" len="med"/>
+                    </a:lnL>
+                    <a:lnR w="6350" cap="flat" cmpd="sng" algn="ctr">
+                      <a:solidFill>
+                        <a:srgbClr val="999999"/>
+                      </a:solidFill>
+                      <a:prstDash val="solid"/>
+                      <a:round/>
+                      <a:headEnd type="none" w="med" len="med"/>
+                      <a:tailEnd type="none" w="med" len="med"/>
+                    </a:lnR>
+                    <a:lnT w="6350" cap="flat" cmpd="sng" algn="ctr">
+                      <a:solidFill>
+                        <a:srgbClr val="999999"/>
+                      </a:solidFill>
+                      <a:prstDash val="solid"/>
+                      <a:round/>
+                      <a:headEnd type="none" w="med" len="med"/>
+                      <a:tailEnd type="none" w="med" len="med"/>
+                    </a:lnT>
+                    <a:lnB w="6350" cap="flat" cmpd="sng" algn="ctr">
+                      <a:solidFill>
+                        <a:srgbClr val="999999"/>
+                      </a:solidFill>
+                      <a:prstDash val="solid"/>
+                      <a:round/>
+                      <a:headEnd type="none" w="med" len="med"/>
+                      <a:tailEnd type="none" w="med" len="med"/>
+                    </a:lnB>
+                    <a:solidFill>
+                      <a:srgbClr val="FFFFFF"/>
+                    </a:solidFill>
+                  </a:tcPr>
+                </a:tc>
+                <a:tc>
+                  <a:txBody>
+                    <a:bodyPr/>
+                    <a:lstStyle/>
+                    <a:p>
+                      <a:pPr fontAlgn="t"/>
+                      <a:r>
+                        <a:rPr lang="es-MX" dirty="0" err="1">
+                          <a:effectLst/>
+                        </a:rPr>
+                        <a:t>router#</a:t>
+                      </a:r>
+                      <a:r>
+                        <a:rPr lang="es-MX" b="1" dirty="0" err="1">
+                          <a:solidFill>
+                            <a:schemeClr val="accent6">
+                              <a:lumMod val="75000"/>
+                            </a:schemeClr>
+                          </a:solidFill>
+                          <a:effectLst/>
+                        </a:rPr>
+                        <a:t>configure</a:t>
+                      </a:r>
+                      <a:r>
+                        <a:rPr lang="es-MX" b="1" dirty="0">
+                          <a:solidFill>
+                            <a:schemeClr val="accent6">
+                              <a:lumMod val="75000"/>
+                            </a:schemeClr>
+                          </a:solidFill>
+                          <a:effectLst/>
+                        </a:rPr>
+                        <a:t> terminal</a:t>
+                      </a:r>
+                    </a:p>
+                  </a:txBody>
+                  <a:tcPr>
+                    <a:lnL w="6350" cap="flat" cmpd="sng" algn="ctr">
+                      <a:solidFill>
+                        <a:srgbClr val="999999"/>
+                      </a:solidFill>
+                      <a:prstDash val="solid"/>
+                      <a:round/>
+                      <a:headEnd type="none" w="med" len="med"/>
+                      <a:tailEnd type="none" w="med" len="med"/>
+                    </a:lnL>
+                    <a:lnR w="6350" cap="flat" cmpd="sng" algn="ctr">
+                      <a:solidFill>
+                        <a:srgbClr val="999999"/>
+                      </a:solidFill>
+                      <a:prstDash val="solid"/>
+                      <a:round/>
+                      <a:headEnd type="none" w="med" len="med"/>
+                      <a:tailEnd type="none" w="med" len="med"/>
+                    </a:lnR>
+                    <a:lnT w="6350" cap="flat" cmpd="sng" algn="ctr">
+                      <a:solidFill>
+                        <a:srgbClr val="999999"/>
+                      </a:solidFill>
+                      <a:prstDash val="solid"/>
+                      <a:round/>
+                      <a:headEnd type="none" w="med" len="med"/>
+                      <a:tailEnd type="none" w="med" len="med"/>
+                    </a:lnT>
+                    <a:lnB w="6350" cap="flat" cmpd="sng" algn="ctr">
+                      <a:solidFill>
+                        <a:srgbClr val="999999"/>
+                      </a:solidFill>
+                      <a:prstDash val="solid"/>
+                      <a:round/>
+                      <a:headEnd type="none" w="med" len="med"/>
+                      <a:tailEnd type="none" w="med" len="med"/>
+                    </a:lnB>
+                    <a:solidFill>
+                      <a:srgbClr val="FFFFFF"/>
+                    </a:solidFill>
+                  </a:tcPr>
+                </a:tc>
+                <a:extLst>
+                  <a:ext uri="{0D108BD9-81ED-4DB2-BD59-A6C34878D82A}">
+                    <a16:rowId xmlns:a16="http://schemas.microsoft.com/office/drawing/2014/main" val="2643133062"/>
+                  </a:ext>
+                </a:extLst>
+              </a:tr>
+              <a:tr h="531737">
+                <a:tc>
+                  <a:txBody>
+                    <a:bodyPr/>
+                    <a:lstStyle/>
+                    <a:p>
+                      <a:pPr algn="ctr" fontAlgn="t"/>
+                      <a:r>
+                        <a:rPr lang="es-MX" dirty="0">
+                          <a:effectLst/>
+                        </a:rPr>
+                        <a:t>2</a:t>
+                      </a:r>
+                    </a:p>
+                  </a:txBody>
+                  <a:tcPr>
+                    <a:lnL w="6350" cap="flat" cmpd="sng" algn="ctr">
+                      <a:solidFill>
+                        <a:srgbClr val="999999"/>
+                      </a:solidFill>
+                      <a:prstDash val="solid"/>
+                      <a:round/>
+                      <a:headEnd type="none" w="med" len="med"/>
+                      <a:tailEnd type="none" w="med" len="med"/>
+                    </a:lnL>
+                    <a:lnR w="6350" cap="flat" cmpd="sng" algn="ctr">
+                      <a:solidFill>
+                        <a:srgbClr val="999999"/>
+                      </a:solidFill>
+                      <a:prstDash val="solid"/>
+                      <a:round/>
+                      <a:headEnd type="none" w="med" len="med"/>
+                      <a:tailEnd type="none" w="med" len="med"/>
+                    </a:lnR>
+                    <a:lnT w="6350" cap="flat" cmpd="sng" algn="ctr">
+                      <a:solidFill>
+                        <a:srgbClr val="999999"/>
+                      </a:solidFill>
+                      <a:prstDash val="solid"/>
+                      <a:round/>
+                      <a:headEnd type="none" w="med" len="med"/>
+                      <a:tailEnd type="none" w="med" len="med"/>
+                    </a:lnT>
+                    <a:lnB w="6350" cap="flat" cmpd="sng" algn="ctr">
+                      <a:solidFill>
+                        <a:srgbClr val="999999"/>
+                      </a:solidFill>
+                      <a:prstDash val="solid"/>
+                      <a:round/>
+                      <a:headEnd type="none" w="med" len="med"/>
+                      <a:tailEnd type="none" w="med" len="med"/>
+                    </a:lnB>
+                    <a:solidFill>
+                      <a:srgbClr val="FFFFFF"/>
+                    </a:solidFill>
+                  </a:tcPr>
+                </a:tc>
+                <a:tc>
+                  <a:txBody>
+                    <a:bodyPr/>
+                    <a:lstStyle/>
+                    <a:p>
+                      <a:pPr fontAlgn="t"/>
+                      <a:r>
+                        <a:rPr lang="es-ES" dirty="0">
+                          <a:effectLst/>
+                        </a:rPr>
+                        <a:t>Cree un proceso de enrutamiento OSPF.</a:t>
+                      </a:r>
+                      <a:endParaRPr lang="en-US" dirty="0">
+                        <a:effectLst/>
+                      </a:endParaRPr>
+                    </a:p>
+                  </a:txBody>
+                  <a:tcPr>
+                    <a:lnL w="6350" cap="flat" cmpd="sng" algn="ctr">
+                      <a:solidFill>
+                        <a:srgbClr val="999999"/>
+                      </a:solidFill>
+                      <a:prstDash val="solid"/>
+                      <a:round/>
+                      <a:headEnd type="none" w="med" len="med"/>
+                      <a:tailEnd type="none" w="med" len="med"/>
+                    </a:lnL>
+                    <a:lnR w="6350" cap="flat" cmpd="sng" algn="ctr">
+                      <a:solidFill>
+                        <a:srgbClr val="999999"/>
+                      </a:solidFill>
+                      <a:prstDash val="solid"/>
+                      <a:round/>
+                      <a:headEnd type="none" w="med" len="med"/>
+                      <a:tailEnd type="none" w="med" len="med"/>
+                    </a:lnR>
+                    <a:lnT w="6350" cap="flat" cmpd="sng" algn="ctr">
+                      <a:solidFill>
+                        <a:srgbClr val="999999"/>
+                      </a:solidFill>
+                      <a:prstDash val="solid"/>
+                      <a:round/>
+                      <a:headEnd type="none" w="med" len="med"/>
+                      <a:tailEnd type="none" w="med" len="med"/>
+                    </a:lnT>
+                    <a:lnB w="6350" cap="flat" cmpd="sng" algn="ctr">
+                      <a:solidFill>
+                        <a:srgbClr val="999999"/>
+                      </a:solidFill>
+                      <a:prstDash val="solid"/>
+                      <a:round/>
+                      <a:headEnd type="none" w="med" len="med"/>
+                      <a:tailEnd type="none" w="med" len="med"/>
+                    </a:lnB>
+                    <a:solidFill>
+                      <a:srgbClr val="FFFFFF"/>
+                    </a:solidFill>
+                  </a:tcPr>
+                </a:tc>
+                <a:tc>
+                  <a:txBody>
+                    <a:bodyPr/>
+                    <a:lstStyle/>
+                    <a:p>
+                      <a:pPr fontAlgn="t"/>
+                      <a:r>
+                        <a:rPr lang="es-MX" dirty="0" err="1">
+                          <a:effectLst/>
+                        </a:rPr>
+                        <a:t>router</a:t>
+                      </a:r>
+                      <a:r>
+                        <a:rPr lang="es-MX" dirty="0">
+                          <a:effectLst/>
+                        </a:rPr>
+                        <a:t>(</a:t>
+                      </a:r>
+                      <a:r>
+                        <a:rPr lang="es-MX" dirty="0" err="1">
+                          <a:effectLst/>
+                        </a:rPr>
+                        <a:t>config</a:t>
+                      </a:r>
+                      <a:r>
+                        <a:rPr lang="es-MX" dirty="0">
+                          <a:effectLst/>
+                        </a:rPr>
+                        <a:t>)#</a:t>
+                      </a:r>
+                      <a:r>
+                        <a:rPr lang="es-MX" b="1" dirty="0">
+                          <a:solidFill>
+                            <a:schemeClr val="accent6">
+                              <a:lumMod val="75000"/>
+                            </a:schemeClr>
+                          </a:solidFill>
+                          <a:effectLst/>
+                        </a:rPr>
+                        <a:t>router </a:t>
+                      </a:r>
+                      <a:r>
+                        <a:rPr lang="es-MX" b="1" dirty="0" err="1">
+                          <a:solidFill>
+                            <a:schemeClr val="accent6">
+                              <a:lumMod val="75000"/>
+                            </a:schemeClr>
+                          </a:solidFill>
+                          <a:effectLst/>
+                        </a:rPr>
+                        <a:t>ospf</a:t>
+                      </a:r>
+                      <a:r>
+                        <a:rPr lang="es-MX" b="1" dirty="0">
+                          <a:solidFill>
+                            <a:schemeClr val="accent6">
+                              <a:lumMod val="75000"/>
+                            </a:schemeClr>
+                          </a:solidFill>
+                          <a:effectLst/>
+                        </a:rPr>
+                        <a:t> </a:t>
+                      </a:r>
+                      <a:r>
+                        <a:rPr lang="es-MX" i="1" dirty="0" err="1">
+                          <a:solidFill>
+                            <a:schemeClr val="accent6">
+                              <a:lumMod val="75000"/>
+                            </a:schemeClr>
+                          </a:solidFill>
+                          <a:effectLst/>
+                        </a:rPr>
+                        <a:t>process</a:t>
+                      </a:r>
+                      <a:r>
+                        <a:rPr lang="es-MX" i="1" dirty="0">
+                          <a:solidFill>
+                            <a:schemeClr val="accent6">
+                              <a:lumMod val="75000"/>
+                            </a:schemeClr>
+                          </a:solidFill>
+                          <a:effectLst/>
+                        </a:rPr>
+                        <a:t>-id</a:t>
+                      </a:r>
+                      <a:endParaRPr lang="es-MX" dirty="0">
+                        <a:solidFill>
+                          <a:schemeClr val="accent6">
+                            <a:lumMod val="75000"/>
+                          </a:schemeClr>
+                        </a:solidFill>
+                        <a:effectLst/>
+                      </a:endParaRPr>
+                    </a:p>
+                  </a:txBody>
+                  <a:tcPr>
+                    <a:lnL w="6350" cap="flat" cmpd="sng" algn="ctr">
+                      <a:solidFill>
+                        <a:srgbClr val="999999"/>
+                      </a:solidFill>
+                      <a:prstDash val="solid"/>
+                      <a:round/>
+                      <a:headEnd type="none" w="med" len="med"/>
+                      <a:tailEnd type="none" w="med" len="med"/>
+                    </a:lnL>
+                    <a:lnR w="6350" cap="flat" cmpd="sng" algn="ctr">
+                      <a:solidFill>
+                        <a:srgbClr val="999999"/>
+                      </a:solidFill>
+                      <a:prstDash val="solid"/>
+                      <a:round/>
+                      <a:headEnd type="none" w="med" len="med"/>
+                      <a:tailEnd type="none" w="med" len="med"/>
+                    </a:lnR>
+                    <a:lnT w="6350" cap="flat" cmpd="sng" algn="ctr">
+                      <a:solidFill>
+                        <a:srgbClr val="999999"/>
+                      </a:solidFill>
+                      <a:prstDash val="solid"/>
+                      <a:round/>
+                      <a:headEnd type="none" w="med" len="med"/>
+                      <a:tailEnd type="none" w="med" len="med"/>
+                    </a:lnT>
+                    <a:lnB w="6350" cap="flat" cmpd="sng" algn="ctr">
+                      <a:solidFill>
+                        <a:srgbClr val="999999"/>
+                      </a:solidFill>
+                      <a:prstDash val="solid"/>
+                      <a:round/>
+                      <a:headEnd type="none" w="med" len="med"/>
+                      <a:tailEnd type="none" w="med" len="med"/>
+                    </a:lnB>
+                    <a:solidFill>
+                      <a:srgbClr val="FFFFFF"/>
+                    </a:solidFill>
+                  </a:tcPr>
+                </a:tc>
+                <a:extLst>
+                  <a:ext uri="{0D108BD9-81ED-4DB2-BD59-A6C34878D82A}">
+                    <a16:rowId xmlns:a16="http://schemas.microsoft.com/office/drawing/2014/main" val="1670743647"/>
+                  </a:ext>
+                </a:extLst>
+              </a:tr>
+            </a:tbl>
+          </a:graphicData>
+        </a:graphic>
+      </p:graphicFrame>
+      <p:sp>
+        <p:nvSpPr>
+          <p:cNvPr id="8" name="CuadroTexto 7">
+            <a:extLst>
+              <a:ext uri="{FF2B5EF4-FFF2-40B4-BE49-F238E27FC236}">
+                <a16:creationId xmlns:a16="http://schemas.microsoft.com/office/drawing/2014/main" id="{70A213A9-0154-4F91-BB37-8225FD0E6C4C}"/>
+              </a:ext>
+            </a:extLst>
+          </p:cNvPr>
+          <p:cNvSpPr txBox="1"/>
+          <p:nvPr/>
+        </p:nvSpPr>
+        <p:spPr>
+          <a:xfrm>
+            <a:off x="352857" y="5114610"/>
+            <a:ext cx="4572000" cy="646331"/>
+          </a:xfrm>
+          <a:prstGeom prst="rect">
+            <a:avLst/>
+          </a:prstGeom>
+          <a:noFill/>
+        </p:spPr>
+        <p:txBody>
+          <a:bodyPr wrap="square">
+            <a:spAutoFit/>
+          </a:bodyPr>
+          <a:lstStyle/>
+          <a:p>
+            <a:r>
+              <a:rPr lang="es-ES" b="1" dirty="0">
+                <a:solidFill>
+                  <a:srgbClr val="FF0000"/>
+                </a:solidFill>
+              </a:rPr>
+              <a:t>Paso 2. </a:t>
+            </a:r>
+            <a:r>
+              <a:rPr lang="es-ES" dirty="0"/>
+              <a:t>Utilice el comando </a:t>
+            </a:r>
+            <a:r>
+              <a:rPr lang="es-ES" dirty="0" err="1"/>
+              <a:t>network</a:t>
+            </a:r>
+            <a:r>
+              <a:rPr lang="es-ES" dirty="0"/>
+              <a:t> para habilitar las interfaces</a:t>
+            </a:r>
+            <a:endParaRPr lang="es-MX" dirty="0"/>
+          </a:p>
+        </p:txBody>
+      </p:sp>
+    </p:spTree>
+    <p:extLst>
+      <p:ext uri="{BB962C8B-B14F-4D97-AF65-F5344CB8AC3E}">
+        <p14:creationId xmlns:p14="http://schemas.microsoft.com/office/powerpoint/2010/main" val="2125815792"/>
+      </p:ext>
+    </p:extLst>
+  </p:cSld>
+  <p:clrMapOvr>
+    <a:masterClrMapping/>
+  </p:clrMapOvr>
+  <p:transition spd="med">
+    <p:wipe dir="r"/>
+  </p:transition>
+</p:sld>
+</file>
+
+<file path=ppt/slides/slide13.xml><?xml version="1.0" encoding="utf-8"?>
+<p:sld xmlns:a="http://schemas.openxmlformats.org/drawingml/2006/main" xmlns:r="http://schemas.openxmlformats.org/officeDocument/2006/relationships" xmlns:p="http://schemas.openxmlformats.org/presentationml/2006/main">
+  <p:cSld>
+    <p:spTree>
+      <p:nvGrpSpPr>
+        <p:cNvPr id="1" name=""/>
+        <p:cNvGrpSpPr/>
+        <p:nvPr/>
+      </p:nvGrpSpPr>
+      <p:grpSpPr>
+        <a:xfrm>
+          <a:off x="0" y="0"/>
+          <a:ext cx="0" cy="0"/>
+          <a:chOff x="0" y="0"/>
+          <a:chExt cx="0" cy="0"/>
+        </a:xfrm>
+      </p:grpSpPr>
+      <p:pic>
+        <p:nvPicPr>
+          <p:cNvPr id="21507" name="Picture 3"/>
+          <p:cNvPicPr>
+            <a:picLocks noChangeAspect="1" noChangeArrowheads="1"/>
+          </p:cNvPicPr>
+          <p:nvPr/>
+        </p:nvPicPr>
+        <p:blipFill>
+          <a:blip r:embed="rId3" cstate="email">
+            <a:extLst>
+              <a:ext uri="{28A0092B-C50C-407E-A947-70E740481C1C}">
+                <a14:useLocalDpi xmlns:a14="http://schemas.microsoft.com/office/drawing/2010/main" val="0"/>
+              </a:ext>
+            </a:extLst>
+          </a:blip>
+          <a:stretch>
+            <a:fillRect/>
+          </a:stretch>
+        </p:blipFill>
+        <p:spPr bwMode="auto">
+          <a:xfrm>
+            <a:off x="2051720" y="3841397"/>
+            <a:ext cx="4827898" cy="2936996"/>
+          </a:xfrm>
+          <a:prstGeom prst="rect">
+            <a:avLst/>
+          </a:prstGeom>
+          <a:noFill/>
+          <a:ln>
+            <a:noFill/>
+          </a:ln>
+          <a:extLst>
+            <a:ext uri="{909E8E84-426E-40DD-AFC4-6F175D3DCCD1}">
+              <a14:hiddenFill xmlns:a14="http://schemas.microsoft.com/office/drawing/2010/main">
+                <a:solidFill>
+                  <a:schemeClr val="accent1"/>
+                </a:solidFill>
+              </a14:hiddenFill>
+            </a:ext>
+            <a:ext uri="{91240B29-F687-4F45-9708-019B960494DF}">
+              <a14:hiddenLine xmlns:a14="http://schemas.microsoft.com/office/drawing/2010/main" w="9525">
+                <a:solidFill>
+                  <a:schemeClr val="tx1"/>
+                </a:solidFill>
+                <a:miter lim="800000"/>
+                <a:headEnd/>
+                <a:tailEnd/>
+              </a14:hiddenLine>
+            </a:ext>
+          </a:extLst>
+        </p:spPr>
+      </p:pic>
+      <p:sp>
+        <p:nvSpPr>
+          <p:cNvPr id="5" name="Rectangle 2">
+            <a:extLst>
+              <a:ext uri="{FF2B5EF4-FFF2-40B4-BE49-F238E27FC236}">
+                <a16:creationId xmlns:a16="http://schemas.microsoft.com/office/drawing/2014/main" id="{C53CB8A4-EEC3-42D0-AE92-C56BE851709A}"/>
+              </a:ext>
+            </a:extLst>
+          </p:cNvPr>
+          <p:cNvSpPr txBox="1">
+            <a:spLocks noChangeArrowheads="1"/>
+          </p:cNvSpPr>
+          <p:nvPr/>
+        </p:nvSpPr>
+        <p:spPr>
+          <a:xfrm>
+            <a:off x="331626" y="410584"/>
+            <a:ext cx="8480747" cy="720672"/>
+          </a:xfrm>
+          <a:prstGeom prst="rect">
+            <a:avLst/>
+          </a:prstGeom>
+        </p:spPr>
+        <p:txBody>
+          <a:bodyPr vert="horz" lIns="91440" tIns="45720" rIns="91440" bIns="45720" rtlCol="0" anchor="ctr">
+            <a:normAutofit fontScale="90000" lnSpcReduction="20000"/>
+          </a:bodyPr>
+          <a:lstStyle>
+            <a:lvl1pPr algn="ctr" defTabSz="914400" rtl="0" eaLnBrk="1" latinLnBrk="0" hangingPunct="1">
+              <a:spcBef>
+                <a:spcPct val="0"/>
+              </a:spcBef>
+              <a:buNone/>
+              <a:defRPr sz="4400" kern="1200">
+                <a:solidFill>
+                  <a:schemeClr val="tx1"/>
+                </a:solidFill>
+                <a:latin typeface="+mj-lt"/>
+                <a:ea typeface="+mj-ea"/>
+                <a:cs typeface="+mj-cs"/>
+              </a:defRPr>
+            </a:lvl1pPr>
+          </a:lstStyle>
+          <a:p>
+            <a:pPr>
+              <a:defRPr/>
+            </a:pPr>
+            <a:r>
+              <a:rPr lang="es-ES" sz="3200" b="1" dirty="0">
+                <a:solidFill>
+                  <a:schemeClr val="accent4">
+                    <a:lumMod val="50000"/>
+                  </a:schemeClr>
+                </a:solidFill>
+                <a:effectLst>
+                  <a:outerShdw blurRad="38100" dist="38100" dir="2700000" algn="tl">
+                    <a:srgbClr val="C0C0C0"/>
+                  </a:outerShdw>
+                </a:effectLst>
+                <a:latin typeface="Dom Casual" charset="0"/>
+              </a:rPr>
+              <a:t>Configuración del protocolo OSPF</a:t>
+            </a:r>
+            <a:br>
+              <a:rPr lang="es-ES" dirty="0"/>
+            </a:br>
+            <a:endParaRPr lang="es-ES" sz="2200" b="1" dirty="0">
+              <a:solidFill>
+                <a:schemeClr val="accent6">
+                  <a:lumMod val="75000"/>
+                </a:schemeClr>
+              </a:solidFill>
+              <a:cs typeface="Arial" pitchFamily="34" charset="0"/>
+            </a:endParaRPr>
+          </a:p>
+        </p:txBody>
+      </p:sp>
+      <p:pic>
+        <p:nvPicPr>
+          <p:cNvPr id="6" name="Imagen 5">
+            <a:extLst>
+              <a:ext uri="{FF2B5EF4-FFF2-40B4-BE49-F238E27FC236}">
+                <a16:creationId xmlns:a16="http://schemas.microsoft.com/office/drawing/2014/main" id="{0DB08AE1-16B9-403E-9E78-11EA2DAB86D4}"/>
+              </a:ext>
+            </a:extLst>
+          </p:cNvPr>
+          <p:cNvPicPr>
+            <a:picLocks noChangeAspect="1"/>
+          </p:cNvPicPr>
+          <p:nvPr/>
+        </p:nvPicPr>
+        <p:blipFill>
+          <a:blip r:embed="rId4"/>
+          <a:stretch>
+            <a:fillRect/>
+          </a:stretch>
+        </p:blipFill>
+        <p:spPr>
+          <a:xfrm>
+            <a:off x="629815" y="2610604"/>
+            <a:ext cx="7884368" cy="1063473"/>
+          </a:xfrm>
+          <a:prstGeom prst="rect">
+            <a:avLst/>
+          </a:prstGeom>
+        </p:spPr>
+      </p:pic>
+      <p:sp>
+        <p:nvSpPr>
+          <p:cNvPr id="7" name="CuadroTexto 6">
+            <a:extLst>
+              <a:ext uri="{FF2B5EF4-FFF2-40B4-BE49-F238E27FC236}">
+                <a16:creationId xmlns:a16="http://schemas.microsoft.com/office/drawing/2014/main" id="{9FA714CE-BEA9-4A6E-A3BA-B8C719B6626F}"/>
+              </a:ext>
+            </a:extLst>
+          </p:cNvPr>
+          <p:cNvSpPr txBox="1"/>
+          <p:nvPr/>
+        </p:nvSpPr>
+        <p:spPr>
+          <a:xfrm>
+            <a:off x="1259632" y="2017350"/>
+            <a:ext cx="2343847" cy="369332"/>
+          </a:xfrm>
+          <a:prstGeom prst="rect">
+            <a:avLst/>
+          </a:prstGeom>
+          <a:noFill/>
+        </p:spPr>
+        <p:txBody>
+          <a:bodyPr wrap="none" rtlCol="0">
+            <a:spAutoFit/>
+          </a:bodyPr>
+          <a:lstStyle/>
+          <a:p>
+            <a:r>
+              <a:rPr lang="es-MX" b="1" dirty="0" err="1">
+                <a:solidFill>
+                  <a:schemeClr val="accent6">
+                    <a:lumMod val="75000"/>
+                  </a:schemeClr>
+                </a:solidFill>
+              </a:rPr>
+              <a:t>router</a:t>
+            </a:r>
+            <a:r>
+              <a:rPr lang="es-MX" b="1" dirty="0">
+                <a:solidFill>
+                  <a:schemeClr val="accent6">
+                    <a:lumMod val="75000"/>
+                  </a:schemeClr>
+                </a:solidFill>
+              </a:rPr>
+              <a:t> </a:t>
+            </a:r>
+            <a:r>
+              <a:rPr lang="es-MX" b="1" dirty="0" err="1">
+                <a:solidFill>
+                  <a:schemeClr val="accent6">
+                    <a:lumMod val="75000"/>
+                  </a:schemeClr>
+                </a:solidFill>
+              </a:rPr>
+              <a:t>ospf</a:t>
+            </a:r>
+            <a:r>
+              <a:rPr lang="es-MX" b="1" dirty="0">
+                <a:solidFill>
+                  <a:schemeClr val="accent6">
+                    <a:lumMod val="75000"/>
+                  </a:schemeClr>
+                </a:solidFill>
+              </a:rPr>
+              <a:t> </a:t>
+            </a:r>
+            <a:r>
+              <a:rPr lang="es-MX" b="1" dirty="0" err="1">
+                <a:solidFill>
+                  <a:schemeClr val="accent6">
+                    <a:lumMod val="75000"/>
+                  </a:schemeClr>
+                </a:solidFill>
+              </a:rPr>
+              <a:t>process_ID</a:t>
+            </a:r>
+            <a:endParaRPr lang="es-MX" b="1" dirty="0">
+              <a:solidFill>
+                <a:schemeClr val="accent6">
+                  <a:lumMod val="75000"/>
+                </a:schemeClr>
+              </a:solidFill>
+            </a:endParaRPr>
+          </a:p>
+        </p:txBody>
+      </p:sp>
+      <p:sp>
+        <p:nvSpPr>
+          <p:cNvPr id="9" name="CuadroTexto 8">
+            <a:extLst>
+              <a:ext uri="{FF2B5EF4-FFF2-40B4-BE49-F238E27FC236}">
+                <a16:creationId xmlns:a16="http://schemas.microsoft.com/office/drawing/2014/main" id="{BB0A69D0-1D6D-4DED-A457-3EBA2B6A6A27}"/>
+              </a:ext>
+            </a:extLst>
+          </p:cNvPr>
+          <p:cNvSpPr txBox="1"/>
+          <p:nvPr/>
+        </p:nvSpPr>
+        <p:spPr>
+          <a:xfrm>
+            <a:off x="543600" y="1079664"/>
+            <a:ext cx="8348880" cy="923330"/>
+          </a:xfrm>
+          <a:prstGeom prst="rect">
+            <a:avLst/>
+          </a:prstGeom>
+          <a:noFill/>
+        </p:spPr>
+        <p:txBody>
+          <a:bodyPr wrap="square" rtlCol="0">
+            <a:spAutoFit/>
+          </a:bodyPr>
+          <a:lstStyle/>
+          <a:p>
+            <a:r>
+              <a:rPr lang="es-ES" dirty="0"/>
+              <a:t>Para habilitar OSPF en un ruteador Cisco, se requieren las siguientes tareas:</a:t>
+            </a:r>
+          </a:p>
+          <a:p>
+            <a:endParaRPr lang="es-ES" dirty="0"/>
+          </a:p>
+          <a:p>
+            <a:r>
+              <a:rPr lang="es-ES" b="1" dirty="0">
+                <a:solidFill>
+                  <a:srgbClr val="FF0000"/>
+                </a:solidFill>
+              </a:rPr>
+              <a:t>Paso 1. </a:t>
+            </a:r>
+            <a:r>
+              <a:rPr lang="es-ES" dirty="0"/>
+              <a:t>Utilice el </a:t>
+            </a:r>
+            <a:r>
+              <a:rPr lang="es-ES" b="1" dirty="0"/>
+              <a:t>ID de proceso</a:t>
+            </a:r>
+            <a:r>
+              <a:rPr lang="es-ES" dirty="0"/>
+              <a:t> (</a:t>
+            </a:r>
+            <a:r>
+              <a:rPr lang="es-MX" dirty="0"/>
+              <a:t>1 - 65535)</a:t>
+            </a:r>
+            <a:r>
+              <a:rPr lang="es-ES" dirty="0"/>
+              <a:t> del comando </a:t>
+            </a:r>
+            <a:r>
+              <a:rPr lang="es-ES" b="1" dirty="0" err="1"/>
+              <a:t>router</a:t>
+            </a:r>
+            <a:r>
+              <a:rPr lang="es-ES" b="1" dirty="0"/>
+              <a:t> </a:t>
+            </a:r>
+            <a:r>
+              <a:rPr lang="es-ES" b="1" dirty="0" err="1"/>
+              <a:t>ospf</a:t>
+            </a:r>
+            <a:r>
+              <a:rPr lang="es-ES" b="1" dirty="0"/>
+              <a:t> </a:t>
+            </a:r>
+            <a:r>
+              <a:rPr lang="es-ES" dirty="0"/>
+              <a:t>para iniciar </a:t>
+            </a:r>
+            <a:r>
+              <a:rPr lang="es-ES" b="1" dirty="0"/>
+              <a:t>OSPF</a:t>
+            </a:r>
+            <a:r>
+              <a:rPr lang="es-ES" dirty="0"/>
+              <a:t>.</a:t>
+            </a:r>
+            <a:endParaRPr lang="es-MX" dirty="0"/>
+          </a:p>
+        </p:txBody>
+      </p:sp>
+    </p:spTree>
+    <p:extLst>
+      <p:ext uri="{BB962C8B-B14F-4D97-AF65-F5344CB8AC3E}">
+        <p14:creationId xmlns:p14="http://schemas.microsoft.com/office/powerpoint/2010/main" val="146335816"/>
+      </p:ext>
+    </p:extLst>
+  </p:cSld>
+  <p:clrMapOvr>
+    <a:masterClrMapping/>
+  </p:clrMapOvr>
+  <p:transition spd="med">
+    <p:wipe dir="r"/>
+  </p:transition>
+</p:sld>
+</file>
+
+<file path=ppt/slides/slide14.xml><?xml version="1.0" encoding="utf-8"?>
+<p:sld xmlns:a="http://schemas.openxmlformats.org/drawingml/2006/main" xmlns:r="http://schemas.openxmlformats.org/officeDocument/2006/relationships" xmlns:p="http://schemas.openxmlformats.org/presentationml/2006/main">
+  <p:cSld>
+    <p:spTree>
+      <p:nvGrpSpPr>
+        <p:cNvPr id="1" name=""/>
+        <p:cNvGrpSpPr/>
+        <p:nvPr/>
+      </p:nvGrpSpPr>
+      <p:grpSpPr>
+        <a:xfrm>
+          <a:off x="0" y="0"/>
+          <a:ext cx="0" cy="0"/>
+          <a:chOff x="0" y="0"/>
+          <a:chExt cx="0" cy="0"/>
+        </a:xfrm>
+      </p:grpSpPr>
+      <p:sp>
+        <p:nvSpPr>
+          <p:cNvPr id="8194" name="Rectangle 2"/>
+          <p:cNvSpPr>
+            <a:spLocks noGrp="1" noChangeArrowheads="1"/>
+          </p:cNvSpPr>
+          <p:nvPr>
+            <p:ph type="title"/>
+          </p:nvPr>
+        </p:nvSpPr>
+        <p:spPr>
+          <a:xfrm>
+            <a:off x="338400" y="493200"/>
+            <a:ext cx="8456613" cy="885372"/>
+          </a:xfrm>
+        </p:spPr>
+        <p:txBody>
+          <a:bodyPr/>
+          <a:lstStyle/>
+          <a:p>
+            <a:pPr eaLnBrk="1" hangingPunct="1">
+              <a:tabLst>
+                <a:tab pos="4803775" algn="l"/>
+              </a:tabLst>
+              <a:defRPr/>
+            </a:pPr>
+            <a:r>
+              <a:rPr lang="es-ES" sz="1800" dirty="0"/>
+              <a:t>Configurar el protocolo RIP</a:t>
+            </a:r>
+            <a:br>
+              <a:rPr dirty="0"/>
+            </a:br>
+            <a:r>
+              <a:rPr lang="es-ES" sz="2800" dirty="0"/>
+              <a:t>Verificar el ruteo RIP</a:t>
+            </a:r>
+          </a:p>
+        </p:txBody>
+      </p:sp>
+      <p:pic>
+        <p:nvPicPr>
+          <p:cNvPr id="22530" name="Picture 2"/>
+          <p:cNvPicPr>
+            <a:picLocks noChangeAspect="1" noChangeArrowheads="1"/>
+          </p:cNvPicPr>
+          <p:nvPr/>
+        </p:nvPicPr>
+        <p:blipFill>
+          <a:blip r:embed="rId3" cstate="email">
+            <a:extLst>
+              <a:ext uri="{28A0092B-C50C-407E-A947-70E740481C1C}">
+                <a14:useLocalDpi xmlns:a14="http://schemas.microsoft.com/office/drawing/2010/main" val="0"/>
+              </a:ext>
+            </a:extLst>
+          </a:blip>
+          <a:stretch>
+            <a:fillRect/>
+          </a:stretch>
+        </p:blipFill>
+        <p:spPr bwMode="auto">
+          <a:xfrm>
+            <a:off x="148191" y="1517531"/>
+            <a:ext cx="3828639" cy="3822938"/>
+          </a:xfrm>
+          <a:prstGeom prst="rect">
+            <a:avLst/>
+          </a:prstGeom>
+          <a:noFill/>
+          <a:ln>
+            <a:noFill/>
+          </a:ln>
+          <a:extLst>
+            <a:ext uri="{909E8E84-426E-40DD-AFC4-6F175D3DCCD1}">
+              <a14:hiddenFill xmlns:a14="http://schemas.microsoft.com/office/drawing/2010/main">
+                <a:solidFill>
+                  <a:schemeClr val="accent1"/>
+                </a:solidFill>
+              </a14:hiddenFill>
+            </a:ext>
+            <a:ext uri="{91240B29-F687-4F45-9708-019B960494DF}">
+              <a14:hiddenLine xmlns:a14="http://schemas.microsoft.com/office/drawing/2010/main" w="9525">
+                <a:solidFill>
+                  <a:schemeClr val="tx1"/>
+                </a:solidFill>
+                <a:miter lim="800000"/>
+                <a:headEnd/>
+                <a:tailEnd/>
+              </a14:hiddenLine>
+            </a:ext>
+          </a:extLst>
+        </p:spPr>
+      </p:pic>
+      <p:pic>
+        <p:nvPicPr>
+          <p:cNvPr id="22531" name="Picture 3"/>
+          <p:cNvPicPr>
+            <a:picLocks noChangeAspect="1" noChangeArrowheads="1"/>
+          </p:cNvPicPr>
+          <p:nvPr/>
+        </p:nvPicPr>
+        <p:blipFill>
+          <a:blip r:embed="rId4">
+            <a:extLst>
+              <a:ext uri="{28A0092B-C50C-407E-A947-70E740481C1C}">
+                <a14:useLocalDpi xmlns:a14="http://schemas.microsoft.com/office/drawing/2010/main" val="0"/>
+              </a:ext>
+            </a:extLst>
+          </a:blip>
+          <a:stretch>
+            <a:fillRect/>
+          </a:stretch>
+        </p:blipFill>
+        <p:spPr bwMode="auto">
+          <a:xfrm>
+            <a:off x="4394014" y="4609832"/>
+            <a:ext cx="4171950" cy="2000249"/>
+          </a:xfrm>
+          <a:prstGeom prst="rect">
+            <a:avLst/>
+          </a:prstGeom>
+          <a:noFill/>
+          <a:ln>
+            <a:noFill/>
+          </a:ln>
+          <a:extLst>
+            <a:ext uri="{909E8E84-426E-40DD-AFC4-6F175D3DCCD1}">
+              <a14:hiddenFill xmlns:a14="http://schemas.microsoft.com/office/drawing/2010/main">
+                <a:solidFill>
+                  <a:schemeClr val="accent1"/>
+                </a:solidFill>
+              </a14:hiddenFill>
+            </a:ext>
+            <a:ext uri="{91240B29-F687-4F45-9708-019B960494DF}">
+              <a14:hiddenLine xmlns:a14="http://schemas.microsoft.com/office/drawing/2010/main" w="9525">
+                <a:solidFill>
+                  <a:schemeClr val="tx1"/>
+                </a:solidFill>
+                <a:miter lim="800000"/>
+                <a:headEnd/>
+                <a:tailEnd/>
+              </a14:hiddenLine>
+            </a:ext>
+          </a:extLst>
+        </p:spPr>
+      </p:pic>
+      <p:pic>
+        <p:nvPicPr>
+          <p:cNvPr id="5" name="Picture 3">
+            <a:extLst>
+              <a:ext uri="{FF2B5EF4-FFF2-40B4-BE49-F238E27FC236}">
+                <a16:creationId xmlns:a16="http://schemas.microsoft.com/office/drawing/2014/main" id="{8F6D4568-04C0-43AF-9D84-79E8C091ED13}"/>
+              </a:ext>
+            </a:extLst>
+          </p:cNvPr>
+          <p:cNvPicPr>
+            <a:picLocks noChangeAspect="1" noChangeArrowheads="1"/>
+          </p:cNvPicPr>
+          <p:nvPr/>
+        </p:nvPicPr>
+        <p:blipFill>
+          <a:blip r:embed="rId5" cstate="email">
+            <a:extLst>
+              <a:ext uri="{28A0092B-C50C-407E-A947-70E740481C1C}">
+                <a14:useLocalDpi xmlns:a14="http://schemas.microsoft.com/office/drawing/2010/main" val="0"/>
+              </a:ext>
+            </a:extLst>
+          </a:blip>
+          <a:stretch>
+            <a:fillRect/>
+          </a:stretch>
+        </p:blipFill>
+        <p:spPr bwMode="auto">
+          <a:xfrm>
+            <a:off x="3976830" y="1525704"/>
+            <a:ext cx="4827898" cy="2936996"/>
+          </a:xfrm>
+          <a:prstGeom prst="rect">
+            <a:avLst/>
+          </a:prstGeom>
+          <a:noFill/>
+          <a:ln>
+            <a:noFill/>
+          </a:ln>
+          <a:extLst>
+            <a:ext uri="{909E8E84-426E-40DD-AFC4-6F175D3DCCD1}">
+              <a14:hiddenFill xmlns:a14="http://schemas.microsoft.com/office/drawing/2010/main">
+                <a:solidFill>
+                  <a:schemeClr val="accent1"/>
+                </a:solidFill>
+              </a14:hiddenFill>
+            </a:ext>
+            <a:ext uri="{91240B29-F687-4F45-9708-019B960494DF}">
+              <a14:hiddenLine xmlns:a14="http://schemas.microsoft.com/office/drawing/2010/main" w="9525">
+                <a:solidFill>
+                  <a:schemeClr val="tx1"/>
+                </a:solidFill>
+                <a:miter lim="800000"/>
+                <a:headEnd/>
+                <a:tailEnd/>
+              </a14:hiddenLine>
+            </a:ext>
+          </a:extLst>
+        </p:spPr>
+      </p:pic>
+    </p:spTree>
+    <p:extLst>
+      <p:ext uri="{BB962C8B-B14F-4D97-AF65-F5344CB8AC3E}">
+        <p14:creationId xmlns:p14="http://schemas.microsoft.com/office/powerpoint/2010/main" val="1950508862"/>
+      </p:ext>
+    </p:extLst>
+  </p:cSld>
+  <p:clrMapOvr>
+    <a:masterClrMapping/>
+  </p:clrMapOvr>
+  <p:transition spd="med">
+    <p:wipe dir="r"/>
+  </p:transition>
+</p:sld>
+</file>
+
+<file path=ppt/slides/slide15.xml><?xml version="1.0" encoding="utf-8"?>
+<p:sld xmlns:a="http://schemas.openxmlformats.org/drawingml/2006/main" xmlns:r="http://schemas.openxmlformats.org/officeDocument/2006/relationships" xmlns:p="http://schemas.openxmlformats.org/presentationml/2006/main">
+  <p:cSld>
+    <p:spTree>
+      <p:nvGrpSpPr>
+        <p:cNvPr id="1" name=""/>
+        <p:cNvGrpSpPr/>
+        <p:nvPr/>
+      </p:nvGrpSpPr>
+      <p:grpSpPr>
+        <a:xfrm>
+          <a:off x="0" y="0"/>
+          <a:ext cx="0" cy="0"/>
+          <a:chOff x="0" y="0"/>
+          <a:chExt cx="0" cy="0"/>
+        </a:xfrm>
+      </p:grpSpPr>
+      <p:sp>
+        <p:nvSpPr>
+          <p:cNvPr id="8194" name="Rectangle 2"/>
+          <p:cNvSpPr>
+            <a:spLocks noGrp="1" noChangeArrowheads="1"/>
+          </p:cNvSpPr>
+          <p:nvPr>
+            <p:ph type="title"/>
+          </p:nvPr>
+        </p:nvSpPr>
+        <p:spPr>
+          <a:xfrm>
+            <a:off x="338400" y="493200"/>
+            <a:ext cx="8456613" cy="885372"/>
+          </a:xfrm>
+        </p:spPr>
+        <p:txBody>
+          <a:bodyPr/>
+          <a:lstStyle/>
+          <a:p>
+            <a:pPr eaLnBrk="1" hangingPunct="1">
+              <a:tabLst>
+                <a:tab pos="4803775" algn="l"/>
+              </a:tabLst>
+              <a:defRPr/>
+            </a:pPr>
+            <a:r>
+              <a:rPr lang="es-ES" sz="1800" dirty="0"/>
+              <a:t>Configurar el protocolo RIP</a:t>
+            </a:r>
+            <a:br>
+              <a:rPr dirty="0"/>
+            </a:br>
+            <a:r>
+              <a:rPr lang="es-ES" sz="2800" dirty="0"/>
+              <a:t>Habilitar y verificar RIPv2</a:t>
+            </a:r>
+          </a:p>
+        </p:txBody>
+      </p:sp>
+      <p:pic>
+        <p:nvPicPr>
+          <p:cNvPr id="23554" name="Picture 2"/>
+          <p:cNvPicPr>
+            <a:picLocks noChangeAspect="1" noChangeArrowheads="1"/>
+          </p:cNvPicPr>
+          <p:nvPr/>
+        </p:nvPicPr>
+        <p:blipFill>
+          <a:blip r:embed="rId3">
+            <a:extLst>
+              <a:ext uri="{28A0092B-C50C-407E-A947-70E740481C1C}">
+                <a14:useLocalDpi xmlns:a14="http://schemas.microsoft.com/office/drawing/2010/main" val="0"/>
+              </a:ext>
+            </a:extLst>
+          </a:blip>
+          <a:stretch>
+            <a:fillRect/>
+          </a:stretch>
+        </p:blipFill>
+        <p:spPr bwMode="auto">
+          <a:xfrm>
+            <a:off x="1533211" y="1472631"/>
+            <a:ext cx="6077578" cy="5385369"/>
+          </a:xfrm>
+          <a:prstGeom prst="rect">
+            <a:avLst/>
+          </a:prstGeom>
+          <a:noFill/>
+          <a:ln>
+            <a:noFill/>
+          </a:ln>
+          <a:extLst>
+            <a:ext uri="{909E8E84-426E-40DD-AFC4-6F175D3DCCD1}">
+              <a14:hiddenFill xmlns:a14="http://schemas.microsoft.com/office/drawing/2010/main">
+                <a:solidFill>
+                  <a:schemeClr val="accent1"/>
+                </a:solidFill>
+              </a14:hiddenFill>
+            </a:ext>
+            <a:ext uri="{91240B29-F687-4F45-9708-019B960494DF}">
+              <a14:hiddenLine xmlns:a14="http://schemas.microsoft.com/office/drawing/2010/main" w="9525">
+                <a:solidFill>
+                  <a:schemeClr val="tx1"/>
+                </a:solidFill>
+                <a:miter lim="800000"/>
+                <a:headEnd/>
+                <a:tailEnd/>
+              </a14:hiddenLine>
+            </a:ext>
+          </a:extLst>
+        </p:spPr>
+      </p:pic>
+    </p:spTree>
+    <p:extLst>
+      <p:ext uri="{BB962C8B-B14F-4D97-AF65-F5344CB8AC3E}">
+        <p14:creationId xmlns:p14="http://schemas.microsoft.com/office/powerpoint/2010/main" val="3220176112"/>
+      </p:ext>
+    </p:extLst>
+  </p:cSld>
+  <p:clrMapOvr>
+    <a:masterClrMapping/>
+  </p:clrMapOvr>
+  <p:transition spd="med">
+    <p:wipe dir="r"/>
+  </p:transition>
+</p:sld>
+</file>
+
+<file path=ppt/slides/slide16.xml><?xml version="1.0" encoding="utf-8"?>
+<p:sld xmlns:a="http://schemas.openxmlformats.org/drawingml/2006/main" xmlns:r="http://schemas.openxmlformats.org/officeDocument/2006/relationships" xmlns:p="http://schemas.openxmlformats.org/presentationml/2006/main">
+  <p:cSld>
+    <p:spTree>
+      <p:nvGrpSpPr>
+        <p:cNvPr id="1" name=""/>
+        <p:cNvGrpSpPr/>
+        <p:nvPr/>
+      </p:nvGrpSpPr>
+      <p:grpSpPr>
+        <a:xfrm>
+          <a:off x="0" y="0"/>
+          <a:ext cx="0" cy="0"/>
+          <a:chOff x="0" y="0"/>
+          <a:chExt cx="0" cy="0"/>
+        </a:xfrm>
+      </p:grpSpPr>
+      <p:sp>
+        <p:nvSpPr>
+          <p:cNvPr id="8194" name="Rectangle 2"/>
+          <p:cNvSpPr>
+            <a:spLocks noGrp="1" noChangeArrowheads="1"/>
+          </p:cNvSpPr>
+          <p:nvPr>
+            <p:ph type="title"/>
+          </p:nvPr>
+        </p:nvSpPr>
+        <p:spPr>
+          <a:xfrm>
+            <a:off x="339725" y="493200"/>
+            <a:ext cx="8456613" cy="871538"/>
+          </a:xfrm>
+        </p:spPr>
+        <p:txBody>
+          <a:bodyPr/>
+          <a:lstStyle/>
+          <a:p>
+            <a:pPr eaLnBrk="1" hangingPunct="1">
+              <a:tabLst>
+                <a:tab pos="4803775" algn="l"/>
+              </a:tabLst>
+              <a:defRPr/>
+            </a:pPr>
+            <a:r>
+              <a:rPr lang="es-ES" sz="1800" dirty="0"/>
+              <a:t>Configurar el protocolo RIP</a:t>
+            </a:r>
+            <a:br>
+              <a:rPr dirty="0"/>
+            </a:br>
+            <a:r>
+              <a:rPr lang="es-ES" sz="2800" dirty="0"/>
+              <a:t>Deshabilitar la sumarización automática</a:t>
+            </a:r>
+          </a:p>
+        </p:txBody>
+      </p:sp>
+      <p:sp>
+        <p:nvSpPr>
+          <p:cNvPr id="5" name="TextBox 4"/>
+          <p:cNvSpPr txBox="1"/>
+          <p:nvPr/>
+        </p:nvSpPr>
+        <p:spPr>
+          <a:xfrm>
+            <a:off x="184178" y="1459743"/>
+            <a:ext cx="8959821" cy="694229"/>
+          </a:xfrm>
+          <a:prstGeom prst="rect">
+            <a:avLst/>
+          </a:prstGeom>
+          <a:noFill/>
+        </p:spPr>
+        <p:txBody>
+          <a:bodyPr wrap="square" rtlCol="0">
+            <a:spAutoFit/>
+          </a:bodyPr>
+          <a:lstStyle/>
+          <a:p>
+            <a:pPr marL="342900" indent="-342900" algn="l">
+              <a:lnSpc>
+                <a:spcPts val="2500"/>
+              </a:lnSpc>
+              <a:spcBef>
+                <a:spcPts val="600"/>
+              </a:spcBef>
+              <a:buClr>
+                <a:schemeClr val="accent5">
+                  <a:lumMod val="75000"/>
+                </a:schemeClr>
+              </a:buClr>
+              <a:buFont typeface="Wingdings" pitchFamily="2" charset="2"/>
+              <a:buChar char="§"/>
+            </a:pPr>
+            <a:r>
+              <a:rPr lang="es-ES" sz="1500" dirty="0">
+                <a:latin typeface="+mn-lt"/>
+              </a:rPr>
+              <a:t>En forma similar a RIPv1, RIPv2 resume automáticamente las redes principales de manera predeterminada.</a:t>
+            </a:r>
+            <a:endParaRPr lang="es-ES" sz="1500" dirty="0"/>
+          </a:p>
+        </p:txBody>
+      </p:sp>
+      <p:pic>
+        <p:nvPicPr>
+          <p:cNvPr id="2" name="Imagen 1">
+            <a:extLst>
+              <a:ext uri="{FF2B5EF4-FFF2-40B4-BE49-F238E27FC236}">
+                <a16:creationId xmlns:a16="http://schemas.microsoft.com/office/drawing/2014/main" id="{07A95280-3436-43CB-9AC9-5C2D40A79422}"/>
+              </a:ext>
+            </a:extLst>
+          </p:cNvPr>
+          <p:cNvPicPr>
+            <a:picLocks noChangeAspect="1"/>
+          </p:cNvPicPr>
+          <p:nvPr/>
+        </p:nvPicPr>
+        <p:blipFill>
+          <a:blip r:embed="rId3"/>
+          <a:stretch>
+            <a:fillRect/>
+          </a:stretch>
+        </p:blipFill>
+        <p:spPr>
+          <a:xfrm>
+            <a:off x="5399062" y="1920815"/>
+            <a:ext cx="3560760" cy="4382919"/>
+          </a:xfrm>
+          <a:prstGeom prst="rect">
+            <a:avLst/>
+          </a:prstGeom>
+        </p:spPr>
+      </p:pic>
+      <p:sp>
+        <p:nvSpPr>
+          <p:cNvPr id="6" name="TextBox 4">
+            <a:extLst>
+              <a:ext uri="{FF2B5EF4-FFF2-40B4-BE49-F238E27FC236}">
+                <a16:creationId xmlns:a16="http://schemas.microsoft.com/office/drawing/2014/main" id="{C4FAFF53-8C63-42F1-ACA0-8BA6C1EFDA27}"/>
+              </a:ext>
+            </a:extLst>
+          </p:cNvPr>
+          <p:cNvSpPr txBox="1"/>
+          <p:nvPr/>
+        </p:nvSpPr>
+        <p:spPr>
+          <a:xfrm>
+            <a:off x="184178" y="2198508"/>
+            <a:ext cx="5214884" cy="4105226"/>
+          </a:xfrm>
+          <a:prstGeom prst="rect">
+            <a:avLst/>
+          </a:prstGeom>
+          <a:noFill/>
+        </p:spPr>
+        <p:txBody>
+          <a:bodyPr wrap="square" rtlCol="0">
+            <a:spAutoFit/>
+          </a:bodyPr>
+          <a:lstStyle/>
+          <a:p>
+            <a:pPr marL="342900" indent="-342900" algn="l">
+              <a:lnSpc>
+                <a:spcPts val="2500"/>
+              </a:lnSpc>
+              <a:spcBef>
+                <a:spcPts val="600"/>
+              </a:spcBef>
+              <a:buClr>
+                <a:schemeClr val="accent5">
+                  <a:lumMod val="75000"/>
+                </a:schemeClr>
+              </a:buClr>
+              <a:buFont typeface="Wingdings" pitchFamily="2" charset="2"/>
+              <a:buChar char="§"/>
+            </a:pPr>
+            <a:r>
+              <a:rPr lang="es-ES" sz="1500" dirty="0">
+                <a:latin typeface="+mn-lt"/>
+              </a:rPr>
+              <a:t>Para modificar el comportamiento predeterminado de sumarización automática de RIPv2, utilice el comando</a:t>
+            </a:r>
+            <a:r>
+              <a:rPr lang="es-ES" sz="1500" b="1" dirty="0">
+                <a:latin typeface="+mn-lt"/>
+              </a:rPr>
+              <a:t> no auto-summary</a:t>
+            </a:r>
+            <a:r>
+              <a:rPr lang="es-ES" sz="1500" dirty="0">
+                <a:latin typeface="+mn-lt"/>
+              </a:rPr>
+              <a:t>. Este comando no tiene ningún efecto cuando se utiliza RIPv1.</a:t>
+            </a:r>
+          </a:p>
+          <a:p>
+            <a:pPr marL="342900" indent="-342900" algn="l">
+              <a:lnSpc>
+                <a:spcPts val="2500"/>
+              </a:lnSpc>
+              <a:spcBef>
+                <a:spcPts val="600"/>
+              </a:spcBef>
+              <a:buClr>
+                <a:schemeClr val="accent5">
+                  <a:lumMod val="75000"/>
+                </a:schemeClr>
+              </a:buClr>
+              <a:buFont typeface="Wingdings" pitchFamily="2" charset="2"/>
+              <a:buChar char="§"/>
+            </a:pPr>
+            <a:r>
+              <a:rPr lang="es-ES" sz="1500" dirty="0">
+                <a:latin typeface="+mn-lt"/>
+              </a:rPr>
+              <a:t>Cuando se deshabilita la sumarización automática, RIPv2 ya no resume las redes a su dirección con clase en routers fronterizos. RIPv2 ahora incluye todas las subredes y sus máscaras correspondientes en sus actualizaciones de ruteo. </a:t>
+            </a:r>
+          </a:p>
+          <a:p>
+            <a:pPr marL="342900" indent="-342900" algn="l">
+              <a:lnSpc>
+                <a:spcPts val="2500"/>
+              </a:lnSpc>
+              <a:spcBef>
+                <a:spcPts val="600"/>
+              </a:spcBef>
+              <a:buClr>
+                <a:schemeClr val="accent5">
+                  <a:lumMod val="75000"/>
+                </a:schemeClr>
+              </a:buClr>
+              <a:buFont typeface="Wingdings" pitchFamily="2" charset="2"/>
+              <a:buChar char="§"/>
+            </a:pPr>
+            <a:r>
+              <a:rPr lang="es-ES" sz="1500" dirty="0">
+                <a:latin typeface="+mn-lt"/>
+              </a:rPr>
+              <a:t>El comando</a:t>
+            </a:r>
+            <a:r>
+              <a:rPr lang="es-ES" sz="1500" b="1" dirty="0">
+                <a:latin typeface="+mn-lt"/>
+              </a:rPr>
+              <a:t> show ip protocols </a:t>
+            </a:r>
+            <a:r>
+              <a:rPr lang="es-ES" sz="1500" dirty="0">
+                <a:latin typeface="+mn-lt"/>
+              </a:rPr>
+              <a:t>ahora indica que la sumarización automática de redes no tiene efecto.</a:t>
+            </a:r>
+          </a:p>
+          <a:p>
+            <a:pPr marL="342900" indent="-342900" algn="l">
+              <a:buClr>
+                <a:schemeClr val="accent5">
+                  <a:lumMod val="75000"/>
+                </a:schemeClr>
+              </a:buClr>
+              <a:buFont typeface="Wingdings" pitchFamily="2" charset="2"/>
+              <a:buChar char="§"/>
+            </a:pPr>
+            <a:endParaRPr lang="es-ES" dirty="0"/>
+          </a:p>
+        </p:txBody>
+      </p:sp>
+    </p:spTree>
+    <p:extLst>
+      <p:ext uri="{BB962C8B-B14F-4D97-AF65-F5344CB8AC3E}">
+        <p14:creationId xmlns:p14="http://schemas.microsoft.com/office/powerpoint/2010/main" val="417908114"/>
+      </p:ext>
+    </p:extLst>
+  </p:cSld>
+  <p:clrMapOvr>
+    <a:masterClrMapping/>
+  </p:clrMapOvr>
+  <p:transition spd="med">
+    <p:wipe dir="r"/>
+  </p:transition>
+</p:sld>
+</file>
+
+<file path=ppt/slides/slide17.xml><?xml version="1.0" encoding="utf-8"?>
+<p:sld xmlns:a="http://schemas.openxmlformats.org/drawingml/2006/main" xmlns:r="http://schemas.openxmlformats.org/officeDocument/2006/relationships" xmlns:p="http://schemas.openxmlformats.org/presentationml/2006/main">
+  <p:cSld>
+    <p:spTree>
+      <p:nvGrpSpPr>
+        <p:cNvPr id="1" name=""/>
+        <p:cNvGrpSpPr/>
+        <p:nvPr/>
+      </p:nvGrpSpPr>
+      <p:grpSpPr>
+        <a:xfrm>
+          <a:off x="0" y="0"/>
+          <a:ext cx="0" cy="0"/>
+          <a:chOff x="0" y="0"/>
+          <a:chExt cx="0" cy="0"/>
+        </a:xfrm>
+      </p:grpSpPr>
+      <p:sp>
+        <p:nvSpPr>
+          <p:cNvPr id="8194" name="Rectangle 2"/>
+          <p:cNvSpPr>
+            <a:spLocks noGrp="1" noChangeArrowheads="1"/>
+          </p:cNvSpPr>
+          <p:nvPr>
+            <p:ph type="title"/>
+          </p:nvPr>
+        </p:nvSpPr>
+        <p:spPr>
+          <a:xfrm>
+            <a:off x="338400" y="493200"/>
+            <a:ext cx="8456613" cy="885372"/>
+          </a:xfrm>
+        </p:spPr>
+        <p:txBody>
+          <a:bodyPr/>
+          <a:lstStyle/>
+          <a:p>
+            <a:pPr eaLnBrk="1" hangingPunct="1">
+              <a:tabLst>
+                <a:tab pos="4803775" algn="l"/>
+              </a:tabLst>
+              <a:defRPr/>
+            </a:pPr>
+            <a:r>
+              <a:rPr lang="es-ES" sz="1800" dirty="0"/>
+              <a:t>Configurar el protocolo RIP</a:t>
+            </a:r>
+            <a:br>
+              <a:rPr dirty="0"/>
+            </a:br>
+            <a:r>
+              <a:rPr lang="es-ES" sz="2800" dirty="0"/>
+              <a:t>Configurar interfaces pasivas</a:t>
+            </a:r>
+          </a:p>
+        </p:txBody>
+      </p:sp>
+      <p:pic>
+        <p:nvPicPr>
+          <p:cNvPr id="24581" name="Picture 5"/>
+          <p:cNvPicPr>
+            <a:picLocks noChangeAspect="1" noChangeArrowheads="1"/>
+          </p:cNvPicPr>
+          <p:nvPr/>
+        </p:nvPicPr>
+        <p:blipFill>
+          <a:blip r:embed="rId3">
+            <a:extLst>
+              <a:ext uri="{28A0092B-C50C-407E-A947-70E740481C1C}">
+                <a14:useLocalDpi xmlns:a14="http://schemas.microsoft.com/office/drawing/2010/main" val="0"/>
+              </a:ext>
+            </a:extLst>
+          </a:blip>
+          <a:srcRect/>
+          <a:stretch>
+            <a:fillRect/>
+          </a:stretch>
+        </p:blipFill>
+        <p:spPr bwMode="auto">
+          <a:xfrm>
+            <a:off x="4330020" y="3581400"/>
+            <a:ext cx="4257675" cy="3276600"/>
+          </a:xfrm>
+          <a:prstGeom prst="rect">
+            <a:avLst/>
+          </a:prstGeom>
+          <a:noFill/>
+          <a:ln>
+            <a:noFill/>
+          </a:ln>
+          <a:extLst>
+            <a:ext uri="{909E8E84-426E-40DD-AFC4-6F175D3DCCD1}">
+              <a14:hiddenFill xmlns:a14="http://schemas.microsoft.com/office/drawing/2010/main">
+                <a:solidFill>
+                  <a:schemeClr val="accent1"/>
+                </a:solidFill>
+              </a14:hiddenFill>
+            </a:ext>
+            <a:ext uri="{91240B29-F687-4F45-9708-019B960494DF}">
+              <a14:hiddenLine xmlns:a14="http://schemas.microsoft.com/office/drawing/2010/main" w="9525">
+                <a:solidFill>
+                  <a:schemeClr val="tx1"/>
+                </a:solidFill>
+                <a:miter lim="800000"/>
+                <a:headEnd/>
+                <a:tailEnd/>
+              </a14:hiddenLine>
+            </a:ext>
+          </a:extLst>
+        </p:spPr>
+      </p:pic>
+      <p:pic>
+        <p:nvPicPr>
+          <p:cNvPr id="24582" name="Picture 6"/>
+          <p:cNvPicPr>
+            <a:picLocks noChangeAspect="1" noChangeArrowheads="1"/>
+          </p:cNvPicPr>
+          <p:nvPr/>
+        </p:nvPicPr>
+        <p:blipFill>
+          <a:blip r:embed="rId4">
+            <a:extLst>
+              <a:ext uri="{28A0092B-C50C-407E-A947-70E740481C1C}">
+                <a14:useLocalDpi xmlns:a14="http://schemas.microsoft.com/office/drawing/2010/main" val="0"/>
+              </a:ext>
+            </a:extLst>
+          </a:blip>
+          <a:stretch>
+            <a:fillRect/>
+          </a:stretch>
+        </p:blipFill>
+        <p:spPr bwMode="auto">
+          <a:xfrm>
+            <a:off x="396648" y="1728080"/>
+            <a:ext cx="4973638" cy="1951539"/>
+          </a:xfrm>
+          <a:prstGeom prst="rect">
+            <a:avLst/>
+          </a:prstGeom>
+          <a:noFill/>
+          <a:ln>
+            <a:noFill/>
+          </a:ln>
+          <a:extLst>
+            <a:ext uri="{909E8E84-426E-40DD-AFC4-6F175D3DCCD1}">
+              <a14:hiddenFill xmlns:a14="http://schemas.microsoft.com/office/drawing/2010/main">
+                <a:solidFill>
+                  <a:schemeClr val="accent1"/>
+                </a:solidFill>
+              </a14:hiddenFill>
+            </a:ext>
+            <a:ext uri="{91240B29-F687-4F45-9708-019B960494DF}">
+              <a14:hiddenLine xmlns:a14="http://schemas.microsoft.com/office/drawing/2010/main" w="9525">
+                <a:solidFill>
+                  <a:schemeClr val="tx1"/>
+                </a:solidFill>
+                <a:miter lim="800000"/>
+                <a:headEnd/>
+                <a:tailEnd/>
+              </a14:hiddenLine>
+            </a:ext>
+          </a:extLst>
+        </p:spPr>
+      </p:pic>
+      <p:sp>
+        <p:nvSpPr>
+          <p:cNvPr id="2" name="TextBox 1"/>
+          <p:cNvSpPr txBox="1"/>
+          <p:nvPr/>
+        </p:nvSpPr>
+        <p:spPr>
+          <a:xfrm>
+            <a:off x="396648" y="3904343"/>
+            <a:ext cx="3710895" cy="1754326"/>
+          </a:xfrm>
+          <a:prstGeom prst="rect">
+            <a:avLst/>
+          </a:prstGeom>
+          <a:noFill/>
+        </p:spPr>
+        <p:txBody>
+          <a:bodyPr wrap="square" rtlCol="0">
+            <a:spAutoFit/>
+          </a:bodyPr>
+          <a:lstStyle/>
+          <a:p>
+            <a:pPr algn="l"/>
+            <a:r>
+              <a:rPr lang="es-ES" sz="2000" dirty="0"/>
+              <a:t>El envío de actualizaciones innecesarias a una LAN impacta en la red de tres maneras:</a:t>
+            </a:r>
+          </a:p>
+          <a:p>
+            <a:pPr marL="342900" indent="-342900" algn="l">
+              <a:buClr>
+                <a:schemeClr val="accent5">
+                  <a:lumMod val="75000"/>
+                </a:schemeClr>
+              </a:buClr>
+              <a:buFont typeface="Wingdings" pitchFamily="2" charset="2"/>
+              <a:buChar char="§"/>
+            </a:pPr>
+            <a:r>
+              <a:rPr lang="es-ES" sz="2000" dirty="0"/>
+              <a:t>Desperdicio de ancho de banda </a:t>
+            </a:r>
+          </a:p>
+          <a:p>
+            <a:pPr marL="342900" indent="-342900" algn="l">
+              <a:buClr>
+                <a:schemeClr val="accent5">
+                  <a:lumMod val="75000"/>
+                </a:schemeClr>
+              </a:buClr>
+              <a:buFont typeface="Wingdings" pitchFamily="2" charset="2"/>
+              <a:buChar char="§"/>
+            </a:pPr>
+            <a:r>
+              <a:rPr lang="es-ES" sz="2000" dirty="0"/>
+              <a:t>Recursos desperdiciados</a:t>
+            </a:r>
+          </a:p>
+          <a:p>
+            <a:pPr marL="342900" indent="-342900" algn="l">
+              <a:buClr>
+                <a:schemeClr val="accent5">
+                  <a:lumMod val="75000"/>
+                </a:schemeClr>
+              </a:buClr>
+              <a:buFont typeface="Wingdings" pitchFamily="2" charset="2"/>
+              <a:buChar char="§"/>
+            </a:pPr>
+            <a:r>
+              <a:rPr lang="es-ES" sz="2000" dirty="0"/>
+              <a:t>Riesgo de seguridad </a:t>
+            </a:r>
+          </a:p>
+        </p:txBody>
+      </p:sp>
+    </p:spTree>
+    <p:extLst>
+      <p:ext uri="{BB962C8B-B14F-4D97-AF65-F5344CB8AC3E}">
+        <p14:creationId xmlns:p14="http://schemas.microsoft.com/office/powerpoint/2010/main" val="2730322785"/>
+      </p:ext>
+    </p:extLst>
+  </p:cSld>
+  <p:clrMapOvr>
+    <a:masterClrMapping/>
+  </p:clrMapOvr>
+  <p:transition spd="med">
+    <p:wipe dir="r"/>
+  </p:transition>
+</p:sld>
+</file>
+
+<file path=ppt/slides/slide18.xml><?xml version="1.0" encoding="utf-8"?>
+<p:sld xmlns:a="http://schemas.openxmlformats.org/drawingml/2006/main" xmlns:r="http://schemas.openxmlformats.org/officeDocument/2006/relationships" xmlns:p="http://schemas.openxmlformats.org/presentationml/2006/main">
+  <p:cSld>
+    <p:spTree>
+      <p:nvGrpSpPr>
+        <p:cNvPr id="1" name=""/>
+        <p:cNvGrpSpPr/>
+        <p:nvPr/>
+      </p:nvGrpSpPr>
+      <p:grpSpPr>
+        <a:xfrm>
+          <a:off x="0" y="0"/>
+          <a:ext cx="0" cy="0"/>
+          <a:chOff x="0" y="0"/>
+          <a:chExt cx="0" cy="0"/>
+        </a:xfrm>
+      </p:grpSpPr>
+      <p:sp>
+        <p:nvSpPr>
+          <p:cNvPr id="8194" name="Rectangle 2"/>
+          <p:cNvSpPr>
+            <a:spLocks noGrp="1" noChangeArrowheads="1"/>
+          </p:cNvSpPr>
+          <p:nvPr>
+            <p:ph type="title"/>
+          </p:nvPr>
+        </p:nvSpPr>
+        <p:spPr>
+          <a:xfrm>
+            <a:off x="338400" y="493200"/>
+            <a:ext cx="8456613" cy="885372"/>
+          </a:xfrm>
+        </p:spPr>
+        <p:txBody>
+          <a:bodyPr/>
+          <a:lstStyle/>
+          <a:p>
+            <a:pPr eaLnBrk="1" hangingPunct="1">
+              <a:tabLst>
+                <a:tab pos="4803775" algn="l"/>
+              </a:tabLst>
+              <a:defRPr/>
+            </a:pPr>
+            <a:r>
+              <a:rPr lang="es-ES" sz="1800" dirty="0"/>
+              <a:t>Configurar el protocolo RIP</a:t>
+            </a:r>
+            <a:br>
+              <a:rPr dirty="0"/>
+            </a:br>
+            <a:r>
+              <a:rPr lang="es-ES" sz="2800" dirty="0"/>
+              <a:t>Propagar una ruta por default (predeterminada)</a:t>
+            </a:r>
+          </a:p>
+        </p:txBody>
+      </p:sp>
+      <p:pic>
+        <p:nvPicPr>
+          <p:cNvPr id="25602" name="Picture 2"/>
+          <p:cNvPicPr>
+            <a:picLocks noChangeAspect="1" noChangeArrowheads="1"/>
+          </p:cNvPicPr>
+          <p:nvPr/>
+        </p:nvPicPr>
+        <p:blipFill>
+          <a:blip r:embed="rId3">
+            <a:extLst>
+              <a:ext uri="{28A0092B-C50C-407E-A947-70E740481C1C}">
+                <a14:useLocalDpi xmlns:a14="http://schemas.microsoft.com/office/drawing/2010/main" val="0"/>
+              </a:ext>
+            </a:extLst>
+          </a:blip>
+          <a:stretch>
+            <a:fillRect/>
+          </a:stretch>
+        </p:blipFill>
+        <p:spPr bwMode="auto">
+          <a:xfrm>
+            <a:off x="532039" y="1535113"/>
+            <a:ext cx="5157559" cy="1884938"/>
+          </a:xfrm>
+          <a:prstGeom prst="rect">
+            <a:avLst/>
+          </a:prstGeom>
+          <a:noFill/>
+          <a:ln>
+            <a:noFill/>
+          </a:ln>
+          <a:extLst>
+            <a:ext uri="{909E8E84-426E-40DD-AFC4-6F175D3DCCD1}">
+              <a14:hiddenFill xmlns:a14="http://schemas.microsoft.com/office/drawing/2010/main">
+                <a:solidFill>
+                  <a:schemeClr val="accent1"/>
+                </a:solidFill>
+              </a14:hiddenFill>
+            </a:ext>
+            <a:ext uri="{91240B29-F687-4F45-9708-019B960494DF}">
+              <a14:hiddenLine xmlns:a14="http://schemas.microsoft.com/office/drawing/2010/main" w="9525">
+                <a:solidFill>
+                  <a:schemeClr val="tx1"/>
+                </a:solidFill>
+                <a:miter lim="800000"/>
+                <a:headEnd/>
+                <a:tailEnd/>
+              </a14:hiddenLine>
+            </a:ext>
+          </a:extLst>
+        </p:spPr>
+      </p:pic>
+      <p:pic>
+        <p:nvPicPr>
+          <p:cNvPr id="25603" name="Picture 3"/>
+          <p:cNvPicPr>
+            <a:picLocks noChangeAspect="1" noChangeArrowheads="1"/>
+          </p:cNvPicPr>
+          <p:nvPr/>
+        </p:nvPicPr>
+        <p:blipFill>
+          <a:blip r:embed="rId4">
+            <a:extLst>
+              <a:ext uri="{28A0092B-C50C-407E-A947-70E740481C1C}">
+                <a14:useLocalDpi xmlns:a14="http://schemas.microsoft.com/office/drawing/2010/main" val="0"/>
+              </a:ext>
+            </a:extLst>
+          </a:blip>
+          <a:srcRect/>
+          <a:stretch>
+            <a:fillRect/>
+          </a:stretch>
+        </p:blipFill>
+        <p:spPr bwMode="auto">
+          <a:xfrm>
+            <a:off x="4296229" y="3260759"/>
+            <a:ext cx="4393291" cy="3453285"/>
+          </a:xfrm>
+          <a:prstGeom prst="rect">
+            <a:avLst/>
+          </a:prstGeom>
+          <a:noFill/>
+          <a:ln>
+            <a:noFill/>
+          </a:ln>
+          <a:extLst>
+            <a:ext uri="{909E8E84-426E-40DD-AFC4-6F175D3DCCD1}">
+              <a14:hiddenFill xmlns:a14="http://schemas.microsoft.com/office/drawing/2010/main">
+                <a:solidFill>
+                  <a:schemeClr val="accent1"/>
+                </a:solidFill>
+              </a14:hiddenFill>
+            </a:ext>
+            <a:ext uri="{91240B29-F687-4F45-9708-019B960494DF}">
+              <a14:hiddenLine xmlns:a14="http://schemas.microsoft.com/office/drawing/2010/main" w="9525">
+                <a:solidFill>
+                  <a:schemeClr val="tx1"/>
+                </a:solidFill>
+                <a:miter lim="800000"/>
+                <a:headEnd/>
+                <a:tailEnd/>
+              </a14:hiddenLine>
+            </a:ext>
+          </a:extLst>
+        </p:spPr>
+      </p:pic>
+    </p:spTree>
+    <p:extLst>
+      <p:ext uri="{BB962C8B-B14F-4D97-AF65-F5344CB8AC3E}">
+        <p14:creationId xmlns:p14="http://schemas.microsoft.com/office/powerpoint/2010/main" val="85276606"/>
+      </p:ext>
+    </p:extLst>
+  </p:cSld>
+  <p:clrMapOvr>
+    <a:masterClrMapping/>
+  </p:clrMapOvr>
+  <p:transition spd="med">
+    <p:wipe dir="r"/>
+  </p:transition>
+</p:sld>
+</file>
+
+<file path=ppt/slides/slide19.xml><?xml version="1.0" encoding="utf-8"?>
 <p:sld xmlns:a="http://schemas.openxmlformats.org/drawingml/2006/main" xmlns:r="http://schemas.openxmlformats.org/officeDocument/2006/relationships" xmlns:p="http://schemas.openxmlformats.org/presentationml/2006/main">
   <p:cSld>
     <p:spTree>
@@ -4302,7 +11053,219 @@
 </p:sld>
 </file>
 
-<file path=ppt/slides/slide3.xml><?xml version="1.0" encoding="utf-8"?>
+<file path=ppt/slides/slide2.xml><?xml version="1.0" encoding="utf-8"?>
+<p:sld xmlns:a="http://schemas.openxmlformats.org/drawingml/2006/main" xmlns:r="http://schemas.openxmlformats.org/officeDocument/2006/relationships" xmlns:p="http://schemas.openxmlformats.org/presentationml/2006/main">
+  <p:cSld>
+    <p:spTree>
+      <p:nvGrpSpPr>
+        <p:cNvPr id="1" name=""/>
+        <p:cNvGrpSpPr/>
+        <p:nvPr/>
+      </p:nvGrpSpPr>
+      <p:grpSpPr>
+        <a:xfrm>
+          <a:off x="0" y="0"/>
+          <a:ext cx="0" cy="0"/>
+          <a:chOff x="0" y="0"/>
+          <a:chExt cx="0" cy="0"/>
+        </a:xfrm>
+      </p:grpSpPr>
+      <p:sp>
+        <p:nvSpPr>
+          <p:cNvPr id="8194" name="Rectangle 2"/>
+          <p:cNvSpPr>
+            <a:spLocks noGrp="1" noChangeArrowheads="1"/>
+          </p:cNvSpPr>
+          <p:nvPr>
+            <p:ph type="title"/>
+          </p:nvPr>
+        </p:nvSpPr>
+        <p:spPr>
+          <a:xfrm>
+            <a:off x="339725" y="492125"/>
+            <a:ext cx="8456613" cy="871538"/>
+          </a:xfrm>
+        </p:spPr>
+        <p:txBody>
+          <a:bodyPr>
+            <a:normAutofit/>
+          </a:bodyPr>
+          <a:lstStyle/>
+          <a:p>
+            <a:pPr eaLnBrk="1" hangingPunct="1">
+              <a:defRPr/>
+            </a:pPr>
+            <a:r>
+              <a:rPr lang="es-ES" sz="3200" b="1" dirty="0">
+                <a:solidFill>
+                  <a:schemeClr val="accent4">
+                    <a:lumMod val="50000"/>
+                  </a:schemeClr>
+                </a:solidFill>
+                <a:effectLst>
+                  <a:outerShdw blurRad="38100" dist="38100" dir="2700000" algn="tl">
+                    <a:srgbClr val="C0C0C0"/>
+                  </a:outerShdw>
+                </a:effectLst>
+                <a:latin typeface="Dom Casual" charset="0"/>
+              </a:rPr>
+              <a:t>Protocolos de ruteo</a:t>
+            </a:r>
+          </a:p>
+        </p:txBody>
+      </p:sp>
+      <p:pic>
+        <p:nvPicPr>
+          <p:cNvPr id="5" name="Picture 2"/>
+          <p:cNvPicPr>
+            <a:picLocks noChangeAspect="1" noChangeArrowheads="1"/>
+          </p:cNvPicPr>
+          <p:nvPr/>
+        </p:nvPicPr>
+        <p:blipFill>
+          <a:blip r:embed="rId3" cstate="email">
+            <a:extLst>
+              <a:ext uri="{28A0092B-C50C-407E-A947-70E740481C1C}">
+                <a14:useLocalDpi xmlns:a14="http://schemas.microsoft.com/office/drawing/2010/main" val="0"/>
+              </a:ext>
+            </a:extLst>
+          </a:blip>
+          <a:stretch>
+            <a:fillRect/>
+          </a:stretch>
+        </p:blipFill>
+        <p:spPr bwMode="auto">
+          <a:xfrm>
+            <a:off x="462030" y="2893586"/>
+            <a:ext cx="8240636" cy="2278742"/>
+          </a:xfrm>
+          <a:prstGeom prst="rect">
+            <a:avLst/>
+          </a:prstGeom>
+          <a:noFill/>
+          <a:ln>
+            <a:noFill/>
+          </a:ln>
+          <a:extLst>
+            <a:ext uri="{909E8E84-426E-40DD-AFC4-6F175D3DCCD1}">
+              <a14:hiddenFill xmlns:a14="http://schemas.microsoft.com/office/drawing/2010/main">
+                <a:solidFill>
+                  <a:schemeClr val="accent1"/>
+                </a:solidFill>
+              </a14:hiddenFill>
+            </a:ext>
+            <a:ext uri="{91240B29-F687-4F45-9708-019B960494DF}">
+              <a14:hiddenLine xmlns:a14="http://schemas.microsoft.com/office/drawing/2010/main" w="9525">
+                <a:solidFill>
+                  <a:schemeClr val="tx1"/>
+                </a:solidFill>
+                <a:miter lim="800000"/>
+                <a:headEnd/>
+                <a:tailEnd/>
+              </a14:hiddenLine>
+            </a:ext>
+          </a:extLst>
+        </p:spPr>
+      </p:pic>
+      <p:sp>
+        <p:nvSpPr>
+          <p:cNvPr id="7" name="CuadroTexto 6">
+            <a:extLst>
+              <a:ext uri="{FF2B5EF4-FFF2-40B4-BE49-F238E27FC236}">
+                <a16:creationId xmlns:a16="http://schemas.microsoft.com/office/drawing/2014/main" id="{D055E8FC-3B9D-45AB-B761-21E12571C0A3}"/>
+              </a:ext>
+            </a:extLst>
+          </p:cNvPr>
+          <p:cNvSpPr txBox="1"/>
+          <p:nvPr/>
+        </p:nvSpPr>
+        <p:spPr>
+          <a:xfrm>
+            <a:off x="1043607" y="1458020"/>
+            <a:ext cx="7412101" cy="646331"/>
+          </a:xfrm>
+          <a:prstGeom prst="rect">
+            <a:avLst/>
+          </a:prstGeom>
+          <a:noFill/>
+        </p:spPr>
+        <p:txBody>
+          <a:bodyPr wrap="square">
+            <a:spAutoFit/>
+          </a:bodyPr>
+          <a:lstStyle/>
+          <a:p>
+            <a:pPr marL="0" indent="0" algn="ctr">
+              <a:buNone/>
+            </a:pPr>
+            <a:r>
+              <a:rPr lang="es-ES" b="1" dirty="0">
+                <a:solidFill>
+                  <a:schemeClr val="accent6">
+                    <a:lumMod val="75000"/>
+                  </a:schemeClr>
+                </a:solidFill>
+              </a:rPr>
+              <a:t>Los protocolos de ruteo se usan para facilitar el intercambio de información de ruteo entre los ruteadores.</a:t>
+            </a:r>
+          </a:p>
+        </p:txBody>
+      </p:sp>
+      <p:sp>
+        <p:nvSpPr>
+          <p:cNvPr id="9" name="CuadroTexto 8">
+            <a:extLst>
+              <a:ext uri="{FF2B5EF4-FFF2-40B4-BE49-F238E27FC236}">
+                <a16:creationId xmlns:a16="http://schemas.microsoft.com/office/drawing/2014/main" id="{4D766BE3-C2F1-4BD5-8A19-5FAEE87E6635}"/>
+              </a:ext>
+            </a:extLst>
+          </p:cNvPr>
+          <p:cNvSpPr txBox="1"/>
+          <p:nvPr/>
+        </p:nvSpPr>
+        <p:spPr>
+          <a:xfrm>
+            <a:off x="701028" y="2708920"/>
+            <a:ext cx="7734006" cy="369332"/>
+          </a:xfrm>
+          <a:prstGeom prst="rect">
+            <a:avLst/>
+          </a:prstGeom>
+          <a:noFill/>
+        </p:spPr>
+        <p:txBody>
+          <a:bodyPr wrap="square">
+            <a:spAutoFit/>
+          </a:bodyPr>
+          <a:lstStyle/>
+          <a:p>
+            <a:pPr marL="0" indent="0">
+              <a:buNone/>
+            </a:pPr>
+            <a:r>
+              <a:rPr lang="es-ES" b="1" dirty="0"/>
+              <a:t>Clasificación de los protocolos de ruteo dinámico</a:t>
+            </a:r>
+          </a:p>
+        </p:txBody>
+      </p:sp>
+    </p:spTree>
+    <p:extLst>
+      <p:ext uri="{BB962C8B-B14F-4D97-AF65-F5344CB8AC3E}">
+        <p14:creationId xmlns:p14="http://schemas.microsoft.com/office/powerpoint/2010/main" val="323299099"/>
+      </p:ext>
+    </p:extLst>
+  </p:cSld>
+  <p:clrMapOvr>
+    <a:masterClrMapping/>
+  </p:clrMapOvr>
+  <p:transition spd="med">
+    <p:wipe dir="r"/>
+  </p:transition>
+</p:sld>
+</file>
+
+<file path=ppt/slides/slide20.xml><?xml version="1.0" encoding="utf-8"?>
 <p:sld xmlns:a="http://schemas.openxmlformats.org/drawingml/2006/main" xmlns:r="http://schemas.openxmlformats.org/officeDocument/2006/relationships" xmlns:p="http://schemas.openxmlformats.org/presentationml/2006/main">
   <p:cSld>
     <p:spTree>
@@ -4680,7 +11643,7 @@
 </p:sld>
 </file>
 
-<file path=ppt/slides/slide4.xml><?xml version="1.0" encoding="utf-8"?>
+<file path=ppt/slides/slide21.xml><?xml version="1.0" encoding="utf-8"?>
 <p:sld xmlns:a="http://schemas.openxmlformats.org/drawingml/2006/main" xmlns:r="http://schemas.openxmlformats.org/officeDocument/2006/relationships" xmlns:p="http://schemas.openxmlformats.org/presentationml/2006/main">
   <p:cSld>
     <p:spTree>
@@ -5026,7 +11989,7 @@
 </p:sld>
 </file>
 
-<file path=ppt/slides/slide5.xml><?xml version="1.0" encoding="utf-8"?>
+<file path=ppt/slides/slide22.xml><?xml version="1.0" encoding="utf-8"?>
 <p:sld xmlns:a="http://schemas.openxmlformats.org/drawingml/2006/main" xmlns:r="http://schemas.openxmlformats.org/officeDocument/2006/relationships" xmlns:p="http://schemas.openxmlformats.org/presentationml/2006/main">
   <p:cSld>
     <p:spTree>
@@ -5382,7 +12345,7 @@
 </p:sld>
 </file>
 
-<file path=ppt/slides/slide6.xml><?xml version="1.0" encoding="utf-8"?>
+<file path=ppt/slides/slide23.xml><?xml version="1.0" encoding="utf-8"?>
 <p:sld xmlns:a="http://schemas.openxmlformats.org/drawingml/2006/main" xmlns:r="http://schemas.openxmlformats.org/officeDocument/2006/relationships" xmlns:p="http://schemas.openxmlformats.org/presentationml/2006/main">
   <p:cSld>
     <p:spTree>
@@ -5738,7 +12701,7 @@
 </p:sld>
 </file>
 
-<file path=ppt/slides/slide7.xml><?xml version="1.0" encoding="utf-8"?>
+<file path=ppt/slides/slide24.xml><?xml version="1.0" encoding="utf-8"?>
 <p:sld xmlns:a="http://schemas.openxmlformats.org/drawingml/2006/main" xmlns:r="http://schemas.openxmlformats.org/officeDocument/2006/relationships" xmlns:p="http://schemas.openxmlformats.org/presentationml/2006/main">
   <p:cSld>
     <p:spTree>
@@ -6613,6 +13576,1618 @@
 </p:sld>
 </file>
 
+<file path=ppt/slides/slide3.xml><?xml version="1.0" encoding="utf-8"?>
+<p:sld xmlns:a="http://schemas.openxmlformats.org/drawingml/2006/main" xmlns:r="http://schemas.openxmlformats.org/officeDocument/2006/relationships" xmlns:p="http://schemas.openxmlformats.org/presentationml/2006/main">
+  <p:cSld>
+    <p:bg>
+      <p:bgRef idx="1001">
+        <a:schemeClr val="bg1"/>
+      </p:bgRef>
+    </p:bg>
+    <p:spTree>
+      <p:nvGrpSpPr>
+        <p:cNvPr id="1" name=""/>
+        <p:cNvGrpSpPr/>
+        <p:nvPr/>
+      </p:nvGrpSpPr>
+      <p:grpSpPr>
+        <a:xfrm>
+          <a:off x="0" y="0"/>
+          <a:ext cx="0" cy="0"/>
+          <a:chOff x="0" y="0"/>
+          <a:chExt cx="0" cy="0"/>
+        </a:xfrm>
+      </p:grpSpPr>
+      <p:sp>
+        <p:nvSpPr>
+          <p:cNvPr id="8194" name="Rectangle 2"/>
+          <p:cNvSpPr>
+            <a:spLocks noGrp="1" noChangeArrowheads="1"/>
+          </p:cNvSpPr>
+          <p:nvPr>
+            <p:ph type="title"/>
+          </p:nvPr>
+        </p:nvSpPr>
+        <p:spPr>
+          <a:xfrm>
+            <a:off x="169862" y="326101"/>
+            <a:ext cx="8804275" cy="871538"/>
+          </a:xfrm>
+        </p:spPr>
+        <p:txBody>
+          <a:bodyPr anchor="t"/>
+          <a:lstStyle/>
+          <a:p>
+            <a:pPr eaLnBrk="1" hangingPunct="1">
+              <a:defRPr/>
+            </a:pPr>
+            <a:r>
+              <a:rPr lang="es-ES" sz="3200" b="1" dirty="0">
+                <a:solidFill>
+                  <a:schemeClr val="accent4">
+                    <a:lumMod val="50000"/>
+                  </a:schemeClr>
+                </a:solidFill>
+                <a:effectLst>
+                  <a:outerShdw blurRad="38100" dist="38100" dir="2700000" algn="tl">
+                    <a:srgbClr val="C0C0C0"/>
+                  </a:outerShdw>
+                </a:effectLst>
+                <a:latin typeface="Dom Casual" charset="0"/>
+              </a:rPr>
+              <a:t>Protocolos de ruteo dinámico</a:t>
+            </a:r>
+          </a:p>
+        </p:txBody>
+      </p:sp>
+      <p:sp>
+        <p:nvSpPr>
+          <p:cNvPr id="38915" name="Content Placeholder 5"/>
+          <p:cNvSpPr>
+            <a:spLocks noGrp="1"/>
+          </p:cNvSpPr>
+          <p:nvPr>
+            <p:ph idx="1"/>
+          </p:nvPr>
+        </p:nvSpPr>
+        <p:spPr>
+          <a:xfrm>
+            <a:off x="368063" y="980728"/>
+            <a:ext cx="8407871" cy="4542972"/>
+          </a:xfrm>
+        </p:spPr>
+        <p:txBody>
+          <a:bodyPr>
+            <a:normAutofit/>
+          </a:bodyPr>
+          <a:lstStyle/>
+          <a:p>
+            <a:pPr marL="0" indent="0" algn="ctr">
+              <a:lnSpc>
+                <a:spcPct val="150000"/>
+              </a:lnSpc>
+              <a:spcBef>
+                <a:spcPts val="600"/>
+              </a:spcBef>
+              <a:spcAft>
+                <a:spcPts val="1200"/>
+              </a:spcAft>
+              <a:buNone/>
+            </a:pPr>
+            <a:r>
+              <a:rPr lang="es-ES" sz="1800" b="1" dirty="0">
+                <a:solidFill>
+                  <a:schemeClr val="accent5">
+                    <a:lumMod val="75000"/>
+                  </a:schemeClr>
+                </a:solidFill>
+              </a:rPr>
+              <a:t>Los protocolos de ruteo se usan para facilitar el intercambio de información de ruteo entre los ruteadores.</a:t>
+            </a:r>
+          </a:p>
+          <a:p>
+            <a:pPr marL="0" indent="0">
+              <a:lnSpc>
+                <a:spcPct val="150000"/>
+              </a:lnSpc>
+              <a:spcBef>
+                <a:spcPts val="600"/>
+              </a:spcBef>
+              <a:buNone/>
+            </a:pPr>
+            <a:r>
+              <a:rPr lang="es-ES" sz="1800" dirty="0"/>
+              <a:t>El </a:t>
+            </a:r>
+            <a:r>
+              <a:rPr lang="es-ES" sz="1800" b="1" dirty="0">
+                <a:solidFill>
+                  <a:schemeClr val="accent3">
+                    <a:lumMod val="75000"/>
+                  </a:schemeClr>
+                </a:solidFill>
+              </a:rPr>
+              <a:t>propósito de los protocolos </a:t>
+            </a:r>
+            <a:r>
+              <a:rPr lang="es-ES" sz="1800" dirty="0"/>
+              <a:t>de ruteo dinámico incluye:</a:t>
+            </a:r>
+          </a:p>
+          <a:p>
+            <a:pPr>
+              <a:lnSpc>
+                <a:spcPct val="150000"/>
+              </a:lnSpc>
+              <a:spcBef>
+                <a:spcPts val="600"/>
+              </a:spcBef>
+            </a:pPr>
+            <a:r>
+              <a:rPr lang="es-ES" sz="1800" b="1" dirty="0">
+                <a:solidFill>
+                  <a:schemeClr val="accent6">
+                    <a:lumMod val="75000"/>
+                  </a:schemeClr>
+                </a:solidFill>
+              </a:rPr>
+              <a:t>Descubrir redes remotas.</a:t>
+            </a:r>
+          </a:p>
+          <a:p>
+            <a:pPr>
+              <a:lnSpc>
+                <a:spcPct val="150000"/>
+              </a:lnSpc>
+              <a:spcBef>
+                <a:spcPts val="600"/>
+              </a:spcBef>
+            </a:pPr>
+            <a:r>
+              <a:rPr lang="es-ES" sz="1800" b="1" dirty="0">
+                <a:solidFill>
+                  <a:schemeClr val="accent6">
+                    <a:lumMod val="75000"/>
+                  </a:schemeClr>
+                </a:solidFill>
+              </a:rPr>
+              <a:t>Mantener la información de ruteo actualizada.</a:t>
+            </a:r>
+          </a:p>
+          <a:p>
+            <a:pPr>
+              <a:lnSpc>
+                <a:spcPct val="150000"/>
+              </a:lnSpc>
+              <a:spcBef>
+                <a:spcPts val="600"/>
+              </a:spcBef>
+            </a:pPr>
+            <a:r>
+              <a:rPr lang="es-ES" sz="1800" b="1" dirty="0">
+                <a:solidFill>
+                  <a:schemeClr val="accent6">
+                    <a:lumMod val="75000"/>
+                  </a:schemeClr>
+                </a:solidFill>
+              </a:rPr>
+              <a:t>Escoger el mejor camino hacia las redes de destino.</a:t>
+            </a:r>
+          </a:p>
+          <a:p>
+            <a:pPr>
+              <a:lnSpc>
+                <a:spcPct val="150000"/>
+              </a:lnSpc>
+              <a:spcBef>
+                <a:spcPts val="600"/>
+              </a:spcBef>
+            </a:pPr>
+            <a:r>
+              <a:rPr lang="es-ES" sz="1800" b="1" dirty="0">
+                <a:solidFill>
+                  <a:schemeClr val="accent6">
+                    <a:lumMod val="75000"/>
+                  </a:schemeClr>
+                </a:solidFill>
+              </a:rPr>
+              <a:t>Poder encontrar un mejor camino nuevo si la ruta actual deja de estar disponible.</a:t>
+            </a:r>
+          </a:p>
+        </p:txBody>
+      </p:sp>
+      <p:pic>
+        <p:nvPicPr>
+          <p:cNvPr id="3" name="Imagen 2" descr="Gráfico, Gráfico de líneas&#10;&#10;Descripción generada automáticamente">
+            <a:extLst>
+              <a:ext uri="{FF2B5EF4-FFF2-40B4-BE49-F238E27FC236}">
+                <a16:creationId xmlns:a16="http://schemas.microsoft.com/office/drawing/2014/main" id="{5988D61F-E72B-452C-9C9B-ED8582934286}"/>
+              </a:ext>
+            </a:extLst>
+          </p:cNvPr>
+          <p:cNvPicPr>
+            <a:picLocks noChangeAspect="1"/>
+          </p:cNvPicPr>
+          <p:nvPr/>
+        </p:nvPicPr>
+        <p:blipFill>
+          <a:blip r:embed="rId4">
+            <a:extLst>
+              <a:ext uri="{28A0092B-C50C-407E-A947-70E740481C1C}">
+                <a14:useLocalDpi xmlns:a14="http://schemas.microsoft.com/office/drawing/2010/main" val="0"/>
+              </a:ext>
+            </a:extLst>
+          </a:blip>
+          <a:stretch>
+            <a:fillRect/>
+          </a:stretch>
+        </p:blipFill>
+        <p:spPr>
+          <a:xfrm>
+            <a:off x="3419872" y="4555771"/>
+            <a:ext cx="4972050" cy="1647825"/>
+          </a:xfrm>
+          <a:prstGeom prst="rect">
+            <a:avLst/>
+          </a:prstGeom>
+        </p:spPr>
+      </p:pic>
+    </p:spTree>
+    <p:extLst>
+      <p:ext uri="{BB962C8B-B14F-4D97-AF65-F5344CB8AC3E}">
+        <p14:creationId xmlns:p14="http://schemas.microsoft.com/office/powerpoint/2010/main" val="807975010"/>
+      </p:ext>
+    </p:extLst>
+  </p:cSld>
+  <p:clrMapOvr>
+    <a:overrideClrMapping bg1="lt1" tx1="dk1" bg2="lt2" tx2="dk2" accent1="accent1" accent2="accent2" accent3="accent3" accent4="accent4" accent5="accent5" accent6="accent6" hlink="hlink" folHlink="folHlink"/>
+  </p:clrMapOvr>
+  <p:transition spd="med">
+    <p:wipe dir="r"/>
+  </p:transition>
+</p:sld>
+</file>
+
+<file path=ppt/slides/slide4.xml><?xml version="1.0" encoding="utf-8"?>
+<p:sld xmlns:a="http://schemas.openxmlformats.org/drawingml/2006/main" xmlns:r="http://schemas.openxmlformats.org/officeDocument/2006/relationships" xmlns:p="http://schemas.openxmlformats.org/presentationml/2006/main">
+  <p:cSld>
+    <p:spTree>
+      <p:nvGrpSpPr>
+        <p:cNvPr id="1" name=""/>
+        <p:cNvGrpSpPr/>
+        <p:nvPr/>
+      </p:nvGrpSpPr>
+      <p:grpSpPr>
+        <a:xfrm>
+          <a:off x="0" y="0"/>
+          <a:ext cx="0" cy="0"/>
+          <a:chOff x="0" y="0"/>
+          <a:chExt cx="0" cy="0"/>
+        </a:xfrm>
+      </p:grpSpPr>
+      <p:sp>
+        <p:nvSpPr>
+          <p:cNvPr id="8194" name="Rectangle 2"/>
+          <p:cNvSpPr>
+            <a:spLocks noGrp="1" noChangeArrowheads="1"/>
+          </p:cNvSpPr>
+          <p:nvPr>
+            <p:ph type="title"/>
+          </p:nvPr>
+        </p:nvSpPr>
+        <p:spPr>
+          <a:xfrm>
+            <a:off x="93662" y="116632"/>
+            <a:ext cx="8956675" cy="683958"/>
+          </a:xfrm>
+        </p:spPr>
+        <p:txBody>
+          <a:bodyPr anchor="t"/>
+          <a:lstStyle/>
+          <a:p>
+            <a:pPr eaLnBrk="1" hangingPunct="1">
+              <a:defRPr/>
+            </a:pPr>
+            <a:r>
+              <a:rPr lang="es-ES" sz="3200" b="1" dirty="0">
+                <a:solidFill>
+                  <a:schemeClr val="accent4">
+                    <a:lumMod val="50000"/>
+                  </a:schemeClr>
+                </a:solidFill>
+                <a:effectLst>
+                  <a:outerShdw blurRad="38100" dist="38100" dir="2700000" algn="tl">
+                    <a:srgbClr val="C0C0C0"/>
+                  </a:outerShdw>
+                </a:effectLst>
+                <a:latin typeface="Dom Casual" charset="0"/>
+              </a:rPr>
+              <a:t>Componentes de los protocolos de ruteo dinámico</a:t>
+            </a:r>
+          </a:p>
+        </p:txBody>
+      </p:sp>
+      <p:sp>
+        <p:nvSpPr>
+          <p:cNvPr id="38915" name="Content Placeholder 5"/>
+          <p:cNvSpPr>
+            <a:spLocks noGrp="1"/>
+          </p:cNvSpPr>
+          <p:nvPr>
+            <p:ph idx="1"/>
+          </p:nvPr>
+        </p:nvSpPr>
+        <p:spPr>
+          <a:xfrm>
+            <a:off x="302418" y="908720"/>
+            <a:ext cx="8539161" cy="4014132"/>
+          </a:xfrm>
+        </p:spPr>
+        <p:txBody>
+          <a:bodyPr>
+            <a:normAutofit/>
+          </a:bodyPr>
+          <a:lstStyle/>
+          <a:p>
+            <a:pPr marL="0" indent="0">
+              <a:lnSpc>
+                <a:spcPts val="3000"/>
+              </a:lnSpc>
+              <a:spcBef>
+                <a:spcPts val="600"/>
+              </a:spcBef>
+              <a:buNone/>
+            </a:pPr>
+            <a:r>
+              <a:rPr lang="es-ES" sz="1800" dirty="0"/>
+              <a:t>Los componentes principales de los protocolos de ruteo dinámico incluyen:</a:t>
+            </a:r>
+          </a:p>
+          <a:p>
+            <a:pPr lvl="0" algn="just">
+              <a:lnSpc>
+                <a:spcPts val="3000"/>
+              </a:lnSpc>
+              <a:spcBef>
+                <a:spcPts val="600"/>
+              </a:spcBef>
+            </a:pPr>
+            <a:r>
+              <a:rPr lang="es-ES" sz="1800" b="1" dirty="0">
+                <a:solidFill>
+                  <a:schemeClr val="accent6">
+                    <a:lumMod val="75000"/>
+                  </a:schemeClr>
+                </a:solidFill>
+              </a:rPr>
+              <a:t>Estructuras de datos:</a:t>
+            </a:r>
+            <a:r>
+              <a:rPr lang="es-ES" sz="1800" dirty="0">
+                <a:solidFill>
+                  <a:schemeClr val="accent6">
+                    <a:lumMod val="75000"/>
+                  </a:schemeClr>
+                </a:solidFill>
+              </a:rPr>
+              <a:t> </a:t>
+            </a:r>
+            <a:r>
+              <a:rPr lang="es-ES" sz="1800" dirty="0"/>
+              <a:t>Los protocolos de ruteo utilizan </a:t>
+            </a:r>
+            <a:r>
+              <a:rPr lang="es-ES" sz="1800" b="1" dirty="0"/>
+              <a:t>tablas</a:t>
+            </a:r>
+            <a:r>
+              <a:rPr lang="es-ES" sz="1800" dirty="0"/>
+              <a:t> o bases de datos para sus operaciones. Esta información se guarda en la RAM. </a:t>
+            </a:r>
+          </a:p>
+          <a:p>
+            <a:pPr lvl="0" algn="just">
+              <a:lnSpc>
+                <a:spcPts val="3000"/>
+              </a:lnSpc>
+              <a:spcBef>
+                <a:spcPts val="600"/>
+              </a:spcBef>
+            </a:pPr>
+            <a:r>
+              <a:rPr lang="es-ES" sz="1800" b="1" dirty="0">
+                <a:solidFill>
+                  <a:schemeClr val="accent6">
+                    <a:lumMod val="75000"/>
+                  </a:schemeClr>
+                </a:solidFill>
+              </a:rPr>
+              <a:t>Mensajes del protocolo de ruteo:</a:t>
+            </a:r>
+            <a:r>
+              <a:rPr lang="es-ES" sz="1800" dirty="0">
+                <a:solidFill>
+                  <a:schemeClr val="accent6">
+                    <a:lumMod val="75000"/>
+                  </a:schemeClr>
+                </a:solidFill>
+              </a:rPr>
+              <a:t> </a:t>
+            </a:r>
+            <a:r>
+              <a:rPr lang="es-ES" sz="1800" dirty="0"/>
+              <a:t>Los protocolos de ruteo usan varios tipos de mensajes para descubrir routers vecinos e intercambiar información de ruteo. </a:t>
+            </a:r>
+          </a:p>
+          <a:p>
+            <a:pPr lvl="0" algn="just">
+              <a:lnSpc>
+                <a:spcPts val="3000"/>
+              </a:lnSpc>
+              <a:spcBef>
+                <a:spcPts val="600"/>
+              </a:spcBef>
+            </a:pPr>
+            <a:r>
+              <a:rPr lang="es-ES" sz="1800" b="1" dirty="0">
+                <a:solidFill>
+                  <a:schemeClr val="accent6">
+                    <a:lumMod val="75000"/>
+                  </a:schemeClr>
+                </a:solidFill>
+              </a:rPr>
+              <a:t>Algoritmo:</a:t>
+            </a:r>
+            <a:r>
+              <a:rPr lang="es-ES" sz="1800" dirty="0"/>
+              <a:t> Los protocolos de ruteo usan </a:t>
+            </a:r>
+            <a:r>
+              <a:rPr lang="es-ES" sz="1800" b="1" dirty="0"/>
+              <a:t>algoritmos</a:t>
+            </a:r>
+            <a:r>
+              <a:rPr lang="es-ES" sz="1800" dirty="0"/>
+              <a:t> para facilitar información de ruteo, para determinar la </a:t>
+            </a:r>
+            <a:r>
+              <a:rPr lang="es-ES" sz="1800" b="1" dirty="0"/>
+              <a:t>mejor ruta</a:t>
+            </a:r>
+            <a:r>
+              <a:rPr lang="es-ES" sz="1800" dirty="0"/>
+              <a:t>. </a:t>
+            </a:r>
+          </a:p>
+        </p:txBody>
+      </p:sp>
+      <p:pic>
+        <p:nvPicPr>
+          <p:cNvPr id="6" name="Imagen 5">
+            <a:extLst>
+              <a:ext uri="{FF2B5EF4-FFF2-40B4-BE49-F238E27FC236}">
+                <a16:creationId xmlns:a16="http://schemas.microsoft.com/office/drawing/2014/main" id="{AC42E016-8EBD-4539-9DEC-79146D6C9C70}"/>
+              </a:ext>
+            </a:extLst>
+          </p:cNvPr>
+          <p:cNvPicPr>
+            <a:picLocks noChangeAspect="1"/>
+          </p:cNvPicPr>
+          <p:nvPr/>
+        </p:nvPicPr>
+        <p:blipFill>
+          <a:blip r:embed="rId3"/>
+          <a:stretch>
+            <a:fillRect/>
+          </a:stretch>
+        </p:blipFill>
+        <p:spPr>
+          <a:xfrm>
+            <a:off x="3851920" y="4149080"/>
+            <a:ext cx="4560505" cy="1800200"/>
+          </a:xfrm>
+          <a:prstGeom prst="rect">
+            <a:avLst/>
+          </a:prstGeom>
+        </p:spPr>
+      </p:pic>
+    </p:spTree>
+    <p:extLst>
+      <p:ext uri="{BB962C8B-B14F-4D97-AF65-F5344CB8AC3E}">
+        <p14:creationId xmlns:p14="http://schemas.microsoft.com/office/powerpoint/2010/main" val="917272116"/>
+      </p:ext>
+    </p:extLst>
+  </p:cSld>
+  <p:clrMapOvr>
+    <a:masterClrMapping/>
+  </p:clrMapOvr>
+  <p:transition spd="med">
+    <p:wipe dir="r"/>
+  </p:transition>
+</p:sld>
+</file>
+
+<file path=ppt/slides/slide5.xml><?xml version="1.0" encoding="utf-8"?>
+<p:sld xmlns:a="http://schemas.openxmlformats.org/drawingml/2006/main" xmlns:r="http://schemas.openxmlformats.org/officeDocument/2006/relationships" xmlns:p="http://schemas.openxmlformats.org/presentationml/2006/main">
+  <p:cSld>
+    <p:spTree>
+      <p:nvGrpSpPr>
+        <p:cNvPr id="1" name=""/>
+        <p:cNvGrpSpPr/>
+        <p:nvPr/>
+      </p:nvGrpSpPr>
+      <p:grpSpPr>
+        <a:xfrm>
+          <a:off x="0" y="0"/>
+          <a:ext cx="0" cy="0"/>
+          <a:chOff x="0" y="0"/>
+          <a:chExt cx="0" cy="0"/>
+        </a:xfrm>
+      </p:grpSpPr>
+      <p:sp>
+        <p:nvSpPr>
+          <p:cNvPr id="38915" name="Content Placeholder 5"/>
+          <p:cNvSpPr>
+            <a:spLocks noGrp="1"/>
+          </p:cNvSpPr>
+          <p:nvPr>
+            <p:ph idx="1"/>
+          </p:nvPr>
+        </p:nvSpPr>
+        <p:spPr>
+          <a:xfrm>
+            <a:off x="467544" y="1556792"/>
+            <a:ext cx="7940675" cy="2784751"/>
+          </a:xfrm>
+        </p:spPr>
+        <p:txBody>
+          <a:bodyPr>
+            <a:normAutofit/>
+          </a:bodyPr>
+          <a:lstStyle/>
+          <a:p>
+            <a:pPr marL="0" indent="0" algn="just">
+              <a:lnSpc>
+                <a:spcPct val="150000"/>
+              </a:lnSpc>
+              <a:spcBef>
+                <a:spcPts val="600"/>
+              </a:spcBef>
+              <a:buNone/>
+            </a:pPr>
+            <a:r>
+              <a:rPr lang="es-ES" sz="1800" dirty="0"/>
+              <a:t>Las redes generalmente utilizan una combinación de </a:t>
+            </a:r>
+            <a:r>
+              <a:rPr lang="es-ES" sz="1800" b="1" dirty="0">
+                <a:solidFill>
+                  <a:schemeClr val="accent6">
+                    <a:lumMod val="75000"/>
+                  </a:schemeClr>
+                </a:solidFill>
+              </a:rPr>
+              <a:t>ruteo estático </a:t>
+            </a:r>
+            <a:r>
+              <a:rPr lang="es-ES" sz="1800" dirty="0"/>
+              <a:t>y </a:t>
+            </a:r>
+            <a:r>
+              <a:rPr lang="es-ES" sz="1800" b="1" dirty="0">
+                <a:solidFill>
+                  <a:schemeClr val="accent6">
+                    <a:lumMod val="75000"/>
+                  </a:schemeClr>
+                </a:solidFill>
+              </a:rPr>
+              <a:t>dinámico</a:t>
+            </a:r>
+            <a:r>
+              <a:rPr lang="es-ES" sz="1800" dirty="0"/>
+              <a:t>.</a:t>
+            </a:r>
+          </a:p>
+          <a:p>
+            <a:pPr marL="0" indent="0" algn="just">
+              <a:lnSpc>
+                <a:spcPct val="150000"/>
+              </a:lnSpc>
+              <a:spcBef>
+                <a:spcPts val="600"/>
+              </a:spcBef>
+              <a:buNone/>
+            </a:pPr>
+            <a:r>
+              <a:rPr lang="es-ES" sz="1800" dirty="0"/>
+              <a:t>El ruteo estático tiene varios usos principales: </a:t>
+            </a:r>
+          </a:p>
+          <a:p>
+            <a:pPr marL="461963" indent="-342900" algn="just">
+              <a:lnSpc>
+                <a:spcPct val="150000"/>
+              </a:lnSpc>
+              <a:spcBef>
+                <a:spcPts val="600"/>
+              </a:spcBef>
+            </a:pPr>
+            <a:r>
+              <a:rPr lang="es-ES" sz="1800" dirty="0"/>
+              <a:t>En </a:t>
+            </a:r>
+            <a:r>
+              <a:rPr lang="es-ES" sz="1800" b="1" dirty="0">
+                <a:solidFill>
+                  <a:schemeClr val="accent6">
+                    <a:lumMod val="75000"/>
+                  </a:schemeClr>
+                </a:solidFill>
+              </a:rPr>
+              <a:t>redes pequeñas</a:t>
+            </a:r>
+            <a:r>
+              <a:rPr lang="es-ES" sz="1800" dirty="0"/>
+              <a:t>.</a:t>
+            </a:r>
+          </a:p>
+          <a:p>
+            <a:pPr marL="461963" indent="-342900" algn="just">
+              <a:lnSpc>
+                <a:spcPct val="150000"/>
+              </a:lnSpc>
+              <a:spcBef>
+                <a:spcPts val="600"/>
+              </a:spcBef>
+            </a:pPr>
+            <a:r>
+              <a:rPr lang="es-ES" sz="1800" dirty="0"/>
+              <a:t>Acceder a un único </a:t>
+            </a:r>
+            <a:r>
+              <a:rPr lang="es-ES" sz="1800" b="1" dirty="0">
+                <a:solidFill>
+                  <a:schemeClr val="accent6">
+                    <a:lumMod val="75000"/>
+                  </a:schemeClr>
+                </a:solidFill>
+              </a:rPr>
+              <a:t>router por default</a:t>
+            </a:r>
+            <a:r>
+              <a:rPr lang="es-ES" sz="1800" dirty="0">
+                <a:solidFill>
+                  <a:schemeClr val="accent6">
+                    <a:lumMod val="75000"/>
+                  </a:schemeClr>
+                </a:solidFill>
+              </a:rPr>
+              <a:t> </a:t>
+            </a:r>
+            <a:r>
+              <a:rPr lang="es-ES" sz="1800" dirty="0"/>
+              <a:t>o predeterminado. Se utiliza para representar una ruta hacia cualquier red que no tenga ninguna coincidencia en la tabla de ruteo. </a:t>
+            </a:r>
+          </a:p>
+        </p:txBody>
+      </p:sp>
+      <p:sp>
+        <p:nvSpPr>
+          <p:cNvPr id="6" name="Rectangle 2">
+            <a:extLst>
+              <a:ext uri="{FF2B5EF4-FFF2-40B4-BE49-F238E27FC236}">
+                <a16:creationId xmlns:a16="http://schemas.microsoft.com/office/drawing/2014/main" id="{DA38D072-EB55-4D16-B764-75B922264C39}"/>
+              </a:ext>
+            </a:extLst>
+          </p:cNvPr>
+          <p:cNvSpPr txBox="1">
+            <a:spLocks noChangeArrowheads="1"/>
+          </p:cNvSpPr>
+          <p:nvPr/>
+        </p:nvSpPr>
+        <p:spPr>
+          <a:xfrm>
+            <a:off x="323528" y="492125"/>
+            <a:ext cx="8480747" cy="871538"/>
+          </a:xfrm>
+          <a:prstGeom prst="rect">
+            <a:avLst/>
+          </a:prstGeom>
+        </p:spPr>
+        <p:txBody>
+          <a:bodyPr vert="horz" lIns="91440" tIns="45720" rIns="91440" bIns="45720" rtlCol="0" anchor="ctr">
+            <a:normAutofit fontScale="97500" lnSpcReduction="10000"/>
+          </a:bodyPr>
+          <a:lstStyle>
+            <a:lvl1pPr algn="ctr" defTabSz="914400" rtl="0" eaLnBrk="1" latinLnBrk="0" hangingPunct="1">
+              <a:spcBef>
+                <a:spcPct val="0"/>
+              </a:spcBef>
+              <a:buNone/>
+              <a:defRPr sz="4400" kern="1200">
+                <a:solidFill>
+                  <a:schemeClr val="tx1"/>
+                </a:solidFill>
+                <a:latin typeface="+mj-lt"/>
+                <a:ea typeface="+mj-ea"/>
+                <a:cs typeface="+mj-cs"/>
+              </a:defRPr>
+            </a:lvl1pPr>
+          </a:lstStyle>
+          <a:p>
+            <a:pPr>
+              <a:defRPr/>
+            </a:pPr>
+            <a:r>
+              <a:rPr lang="es-ES" sz="3200" b="1" dirty="0">
+                <a:solidFill>
+                  <a:schemeClr val="accent4">
+                    <a:lumMod val="50000"/>
+                  </a:schemeClr>
+                </a:solidFill>
+                <a:effectLst>
+                  <a:outerShdw blurRad="38100" dist="38100" dir="2700000" algn="tl">
+                    <a:srgbClr val="C0C0C0"/>
+                  </a:outerShdw>
+                </a:effectLst>
+                <a:latin typeface="Dom Casual" charset="0"/>
+              </a:rPr>
+              <a:t>Comparación entre ruteo dinámico y estático</a:t>
+            </a:r>
+            <a:br>
+              <a:rPr lang="es-ES" dirty="0"/>
+            </a:br>
+            <a:r>
+              <a:rPr lang="es-ES" sz="2200" b="1" dirty="0">
+                <a:solidFill>
+                  <a:schemeClr val="accent5">
+                    <a:lumMod val="75000"/>
+                  </a:schemeClr>
+                </a:solidFill>
+              </a:rPr>
+              <a:t>Usos del ruteo estático</a:t>
+            </a:r>
+            <a:endParaRPr lang="es-ES" sz="2200" b="1" dirty="0">
+              <a:solidFill>
+                <a:schemeClr val="accent5">
+                  <a:lumMod val="75000"/>
+                </a:schemeClr>
+              </a:solidFill>
+              <a:cs typeface="Arial" pitchFamily="34" charset="0"/>
+            </a:endParaRPr>
+          </a:p>
+        </p:txBody>
+      </p:sp>
+      <p:pic>
+        <p:nvPicPr>
+          <p:cNvPr id="5" name="Imagen 4">
+            <a:extLst>
+              <a:ext uri="{FF2B5EF4-FFF2-40B4-BE49-F238E27FC236}">
+                <a16:creationId xmlns:a16="http://schemas.microsoft.com/office/drawing/2014/main" id="{371FE67A-5164-4857-AFC2-76C6B1D19C6D}"/>
+              </a:ext>
+            </a:extLst>
+          </p:cNvPr>
+          <p:cNvPicPr>
+            <a:picLocks noChangeAspect="1"/>
+          </p:cNvPicPr>
+          <p:nvPr/>
+        </p:nvPicPr>
+        <p:blipFill>
+          <a:blip r:embed="rId3"/>
+          <a:stretch>
+            <a:fillRect/>
+          </a:stretch>
+        </p:blipFill>
+        <p:spPr>
+          <a:xfrm>
+            <a:off x="2915816" y="4127766"/>
+            <a:ext cx="5362892" cy="2263950"/>
+          </a:xfrm>
+          <a:prstGeom prst="rect">
+            <a:avLst/>
+          </a:prstGeom>
+        </p:spPr>
+      </p:pic>
+    </p:spTree>
+    <p:extLst>
+      <p:ext uri="{BB962C8B-B14F-4D97-AF65-F5344CB8AC3E}">
+        <p14:creationId xmlns:p14="http://schemas.microsoft.com/office/powerpoint/2010/main" val="4137098835"/>
+      </p:ext>
+    </p:extLst>
+  </p:cSld>
+  <p:clrMapOvr>
+    <a:masterClrMapping/>
+  </p:clrMapOvr>
+  <p:transition spd="med">
+    <p:wipe dir="r"/>
+  </p:transition>
+</p:sld>
+</file>
+
+<file path=ppt/slides/slide6.xml><?xml version="1.0" encoding="utf-8"?>
+<p:sld xmlns:a="http://schemas.openxmlformats.org/drawingml/2006/main" xmlns:r="http://schemas.openxmlformats.org/officeDocument/2006/relationships" xmlns:p="http://schemas.openxmlformats.org/presentationml/2006/main">
+  <p:cSld>
+    <p:spTree>
+      <p:nvGrpSpPr>
+        <p:cNvPr id="1" name=""/>
+        <p:cNvGrpSpPr/>
+        <p:nvPr/>
+      </p:nvGrpSpPr>
+      <p:grpSpPr>
+        <a:xfrm>
+          <a:off x="0" y="0"/>
+          <a:ext cx="0" cy="0"/>
+          <a:chOff x="0" y="0"/>
+          <a:chExt cx="0" cy="0"/>
+        </a:xfrm>
+      </p:grpSpPr>
+      <p:pic>
+        <p:nvPicPr>
+          <p:cNvPr id="6146" name="Picture 2"/>
+          <p:cNvPicPr>
+            <a:picLocks noChangeAspect="1" noChangeArrowheads="1"/>
+          </p:cNvPicPr>
+          <p:nvPr/>
+        </p:nvPicPr>
+        <p:blipFill>
+          <a:blip r:embed="rId3" cstate="email">
+            <a:extLst>
+              <a:ext uri="{28A0092B-C50C-407E-A947-70E740481C1C}">
+                <a14:useLocalDpi xmlns:a14="http://schemas.microsoft.com/office/drawing/2010/main" val="0"/>
+              </a:ext>
+            </a:extLst>
+          </a:blip>
+          <a:stretch>
+            <a:fillRect/>
+          </a:stretch>
+        </p:blipFill>
+        <p:spPr bwMode="auto">
+          <a:xfrm>
+            <a:off x="819258" y="1489669"/>
+            <a:ext cx="7478289" cy="4780503"/>
+          </a:xfrm>
+          <a:prstGeom prst="rect">
+            <a:avLst/>
+          </a:prstGeom>
+          <a:noFill/>
+          <a:ln>
+            <a:noFill/>
+          </a:ln>
+          <a:extLst>
+            <a:ext uri="{909E8E84-426E-40DD-AFC4-6F175D3DCCD1}">
+              <a14:hiddenFill xmlns:a14="http://schemas.microsoft.com/office/drawing/2010/main">
+                <a:solidFill>
+                  <a:schemeClr val="accent1"/>
+                </a:solidFill>
+              </a14:hiddenFill>
+            </a:ext>
+            <a:ext uri="{91240B29-F687-4F45-9708-019B960494DF}">
+              <a14:hiddenLine xmlns:a14="http://schemas.microsoft.com/office/drawing/2010/main" w="9525">
+                <a:solidFill>
+                  <a:schemeClr val="tx1"/>
+                </a:solidFill>
+                <a:miter lim="800000"/>
+                <a:headEnd/>
+                <a:tailEnd/>
+              </a14:hiddenLine>
+            </a:ext>
+          </a:extLst>
+        </p:spPr>
+      </p:pic>
+      <p:sp>
+        <p:nvSpPr>
+          <p:cNvPr id="6" name="Rectangle 2">
+            <a:extLst>
+              <a:ext uri="{FF2B5EF4-FFF2-40B4-BE49-F238E27FC236}">
+                <a16:creationId xmlns:a16="http://schemas.microsoft.com/office/drawing/2014/main" id="{B4299E7E-E397-4776-B125-A59AA2C233BD}"/>
+              </a:ext>
+            </a:extLst>
+          </p:cNvPr>
+          <p:cNvSpPr txBox="1">
+            <a:spLocks noChangeArrowheads="1"/>
+          </p:cNvSpPr>
+          <p:nvPr/>
+        </p:nvSpPr>
+        <p:spPr>
+          <a:xfrm>
+            <a:off x="323528" y="492125"/>
+            <a:ext cx="8480747" cy="871538"/>
+          </a:xfrm>
+          <a:prstGeom prst="rect">
+            <a:avLst/>
+          </a:prstGeom>
+        </p:spPr>
+        <p:txBody>
+          <a:bodyPr vert="horz" lIns="91440" tIns="45720" rIns="91440" bIns="45720" rtlCol="0" anchor="ctr">
+            <a:normAutofit fontScale="97500" lnSpcReduction="10000"/>
+          </a:bodyPr>
+          <a:lstStyle>
+            <a:lvl1pPr algn="ctr" defTabSz="914400" rtl="0" eaLnBrk="1" latinLnBrk="0" hangingPunct="1">
+              <a:spcBef>
+                <a:spcPct val="0"/>
+              </a:spcBef>
+              <a:buNone/>
+              <a:defRPr sz="4400" kern="1200">
+                <a:solidFill>
+                  <a:schemeClr val="tx1"/>
+                </a:solidFill>
+                <a:latin typeface="+mj-lt"/>
+                <a:ea typeface="+mj-ea"/>
+                <a:cs typeface="+mj-cs"/>
+              </a:defRPr>
+            </a:lvl1pPr>
+          </a:lstStyle>
+          <a:p>
+            <a:pPr>
+              <a:defRPr/>
+            </a:pPr>
+            <a:r>
+              <a:rPr lang="es-ES" sz="3200" b="1" dirty="0">
+                <a:solidFill>
+                  <a:schemeClr val="accent4">
+                    <a:lumMod val="50000"/>
+                  </a:schemeClr>
+                </a:solidFill>
+                <a:effectLst>
+                  <a:outerShdw blurRad="38100" dist="38100" dir="2700000" algn="tl">
+                    <a:srgbClr val="C0C0C0"/>
+                  </a:outerShdw>
+                </a:effectLst>
+                <a:latin typeface="Dom Casual" charset="0"/>
+              </a:rPr>
+              <a:t>Comparación entre ruteo dinámico y estático</a:t>
+            </a:r>
+            <a:br>
+              <a:rPr lang="es-ES" dirty="0"/>
+            </a:br>
+            <a:r>
+              <a:rPr lang="es-ES" sz="2200" b="1" dirty="0">
+                <a:solidFill>
+                  <a:schemeClr val="accent6">
+                    <a:lumMod val="75000"/>
+                  </a:schemeClr>
+                </a:solidFill>
+              </a:rPr>
+              <a:t>Usos del ruteo estático</a:t>
+            </a:r>
+            <a:endParaRPr lang="es-ES" sz="2200" b="1" dirty="0">
+              <a:solidFill>
+                <a:schemeClr val="accent6">
+                  <a:lumMod val="75000"/>
+                </a:schemeClr>
+              </a:solidFill>
+              <a:cs typeface="Arial" pitchFamily="34" charset="0"/>
+            </a:endParaRPr>
+          </a:p>
+        </p:txBody>
+      </p:sp>
+    </p:spTree>
+    <p:extLst>
+      <p:ext uri="{BB962C8B-B14F-4D97-AF65-F5344CB8AC3E}">
+        <p14:creationId xmlns:p14="http://schemas.microsoft.com/office/powerpoint/2010/main" val="408860182"/>
+      </p:ext>
+    </p:extLst>
+  </p:cSld>
+  <p:clrMapOvr>
+    <a:masterClrMapping/>
+  </p:clrMapOvr>
+  <p:transition spd="med">
+    <p:wipe dir="r"/>
+  </p:transition>
+</p:sld>
+</file>
+
+<file path=ppt/slides/slide7.xml><?xml version="1.0" encoding="utf-8"?>
+<p:sld xmlns:a="http://schemas.openxmlformats.org/drawingml/2006/main" xmlns:r="http://schemas.openxmlformats.org/officeDocument/2006/relationships" xmlns:p="http://schemas.openxmlformats.org/presentationml/2006/main">
+  <p:cSld>
+    <p:spTree>
+      <p:nvGrpSpPr>
+        <p:cNvPr id="1" name=""/>
+        <p:cNvGrpSpPr/>
+        <p:nvPr/>
+      </p:nvGrpSpPr>
+      <p:grpSpPr>
+        <a:xfrm>
+          <a:off x="0" y="0"/>
+          <a:ext cx="0" cy="0"/>
+          <a:chOff x="0" y="0"/>
+          <a:chExt cx="0" cy="0"/>
+        </a:xfrm>
+      </p:grpSpPr>
+      <p:sp>
+        <p:nvSpPr>
+          <p:cNvPr id="8194" name="Rectangle 2"/>
+          <p:cNvSpPr>
+            <a:spLocks noGrp="1" noChangeArrowheads="1"/>
+          </p:cNvSpPr>
+          <p:nvPr>
+            <p:ph type="title"/>
+          </p:nvPr>
+        </p:nvSpPr>
+        <p:spPr>
+          <a:xfrm>
+            <a:off x="323528" y="492125"/>
+            <a:ext cx="8480747" cy="871538"/>
+          </a:xfrm>
+        </p:spPr>
+        <p:txBody>
+          <a:bodyPr>
+            <a:normAutofit fontScale="90000"/>
+          </a:bodyPr>
+          <a:lstStyle/>
+          <a:p>
+            <a:pPr eaLnBrk="1" hangingPunct="1">
+              <a:defRPr/>
+            </a:pPr>
+            <a:r>
+              <a:rPr lang="es-ES" sz="3200" b="1" dirty="0">
+                <a:solidFill>
+                  <a:schemeClr val="accent4">
+                    <a:lumMod val="50000"/>
+                  </a:schemeClr>
+                </a:solidFill>
+                <a:effectLst>
+                  <a:outerShdw blurRad="38100" dist="38100" dir="2700000" algn="tl">
+                    <a:srgbClr val="C0C0C0"/>
+                  </a:outerShdw>
+                </a:effectLst>
+                <a:latin typeface="Dom Casual" charset="0"/>
+              </a:rPr>
+              <a:t>Comparación entre ruteo dinámico y estático</a:t>
+            </a:r>
+            <a:br>
+              <a:rPr dirty="0"/>
+            </a:br>
+            <a:r>
+              <a:rPr lang="es-ES" sz="2200" b="1" dirty="0">
+                <a:solidFill>
+                  <a:schemeClr val="accent6">
+                    <a:lumMod val="75000"/>
+                  </a:schemeClr>
+                </a:solidFill>
+              </a:rPr>
+              <a:t>Ventajas y desventajas del ruteo estático</a:t>
+            </a:r>
+            <a:endParaRPr lang="es-ES" sz="2200" b="1" dirty="0">
+              <a:solidFill>
+                <a:schemeClr val="accent6">
+                  <a:lumMod val="75000"/>
+                </a:schemeClr>
+              </a:solidFill>
+              <a:cs typeface="Arial" pitchFamily="34" charset="0"/>
+            </a:endParaRPr>
+          </a:p>
+        </p:txBody>
+      </p:sp>
+      <p:pic>
+        <p:nvPicPr>
+          <p:cNvPr id="1026" name="Picture 2"/>
+          <p:cNvPicPr>
+            <a:picLocks noChangeAspect="1" noChangeArrowheads="1"/>
+          </p:cNvPicPr>
+          <p:nvPr/>
+        </p:nvPicPr>
+        <p:blipFill>
+          <a:blip r:embed="rId3" cstate="email">
+            <a:extLst>
+              <a:ext uri="{28A0092B-C50C-407E-A947-70E740481C1C}">
+                <a14:useLocalDpi xmlns:a14="http://schemas.microsoft.com/office/drawing/2010/main" val="0"/>
+              </a:ext>
+            </a:extLst>
+          </a:blip>
+          <a:stretch>
+            <a:fillRect/>
+          </a:stretch>
+        </p:blipFill>
+        <p:spPr bwMode="auto">
+          <a:xfrm>
+            <a:off x="635359" y="1794241"/>
+            <a:ext cx="7555603" cy="4047536"/>
+          </a:xfrm>
+          <a:prstGeom prst="rect">
+            <a:avLst/>
+          </a:prstGeom>
+          <a:noFill/>
+          <a:ln>
+            <a:noFill/>
+          </a:ln>
+          <a:extLst>
+            <a:ext uri="{909E8E84-426E-40DD-AFC4-6F175D3DCCD1}">
+              <a14:hiddenFill xmlns:a14="http://schemas.microsoft.com/office/drawing/2010/main">
+                <a:solidFill>
+                  <a:schemeClr val="accent1"/>
+                </a:solidFill>
+              </a14:hiddenFill>
+            </a:ext>
+            <a:ext uri="{91240B29-F687-4F45-9708-019B960494DF}">
+              <a14:hiddenLine xmlns:a14="http://schemas.microsoft.com/office/drawing/2010/main" w="9525">
+                <a:solidFill>
+                  <a:schemeClr val="tx1"/>
+                </a:solidFill>
+                <a:miter lim="800000"/>
+                <a:headEnd/>
+                <a:tailEnd/>
+              </a14:hiddenLine>
+            </a:ext>
+          </a:extLst>
+        </p:spPr>
+      </p:pic>
+    </p:spTree>
+    <p:extLst>
+      <p:ext uri="{BB962C8B-B14F-4D97-AF65-F5344CB8AC3E}">
+        <p14:creationId xmlns:p14="http://schemas.microsoft.com/office/powerpoint/2010/main" val="3527021735"/>
+      </p:ext>
+    </p:extLst>
+  </p:cSld>
+  <p:clrMapOvr>
+    <a:masterClrMapping/>
+  </p:clrMapOvr>
+  <p:transition spd="med">
+    <p:wipe dir="r"/>
+  </p:transition>
+</p:sld>
+</file>
+
+<file path=ppt/slides/slide8.xml><?xml version="1.0" encoding="utf-8"?>
+<p:sld xmlns:a="http://schemas.openxmlformats.org/drawingml/2006/main" xmlns:r="http://schemas.openxmlformats.org/officeDocument/2006/relationships" xmlns:p="http://schemas.openxmlformats.org/presentationml/2006/main">
+  <p:cSld>
+    <p:bg>
+      <p:bgRef idx="1001">
+        <a:schemeClr val="bg1"/>
+      </p:bgRef>
+    </p:bg>
+    <p:spTree>
+      <p:nvGrpSpPr>
+        <p:cNvPr id="1" name=""/>
+        <p:cNvGrpSpPr/>
+        <p:nvPr/>
+      </p:nvGrpSpPr>
+      <p:grpSpPr>
+        <a:xfrm>
+          <a:off x="0" y="0"/>
+          <a:ext cx="0" cy="0"/>
+          <a:chOff x="0" y="0"/>
+          <a:chExt cx="0" cy="0"/>
+        </a:xfrm>
+      </p:grpSpPr>
+      <p:pic>
+        <p:nvPicPr>
+          <p:cNvPr id="2" name="Picture 2"/>
+          <p:cNvPicPr>
+            <a:picLocks noChangeAspect="1" noChangeArrowheads="1"/>
+          </p:cNvPicPr>
+          <p:nvPr/>
+        </p:nvPicPr>
+        <p:blipFill>
+          <a:blip r:embed="rId4" cstate="email">
+            <a:extLst>
+              <a:ext uri="{28A0092B-C50C-407E-A947-70E740481C1C}">
+                <a14:useLocalDpi xmlns:a14="http://schemas.microsoft.com/office/drawing/2010/main" val="0"/>
+              </a:ext>
+            </a:extLst>
+          </a:blip>
+          <a:stretch>
+            <a:fillRect/>
+          </a:stretch>
+        </p:blipFill>
+        <p:spPr bwMode="auto">
+          <a:xfrm>
+            <a:off x="603116" y="1842230"/>
+            <a:ext cx="7967223" cy="3390113"/>
+          </a:xfrm>
+          <a:prstGeom prst="rect">
+            <a:avLst/>
+          </a:prstGeom>
+          <a:noFill/>
+          <a:ln>
+            <a:noFill/>
+          </a:ln>
+          <a:extLst>
+            <a:ext uri="{909E8E84-426E-40DD-AFC4-6F175D3DCCD1}">
+              <a14:hiddenFill xmlns:a14="http://schemas.microsoft.com/office/drawing/2010/main">
+                <a:solidFill>
+                  <a:schemeClr val="accent1"/>
+                </a:solidFill>
+              </a14:hiddenFill>
+            </a:ext>
+            <a:ext uri="{91240B29-F687-4F45-9708-019B960494DF}">
+              <a14:hiddenLine xmlns:a14="http://schemas.microsoft.com/office/drawing/2010/main" w="9525">
+                <a:solidFill>
+                  <a:schemeClr val="tx1"/>
+                </a:solidFill>
+                <a:miter lim="800000"/>
+                <a:headEnd/>
+                <a:tailEnd/>
+              </a14:hiddenLine>
+            </a:ext>
+          </a:extLst>
+        </p:spPr>
+      </p:pic>
+      <p:sp>
+        <p:nvSpPr>
+          <p:cNvPr id="6" name="Rectangle 2">
+            <a:extLst>
+              <a:ext uri="{FF2B5EF4-FFF2-40B4-BE49-F238E27FC236}">
+                <a16:creationId xmlns:a16="http://schemas.microsoft.com/office/drawing/2014/main" id="{5CBA5814-2B73-4205-878D-AB9324E02EFA}"/>
+              </a:ext>
+            </a:extLst>
+          </p:cNvPr>
+          <p:cNvSpPr>
+            <a:spLocks noGrp="1" noChangeArrowheads="1"/>
+          </p:cNvSpPr>
+          <p:nvPr>
+            <p:ph type="title"/>
+          </p:nvPr>
+        </p:nvSpPr>
+        <p:spPr>
+          <a:xfrm>
+            <a:off x="323528" y="492125"/>
+            <a:ext cx="8480747" cy="871538"/>
+          </a:xfrm>
+        </p:spPr>
+        <p:txBody>
+          <a:bodyPr>
+            <a:normAutofit fontScale="90000"/>
+          </a:bodyPr>
+          <a:lstStyle/>
+          <a:p>
+            <a:pPr eaLnBrk="1" hangingPunct="1">
+              <a:defRPr/>
+            </a:pPr>
+            <a:r>
+              <a:rPr lang="es-ES" sz="3200" b="1" dirty="0">
+                <a:solidFill>
+                  <a:schemeClr val="accent4">
+                    <a:lumMod val="50000"/>
+                  </a:schemeClr>
+                </a:solidFill>
+                <a:effectLst>
+                  <a:outerShdw blurRad="38100" dist="38100" dir="2700000" algn="tl">
+                    <a:srgbClr val="C0C0C0"/>
+                  </a:outerShdw>
+                </a:effectLst>
+                <a:latin typeface="Dom Casual" charset="0"/>
+              </a:rPr>
+              <a:t>Comparación entre ruteo dinámico y estático</a:t>
+            </a:r>
+            <a:br>
+              <a:rPr dirty="0"/>
+            </a:br>
+            <a:r>
+              <a:rPr lang="es-ES" sz="2200" b="1" dirty="0">
+                <a:solidFill>
+                  <a:schemeClr val="accent6">
+                    <a:lumMod val="75000"/>
+                  </a:schemeClr>
+                </a:solidFill>
+              </a:rPr>
+              <a:t>Ventajas y desventajas del ruteo dinámico</a:t>
+            </a:r>
+            <a:endParaRPr lang="es-ES" sz="2200" b="1" dirty="0">
+              <a:solidFill>
+                <a:schemeClr val="accent6">
+                  <a:lumMod val="75000"/>
+                </a:schemeClr>
+              </a:solidFill>
+              <a:cs typeface="Arial" pitchFamily="34" charset="0"/>
+            </a:endParaRPr>
+          </a:p>
+        </p:txBody>
+      </p:sp>
+    </p:spTree>
+    <p:extLst>
+      <p:ext uri="{BB962C8B-B14F-4D97-AF65-F5344CB8AC3E}">
+        <p14:creationId xmlns:p14="http://schemas.microsoft.com/office/powerpoint/2010/main" val="263672559"/>
+      </p:ext>
+    </p:extLst>
+  </p:cSld>
+  <p:clrMapOvr>
+    <a:overrideClrMapping bg1="lt1" tx1="dk1" bg2="lt2" tx2="dk2" accent1="accent1" accent2="accent2" accent3="accent3" accent4="accent4" accent5="accent5" accent6="accent6" hlink="hlink" folHlink="folHlink"/>
+  </p:clrMapOvr>
+  <p:transition spd="med">
+    <p:wipe dir="r"/>
+  </p:transition>
+</p:sld>
+</file>
+
+<file path=ppt/slides/slide9.xml><?xml version="1.0" encoding="utf-8"?>
+<p:sld xmlns:a="http://schemas.openxmlformats.org/drawingml/2006/main" xmlns:r="http://schemas.openxmlformats.org/officeDocument/2006/relationships" xmlns:p="http://schemas.openxmlformats.org/presentationml/2006/main">
+  <p:cSld>
+    <p:spTree>
+      <p:nvGrpSpPr>
+        <p:cNvPr id="1" name=""/>
+        <p:cNvGrpSpPr/>
+        <p:nvPr/>
+      </p:nvGrpSpPr>
+      <p:grpSpPr>
+        <a:xfrm>
+          <a:off x="0" y="0"/>
+          <a:ext cx="0" cy="0"/>
+          <a:chOff x="0" y="0"/>
+          <a:chExt cx="0" cy="0"/>
+        </a:xfrm>
+      </p:grpSpPr>
+      <p:sp>
+        <p:nvSpPr>
+          <p:cNvPr id="6" name="Rectangle 2">
+            <a:extLst>
+              <a:ext uri="{FF2B5EF4-FFF2-40B4-BE49-F238E27FC236}">
+                <a16:creationId xmlns:a16="http://schemas.microsoft.com/office/drawing/2014/main" id="{5CBA5814-2B73-4205-878D-AB9324E02EFA}"/>
+              </a:ext>
+            </a:extLst>
+          </p:cNvPr>
+          <p:cNvSpPr>
+            <a:spLocks noGrp="1" noChangeArrowheads="1"/>
+          </p:cNvSpPr>
+          <p:nvPr>
+            <p:ph type="title"/>
+          </p:nvPr>
+        </p:nvSpPr>
+        <p:spPr>
+          <a:xfrm>
+            <a:off x="223614" y="188640"/>
+            <a:ext cx="8480747" cy="871538"/>
+          </a:xfrm>
+        </p:spPr>
+        <p:txBody>
+          <a:bodyPr>
+            <a:normAutofit/>
+          </a:bodyPr>
+          <a:lstStyle/>
+          <a:p>
+            <a:pPr eaLnBrk="1" hangingPunct="1">
+              <a:defRPr/>
+            </a:pPr>
+            <a:r>
+              <a:rPr lang="es-ES" sz="3200" b="1" dirty="0">
+                <a:solidFill>
+                  <a:schemeClr val="accent4">
+                    <a:lumMod val="50000"/>
+                  </a:schemeClr>
+                </a:solidFill>
+                <a:effectLst>
+                  <a:outerShdw blurRad="38100" dist="38100" dir="2700000" algn="tl">
+                    <a:srgbClr val="C0C0C0"/>
+                  </a:outerShdw>
+                </a:effectLst>
+                <a:latin typeface="Dom Casual" charset="0"/>
+              </a:rPr>
+              <a:t>Ventajas OSPF</a:t>
+            </a:r>
+            <a:endParaRPr lang="es-ES" sz="2200" b="1" dirty="0">
+              <a:solidFill>
+                <a:schemeClr val="accent6">
+                  <a:lumMod val="75000"/>
+                </a:schemeClr>
+              </a:solidFill>
+              <a:cs typeface="Arial" pitchFamily="34" charset="0"/>
+            </a:endParaRPr>
+          </a:p>
+        </p:txBody>
+      </p:sp>
+      <p:sp>
+        <p:nvSpPr>
+          <p:cNvPr id="5" name="CuadroTexto 4">
+            <a:extLst>
+              <a:ext uri="{FF2B5EF4-FFF2-40B4-BE49-F238E27FC236}">
+                <a16:creationId xmlns:a16="http://schemas.microsoft.com/office/drawing/2014/main" id="{8706B017-DA83-406D-B0B6-D8928102C70D}"/>
+              </a:ext>
+            </a:extLst>
+          </p:cNvPr>
+          <p:cNvSpPr txBox="1"/>
+          <p:nvPr/>
+        </p:nvSpPr>
+        <p:spPr>
+          <a:xfrm>
+            <a:off x="467543" y="1196752"/>
+            <a:ext cx="7992888" cy="2414572"/>
+          </a:xfrm>
+          <a:prstGeom prst="rect">
+            <a:avLst/>
+          </a:prstGeom>
+          <a:noFill/>
+        </p:spPr>
+        <p:txBody>
+          <a:bodyPr wrap="square">
+            <a:spAutoFit/>
+          </a:bodyPr>
+          <a:lstStyle/>
+          <a:p>
+            <a:pPr marL="285750" indent="-285750">
+              <a:lnSpc>
+                <a:spcPts val="2700"/>
+              </a:lnSpc>
+              <a:spcAft>
+                <a:spcPts val="800"/>
+              </a:spcAft>
+              <a:buFont typeface="Arial" panose="020B0604020202020204" pitchFamily="34" charset="0"/>
+              <a:buChar char="•"/>
+              <a:tabLst>
+                <a:tab pos="581660" algn="l"/>
+                <a:tab pos="1163320" algn="l"/>
+                <a:tab pos="1744980" algn="l"/>
+                <a:tab pos="2326640" algn="l"/>
+                <a:tab pos="2908300" algn="l"/>
+                <a:tab pos="3489960" algn="l"/>
+                <a:tab pos="4071620" algn="l"/>
+                <a:tab pos="4653280" algn="l"/>
+                <a:tab pos="5234940" algn="l"/>
+                <a:tab pos="5816600" algn="l"/>
+                <a:tab pos="6398260" algn="l"/>
+                <a:tab pos="6979920" algn="l"/>
+                <a:tab pos="7561580" algn="l"/>
+                <a:tab pos="8143240" algn="l"/>
+                <a:tab pos="8724900" algn="l"/>
+                <a:tab pos="9306560" algn="l"/>
+              </a:tabLst>
+            </a:pPr>
+            <a:r>
+              <a:rPr lang="es-ES" dirty="0">
+                <a:solidFill>
+                  <a:srgbClr val="202124"/>
+                </a:solidFill>
+                <a:effectLst/>
+                <a:ea typeface="Times New Roman" panose="02020603050405020304" pitchFamily="18" charset="0"/>
+                <a:cs typeface="Courier New" panose="02070309020205020404" pitchFamily="49" charset="0"/>
+              </a:rPr>
+              <a:t>OSPF no tiene limitaciones de conteo de saltos. (RIP solo tiene 15 saltos).</a:t>
+            </a:r>
+            <a:endParaRPr lang="es-MX" dirty="0">
+              <a:effectLst/>
+              <a:ea typeface="Calibri" panose="020F0502020204030204" pitchFamily="34" charset="0"/>
+              <a:cs typeface="Times New Roman" panose="02020603050405020304" pitchFamily="18" charset="0"/>
+            </a:endParaRPr>
+          </a:p>
+          <a:p>
+            <a:pPr marL="285750" indent="-285750">
+              <a:lnSpc>
+                <a:spcPts val="2700"/>
+              </a:lnSpc>
+              <a:spcAft>
+                <a:spcPts val="800"/>
+              </a:spcAft>
+              <a:buFont typeface="Arial" panose="020B0604020202020204" pitchFamily="34" charset="0"/>
+              <a:buChar char="•"/>
+              <a:tabLst>
+                <a:tab pos="581660" algn="l"/>
+                <a:tab pos="1163320" algn="l"/>
+                <a:tab pos="1744980" algn="l"/>
+                <a:tab pos="2326640" algn="l"/>
+                <a:tab pos="2908300" algn="l"/>
+                <a:tab pos="3489960" algn="l"/>
+                <a:tab pos="4071620" algn="l"/>
+                <a:tab pos="4653280" algn="l"/>
+                <a:tab pos="5234940" algn="l"/>
+                <a:tab pos="5816600" algn="l"/>
+                <a:tab pos="6398260" algn="l"/>
+                <a:tab pos="6979920" algn="l"/>
+                <a:tab pos="7561580" algn="l"/>
+                <a:tab pos="8143240" algn="l"/>
+                <a:tab pos="8724900" algn="l"/>
+                <a:tab pos="9306560" algn="l"/>
+              </a:tabLst>
+            </a:pPr>
+            <a:r>
+              <a:rPr lang="es-ES" dirty="0">
+                <a:solidFill>
+                  <a:srgbClr val="202124"/>
+                </a:solidFill>
+                <a:effectLst/>
+                <a:ea typeface="Times New Roman" panose="02020603050405020304" pitchFamily="18" charset="0"/>
+                <a:cs typeface="Courier New" panose="02070309020205020404" pitchFamily="49" charset="0"/>
+              </a:rPr>
+              <a:t>OSPF entiende las máscaras de subred de longitud variable (VLSM) y permite </a:t>
+            </a:r>
+            <a:r>
+              <a:rPr lang="es-ES" dirty="0" err="1">
+                <a:solidFill>
+                  <a:srgbClr val="202124"/>
+                </a:solidFill>
+                <a:effectLst/>
+                <a:ea typeface="Times New Roman" panose="02020603050405020304" pitchFamily="18" charset="0"/>
+                <a:cs typeface="Courier New" panose="02070309020205020404" pitchFamily="49" charset="0"/>
+              </a:rPr>
+              <a:t>sumarizar</a:t>
+            </a:r>
+            <a:r>
+              <a:rPr lang="es-ES" dirty="0">
+                <a:solidFill>
+                  <a:srgbClr val="202124"/>
+                </a:solidFill>
+                <a:effectLst/>
+                <a:ea typeface="Times New Roman" panose="02020603050405020304" pitchFamily="18" charset="0"/>
+                <a:cs typeface="Courier New" panose="02070309020205020404" pitchFamily="49" charset="0"/>
+              </a:rPr>
+              <a:t> las redes.</a:t>
+            </a:r>
+            <a:endParaRPr lang="es-MX" dirty="0">
+              <a:effectLst/>
+              <a:ea typeface="Calibri" panose="020F0502020204030204" pitchFamily="34" charset="0"/>
+              <a:cs typeface="Times New Roman" panose="02020603050405020304" pitchFamily="18" charset="0"/>
+            </a:endParaRPr>
+          </a:p>
+          <a:p>
+            <a:pPr marL="285750" indent="-285750">
+              <a:lnSpc>
+                <a:spcPts val="2700"/>
+              </a:lnSpc>
+              <a:spcAft>
+                <a:spcPts val="800"/>
+              </a:spcAft>
+              <a:buFont typeface="Arial" panose="020B0604020202020204" pitchFamily="34" charset="0"/>
+              <a:buChar char="•"/>
+              <a:tabLst>
+                <a:tab pos="581660" algn="l"/>
+                <a:tab pos="1163320" algn="l"/>
+                <a:tab pos="1744980" algn="l"/>
+                <a:tab pos="2326640" algn="l"/>
+                <a:tab pos="2908300" algn="l"/>
+                <a:tab pos="3489960" algn="l"/>
+                <a:tab pos="4071620" algn="l"/>
+                <a:tab pos="4653280" algn="l"/>
+                <a:tab pos="5234940" algn="l"/>
+                <a:tab pos="5816600" algn="l"/>
+                <a:tab pos="6398260" algn="l"/>
+                <a:tab pos="6979920" algn="l"/>
+                <a:tab pos="7561580" algn="l"/>
+                <a:tab pos="8143240" algn="l"/>
+                <a:tab pos="8724900" algn="l"/>
+                <a:tab pos="9306560" algn="l"/>
+              </a:tabLst>
+            </a:pPr>
+            <a:r>
+              <a:rPr lang="es-ES" dirty="0">
+                <a:solidFill>
+                  <a:srgbClr val="202124"/>
+                </a:solidFill>
+                <a:effectLst/>
+                <a:ea typeface="Times New Roman" panose="02020603050405020304" pitchFamily="18" charset="0"/>
+                <a:cs typeface="Courier New" panose="02070309020205020404" pitchFamily="49" charset="0"/>
+              </a:rPr>
+              <a:t>OSPF converge mucho más rápido que RIP, porque OSPF propaga los cambios inmediatamente. </a:t>
+            </a:r>
+            <a:endParaRPr lang="es-MX" dirty="0">
+              <a:effectLst/>
+              <a:ea typeface="Calibri" panose="020F0502020204030204" pitchFamily="34" charset="0"/>
+              <a:cs typeface="Times New Roman" panose="02020603050405020304" pitchFamily="18" charset="0"/>
+            </a:endParaRPr>
+          </a:p>
+          <a:p>
+            <a:pPr>
+              <a:lnSpc>
+                <a:spcPct val="107000"/>
+              </a:lnSpc>
+              <a:spcAft>
+                <a:spcPts val="800"/>
+              </a:spcAft>
+            </a:pPr>
+            <a:r>
+              <a:rPr lang="es-MX" dirty="0">
+                <a:effectLst/>
+                <a:ea typeface="Calibri" panose="020F0502020204030204" pitchFamily="34" charset="0"/>
+                <a:cs typeface="Times New Roman" panose="02020603050405020304" pitchFamily="18" charset="0"/>
+              </a:rPr>
+              <a:t> </a:t>
+            </a:r>
+          </a:p>
+        </p:txBody>
+      </p:sp>
+    </p:spTree>
+    <p:extLst>
+      <p:ext uri="{BB962C8B-B14F-4D97-AF65-F5344CB8AC3E}">
+        <p14:creationId xmlns:p14="http://schemas.microsoft.com/office/powerpoint/2010/main" val="3224769528"/>
+      </p:ext>
+    </p:extLst>
+  </p:cSld>
+  <p:clrMapOvr>
+    <a:masterClrMapping/>
+  </p:clrMapOvr>
+  <p:transition spd="med">
+    <p:wipe dir="r"/>
+  </p:transition>
+</p:sld>
+</file>
+
 <file path=ppt/theme/theme1.xml><?xml version="1.0" encoding="utf-8"?>
 <a:theme xmlns:a="http://schemas.openxmlformats.org/drawingml/2006/main" name="Tema de Office">
   <a:themeElements>
@@ -7181,4 +15756,90 @@
   <a:objectDefaults/>
   <a:extraClrSchemeLst/>
 </a:theme>
+</file>
+
+<file path=ppt/theme/themeOverride1.xml><?xml version="1.0" encoding="utf-8"?>
+<a:themeOverride xmlns:a="http://schemas.openxmlformats.org/drawingml/2006/main">
+  <a:clrScheme name="Office">
+    <a:dk1>
+      <a:sysClr val="windowText" lastClr="000000"/>
+    </a:dk1>
+    <a:lt1>
+      <a:sysClr val="window" lastClr="FFFFFF"/>
+    </a:lt1>
+    <a:dk2>
+      <a:srgbClr val="1F497D"/>
+    </a:dk2>
+    <a:lt2>
+      <a:srgbClr val="EEECE1"/>
+    </a:lt2>
+    <a:accent1>
+      <a:srgbClr val="4F81BD"/>
+    </a:accent1>
+    <a:accent2>
+      <a:srgbClr val="C0504D"/>
+    </a:accent2>
+    <a:accent3>
+      <a:srgbClr val="9BBB59"/>
+    </a:accent3>
+    <a:accent4>
+      <a:srgbClr val="8064A2"/>
+    </a:accent4>
+    <a:accent5>
+      <a:srgbClr val="4BACC6"/>
+    </a:accent5>
+    <a:accent6>
+      <a:srgbClr val="F79646"/>
+    </a:accent6>
+    <a:hlink>
+      <a:srgbClr val="0000FF"/>
+    </a:hlink>
+    <a:folHlink>
+      <a:srgbClr val="800080"/>
+    </a:folHlink>
+  </a:clrScheme>
+</a:themeOverride>
+</file>
+
+<file path=ppt/theme/themeOverride2.xml><?xml version="1.0" encoding="utf-8"?>
+<a:themeOverride xmlns:a="http://schemas.openxmlformats.org/drawingml/2006/main">
+  <a:clrScheme name="Office">
+    <a:dk1>
+      <a:sysClr val="windowText" lastClr="000000"/>
+    </a:dk1>
+    <a:lt1>
+      <a:sysClr val="window" lastClr="FFFFFF"/>
+    </a:lt1>
+    <a:dk2>
+      <a:srgbClr val="1F497D"/>
+    </a:dk2>
+    <a:lt2>
+      <a:srgbClr val="EEECE1"/>
+    </a:lt2>
+    <a:accent1>
+      <a:srgbClr val="4F81BD"/>
+    </a:accent1>
+    <a:accent2>
+      <a:srgbClr val="C0504D"/>
+    </a:accent2>
+    <a:accent3>
+      <a:srgbClr val="9BBB59"/>
+    </a:accent3>
+    <a:accent4>
+      <a:srgbClr val="8064A2"/>
+    </a:accent4>
+    <a:accent5>
+      <a:srgbClr val="4BACC6"/>
+    </a:accent5>
+    <a:accent6>
+      <a:srgbClr val="F79646"/>
+    </a:accent6>
+    <a:hlink>
+      <a:srgbClr val="0000FF"/>
+    </a:hlink>
+    <a:folHlink>
+      <a:srgbClr val="800080"/>
+    </a:folHlink>
+  </a:clrScheme>
+</a:themeOverride>
 </file>